--- a/presentation/MIDS_SamahBalkhair_Tweets_Opinions.pptx
+++ b/presentation/MIDS_SamahBalkhair_Tweets_Opinions.pptx
@@ -15,15 +15,21 @@
     <p:sldId id="268" r:id="rId9"/>
     <p:sldId id="265" r:id="rId10"/>
     <p:sldId id="266" r:id="rId11"/>
-    <p:sldId id="269" r:id="rId12"/>
-    <p:sldId id="272" r:id="rId13"/>
-    <p:sldId id="271" r:id="rId14"/>
-    <p:sldId id="270" r:id="rId15"/>
-    <p:sldId id="274" r:id="rId16"/>
-    <p:sldId id="275" r:id="rId17"/>
-    <p:sldId id="276" r:id="rId18"/>
-    <p:sldId id="277" r:id="rId19"/>
-    <p:sldId id="259" r:id="rId20"/>
+    <p:sldId id="279" r:id="rId12"/>
+    <p:sldId id="269" r:id="rId13"/>
+    <p:sldId id="272" r:id="rId14"/>
+    <p:sldId id="271" r:id="rId15"/>
+    <p:sldId id="270" r:id="rId16"/>
+    <p:sldId id="274" r:id="rId17"/>
+    <p:sldId id="275" r:id="rId18"/>
+    <p:sldId id="276" r:id="rId19"/>
+    <p:sldId id="277" r:id="rId20"/>
+    <p:sldId id="280" r:id="rId21"/>
+    <p:sldId id="281" r:id="rId22"/>
+    <p:sldId id="286" r:id="rId23"/>
+    <p:sldId id="278" r:id="rId24"/>
+    <p:sldId id="285" r:id="rId25"/>
+    <p:sldId id="282" r:id="rId26"/>
   </p:sldIdLst>
   <p:sldSz cx="12192000" cy="6858000"/>
   <p:notesSz cx="6858000" cy="9144000"/>
@@ -1229,13 +1235,7 @@
         <a:p>
           <a:r>
             <a:rPr lang="en-US" sz="2800" b="0" dirty="0"/>
-            <a:t>Find </a:t>
-          </a:r>
-        </a:p>
-        <a:p>
-          <a:r>
-            <a:rPr lang="en-US" sz="2800" b="0" dirty="0"/>
-            <a:t>the Result</a:t>
+            <a:t>Conclusion</a:t>
           </a:r>
         </a:p>
       </dgm:t>
@@ -2160,25 +2160,7 @@
           </a:pPr>
           <a:r>
             <a:rPr lang="en-US" sz="2800" b="0" kern="1200" dirty="0"/>
-            <a:t>Find </a:t>
-          </a:r>
-        </a:p>
-        <a:p>
-          <a:pPr marL="0" lvl="0" indent="0" algn="ctr" defTabSz="1244600">
-            <a:lnSpc>
-              <a:spcPct val="90000"/>
-            </a:lnSpc>
-            <a:spcBef>
-              <a:spcPct val="0"/>
-            </a:spcBef>
-            <a:spcAft>
-              <a:spcPct val="35000"/>
-            </a:spcAft>
-            <a:buNone/>
-          </a:pPr>
-          <a:r>
-            <a:rPr lang="en-US" sz="2800" b="0" kern="1200" dirty="0"/>
-            <a:t>the Result</a:t>
+            <a:t>Conclusion</a:t>
           </a:r>
         </a:p>
       </dsp:txBody>
@@ -7173,7 +7155,7 @@
         </p:blipFill>
         <p:spPr>
           <a:xfrm>
-            <a:off x="2209650" y="1572967"/>
+            <a:off x="1256313" y="1572967"/>
             <a:ext cx="6295389" cy="5240749"/>
           </a:xfrm>
           <a:prstGeom prst="rect">
@@ -7195,7 +7177,7 @@
         </p:nvSpPr>
         <p:spPr>
           <a:xfrm>
-            <a:off x="3939338" y="1257706"/>
+            <a:off x="2749167" y="1257706"/>
             <a:ext cx="4150142" cy="923330"/>
           </a:xfrm>
           <a:prstGeom prst="rect">
@@ -7256,7 +7238,7 @@
         </p:nvSpPr>
         <p:spPr>
           <a:xfrm>
-            <a:off x="7684366" y="5305538"/>
+            <a:off x="6715856" y="5305538"/>
             <a:ext cx="405114" cy="1319514"/>
           </a:xfrm>
           <a:prstGeom prst="ellipse">
@@ -7294,10 +7276,10 @@
       </p:sp>
       <p:sp>
         <p:nvSpPr>
-          <p:cNvPr id="20" name="Oval 19">
-            <a:extLst>
-              <a:ext uri="{FF2B5EF4-FFF2-40B4-BE49-F238E27FC236}">
-                <a16:creationId xmlns:a16="http://schemas.microsoft.com/office/drawing/2014/main" id="{137A9CE0-3C6E-4504-9319-CF4415E03E51}"/>
+          <p:cNvPr id="2" name="Rectangle 1">
+            <a:extLst>
+              <a:ext uri="{FF2B5EF4-FFF2-40B4-BE49-F238E27FC236}">
+                <a16:creationId xmlns:a16="http://schemas.microsoft.com/office/drawing/2014/main" id="{51113388-8AAC-4801-944A-B5FE92DD1C16}"/>
               </a:ext>
             </a:extLst>
           </p:cNvPr>
@@ -7306,10 +7288,10 @@
         </p:nvSpPr>
         <p:spPr>
           <a:xfrm>
-            <a:off x="6096000" y="5294755"/>
-            <a:ext cx="405114" cy="1319514"/>
+            <a:off x="5155178" y="1597848"/>
+            <a:ext cx="378727" cy="5052085"/>
           </a:xfrm>
-          <a:prstGeom prst="ellipse">
+          <a:prstGeom prst="rect">
             <a:avLst/>
           </a:prstGeom>
           <a:noFill/>
@@ -7321,13 +7303,13 @@
         </p:spPr>
         <p:style>
           <a:lnRef idx="2">
-            <a:schemeClr val="accent2"/>
+            <a:schemeClr val="accent6"/>
           </a:lnRef>
           <a:fillRef idx="1">
             <a:schemeClr val="lt1"/>
           </a:fillRef>
           <a:effectRef idx="0">
-            <a:schemeClr val="accent2"/>
+            <a:schemeClr val="accent6"/>
           </a:effectRef>
           <a:fontRef idx="minor">
             <a:schemeClr val="dk1"/>
@@ -7339,6 +7321,490 @@
           <a:p>
             <a:pPr algn="ctr"/>
             <a:endParaRPr lang="en-US"/>
+          </a:p>
+        </p:txBody>
+      </p:sp>
+      <p:sp>
+        <p:nvSpPr>
+          <p:cNvPr id="12" name="Oval 11">
+            <a:extLst>
+              <a:ext uri="{FF2B5EF4-FFF2-40B4-BE49-F238E27FC236}">
+                <a16:creationId xmlns:a16="http://schemas.microsoft.com/office/drawing/2014/main" id="{FB5B2E0A-7D3C-4CDC-89EF-A24424AD6092}"/>
+              </a:ext>
+            </a:extLst>
+          </p:cNvPr>
+          <p:cNvSpPr/>
+          <p:nvPr/>
+        </p:nvSpPr>
+        <p:spPr>
+          <a:xfrm>
+            <a:off x="7960300" y="2043090"/>
+            <a:ext cx="275892" cy="275892"/>
+          </a:xfrm>
+          <a:prstGeom prst="ellipse">
+            <a:avLst/>
+          </a:prstGeom>
+          <a:solidFill>
+            <a:srgbClr val="C00000"/>
+          </a:solidFill>
+          <a:ln>
+            <a:noFill/>
+          </a:ln>
+        </p:spPr>
+        <p:style>
+          <a:lnRef idx="2">
+            <a:schemeClr val="accent1">
+              <a:shade val="50000"/>
+            </a:schemeClr>
+          </a:lnRef>
+          <a:fillRef idx="1">
+            <a:schemeClr val="accent1"/>
+          </a:fillRef>
+          <a:effectRef idx="0">
+            <a:schemeClr val="accent1"/>
+          </a:effectRef>
+          <a:fontRef idx="minor">
+            <a:schemeClr val="lt1"/>
+          </a:fontRef>
+        </p:style>
+        <p:txBody>
+          <a:bodyPr rtlCol="0" anchor="ctr"/>
+          <a:lstStyle/>
+          <a:p>
+            <a:pPr algn="ctr"/>
+            <a:endParaRPr lang="en-US" sz="1400"/>
+          </a:p>
+        </p:txBody>
+      </p:sp>
+      <p:sp>
+        <p:nvSpPr>
+          <p:cNvPr id="13" name="TextBox 12">
+            <a:extLst>
+              <a:ext uri="{FF2B5EF4-FFF2-40B4-BE49-F238E27FC236}">
+                <a16:creationId xmlns:a16="http://schemas.microsoft.com/office/drawing/2014/main" id="{722D7AA8-3581-452A-BD56-C5B5B00A5687}"/>
+              </a:ext>
+            </a:extLst>
+          </p:cNvPr>
+          <p:cNvSpPr txBox="1"/>
+          <p:nvPr/>
+        </p:nvSpPr>
+        <p:spPr>
+          <a:xfrm>
+            <a:off x="8393124" y="1857870"/>
+            <a:ext cx="3203506" cy="646331"/>
+          </a:xfrm>
+          <a:prstGeom prst="rect">
+            <a:avLst/>
+          </a:prstGeom>
+          <a:noFill/>
+        </p:spPr>
+        <p:txBody>
+          <a:bodyPr wrap="none" rtlCol="0">
+            <a:spAutoFit/>
+          </a:bodyPr>
+          <a:lstStyle/>
+          <a:p>
+            <a:r>
+              <a:rPr lang="en-US" sz="3600" dirty="0"/>
+              <a:t>User Permission</a:t>
+            </a:r>
+          </a:p>
+        </p:txBody>
+      </p:sp>
+      <p:sp>
+        <p:nvSpPr>
+          <p:cNvPr id="14" name="Oval 13">
+            <a:extLst>
+              <a:ext uri="{FF2B5EF4-FFF2-40B4-BE49-F238E27FC236}">
+                <a16:creationId xmlns:a16="http://schemas.microsoft.com/office/drawing/2014/main" id="{872C5BDD-270B-4218-82FF-12316C08D310}"/>
+              </a:ext>
+            </a:extLst>
+          </p:cNvPr>
+          <p:cNvSpPr/>
+          <p:nvPr/>
+        </p:nvSpPr>
+        <p:spPr>
+          <a:xfrm>
+            <a:off x="7939916" y="2812530"/>
+            <a:ext cx="275892" cy="275892"/>
+          </a:xfrm>
+          <a:prstGeom prst="ellipse">
+            <a:avLst/>
+          </a:prstGeom>
+          <a:solidFill>
+            <a:srgbClr val="C00000"/>
+          </a:solidFill>
+          <a:ln>
+            <a:noFill/>
+          </a:ln>
+        </p:spPr>
+        <p:style>
+          <a:lnRef idx="2">
+            <a:schemeClr val="accent1">
+              <a:shade val="50000"/>
+            </a:schemeClr>
+          </a:lnRef>
+          <a:fillRef idx="1">
+            <a:schemeClr val="accent1"/>
+          </a:fillRef>
+          <a:effectRef idx="0">
+            <a:schemeClr val="accent1"/>
+          </a:effectRef>
+          <a:fontRef idx="minor">
+            <a:schemeClr val="lt1"/>
+          </a:fontRef>
+        </p:style>
+        <p:txBody>
+          <a:bodyPr rtlCol="0" anchor="ctr"/>
+          <a:lstStyle/>
+          <a:p>
+            <a:pPr algn="ctr"/>
+            <a:endParaRPr lang="en-US" sz="1400"/>
+          </a:p>
+        </p:txBody>
+      </p:sp>
+      <p:sp>
+        <p:nvSpPr>
+          <p:cNvPr id="15" name="TextBox 14">
+            <a:extLst>
+              <a:ext uri="{FF2B5EF4-FFF2-40B4-BE49-F238E27FC236}">
+                <a16:creationId xmlns:a16="http://schemas.microsoft.com/office/drawing/2014/main" id="{D31FF301-FCF3-40CB-9525-D1F1FC36BE83}"/>
+              </a:ext>
+            </a:extLst>
+          </p:cNvPr>
+          <p:cNvSpPr txBox="1"/>
+          <p:nvPr/>
+        </p:nvSpPr>
+        <p:spPr>
+          <a:xfrm>
+            <a:off x="8372740" y="2627310"/>
+            <a:ext cx="3528723" cy="646331"/>
+          </a:xfrm>
+          <a:prstGeom prst="rect">
+            <a:avLst/>
+          </a:prstGeom>
+          <a:noFill/>
+        </p:spPr>
+        <p:txBody>
+          <a:bodyPr wrap="none" rtlCol="0">
+            <a:spAutoFit/>
+          </a:bodyPr>
+          <a:lstStyle/>
+          <a:p>
+            <a:r>
+              <a:rPr lang="en-US" sz="3600" dirty="0"/>
+              <a:t>Premium Account</a:t>
+            </a:r>
+          </a:p>
+        </p:txBody>
+      </p:sp>
+      <p:sp>
+        <p:nvSpPr>
+          <p:cNvPr id="16" name="Oval 15">
+            <a:extLst>
+              <a:ext uri="{FF2B5EF4-FFF2-40B4-BE49-F238E27FC236}">
+                <a16:creationId xmlns:a16="http://schemas.microsoft.com/office/drawing/2014/main" id="{9C7064A7-B9D2-480C-A7E4-65AF5D0679BC}"/>
+              </a:ext>
+            </a:extLst>
+          </p:cNvPr>
+          <p:cNvSpPr/>
+          <p:nvPr/>
+        </p:nvSpPr>
+        <p:spPr>
+          <a:xfrm>
+            <a:off x="7960300" y="3673749"/>
+            <a:ext cx="275892" cy="275892"/>
+          </a:xfrm>
+          <a:prstGeom prst="ellipse">
+            <a:avLst/>
+          </a:prstGeom>
+          <a:solidFill>
+            <a:srgbClr val="C00000"/>
+          </a:solidFill>
+          <a:ln>
+            <a:noFill/>
+          </a:ln>
+        </p:spPr>
+        <p:style>
+          <a:lnRef idx="2">
+            <a:schemeClr val="accent1">
+              <a:shade val="50000"/>
+            </a:schemeClr>
+          </a:lnRef>
+          <a:fillRef idx="1">
+            <a:schemeClr val="accent1"/>
+          </a:fillRef>
+          <a:effectRef idx="0">
+            <a:schemeClr val="accent1"/>
+          </a:effectRef>
+          <a:fontRef idx="minor">
+            <a:schemeClr val="lt1"/>
+          </a:fontRef>
+        </p:style>
+        <p:txBody>
+          <a:bodyPr rtlCol="0" anchor="ctr"/>
+          <a:lstStyle/>
+          <a:p>
+            <a:pPr algn="ctr"/>
+            <a:endParaRPr lang="en-US" sz="1400"/>
+          </a:p>
+        </p:txBody>
+      </p:sp>
+      <p:sp>
+        <p:nvSpPr>
+          <p:cNvPr id="17" name="TextBox 16">
+            <a:extLst>
+              <a:ext uri="{FF2B5EF4-FFF2-40B4-BE49-F238E27FC236}">
+                <a16:creationId xmlns:a16="http://schemas.microsoft.com/office/drawing/2014/main" id="{A5B47454-FD21-41B7-9DC7-DFA3F6A514BD}"/>
+              </a:ext>
+            </a:extLst>
+          </p:cNvPr>
+          <p:cNvSpPr txBox="1"/>
+          <p:nvPr/>
+        </p:nvSpPr>
+        <p:spPr>
+          <a:xfrm>
+            <a:off x="8393124" y="3488529"/>
+            <a:ext cx="2584875" cy="646331"/>
+          </a:xfrm>
+          <a:prstGeom prst="rect">
+            <a:avLst/>
+          </a:prstGeom>
+          <a:noFill/>
+        </p:spPr>
+        <p:txBody>
+          <a:bodyPr wrap="none" rtlCol="0">
+            <a:spAutoFit/>
+          </a:bodyPr>
+          <a:lstStyle/>
+          <a:p>
+            <a:r>
+              <a:rPr lang="en-US" sz="3600" dirty="0"/>
+              <a:t>Not accurate</a:t>
+            </a:r>
+          </a:p>
+        </p:txBody>
+      </p:sp>
+      <p:cxnSp>
+        <p:nvCxnSpPr>
+          <p:cNvPr id="10" name="Connector: Curved 9">
+            <a:extLst>
+              <a:ext uri="{FF2B5EF4-FFF2-40B4-BE49-F238E27FC236}">
+                <a16:creationId xmlns:a16="http://schemas.microsoft.com/office/drawing/2014/main" id="{25EE43FF-7E7E-49C7-860F-E16D0266B1F1}"/>
+              </a:ext>
+            </a:extLst>
+          </p:cNvPr>
+          <p:cNvCxnSpPr>
+            <a:stCxn id="8" idx="6"/>
+          </p:cNvCxnSpPr>
+          <p:nvPr/>
+        </p:nvCxnSpPr>
+        <p:spPr>
+          <a:xfrm flipV="1">
+            <a:off x="7120970" y="4236334"/>
+            <a:ext cx="958159" cy="1728961"/>
+          </a:xfrm>
+          <a:prstGeom prst="curvedConnector2">
+            <a:avLst/>
+          </a:prstGeom>
+          <a:ln w="38100">
+            <a:solidFill>
+              <a:srgbClr val="C00000"/>
+            </a:solidFill>
+            <a:prstDash val="sysDot"/>
+            <a:tailEnd type="triangle"/>
+          </a:ln>
+        </p:spPr>
+        <p:style>
+          <a:lnRef idx="1">
+            <a:schemeClr val="accent1"/>
+          </a:lnRef>
+          <a:fillRef idx="0">
+            <a:schemeClr val="accent1"/>
+          </a:fillRef>
+          <a:effectRef idx="0">
+            <a:schemeClr val="accent1"/>
+          </a:effectRef>
+          <a:fontRef idx="minor">
+            <a:schemeClr val="tx1"/>
+          </a:fontRef>
+        </p:style>
+      </p:cxnSp>
+      <p:cxnSp>
+        <p:nvCxnSpPr>
+          <p:cNvPr id="19" name="Connector: Elbow 18">
+            <a:extLst>
+              <a:ext uri="{FF2B5EF4-FFF2-40B4-BE49-F238E27FC236}">
+                <a16:creationId xmlns:a16="http://schemas.microsoft.com/office/drawing/2014/main" id="{368932F2-4E7A-4C5F-B756-3D452DE2A3AD}"/>
+              </a:ext>
+            </a:extLst>
+          </p:cNvPr>
+          <p:cNvCxnSpPr>
+            <a:cxnSpLocks/>
+          </p:cNvCxnSpPr>
+          <p:nvPr/>
+        </p:nvCxnSpPr>
+        <p:spPr>
+          <a:xfrm rot="5400000">
+            <a:off x="9259759" y="4114957"/>
+            <a:ext cx="657059" cy="645734"/>
+          </a:xfrm>
+          <a:prstGeom prst="bentConnector3">
+            <a:avLst>
+              <a:gd name="adj1" fmla="val 46477"/>
+            </a:avLst>
+          </a:prstGeom>
+          <a:ln w="38100">
+            <a:solidFill>
+              <a:srgbClr val="C00000"/>
+            </a:solidFill>
+            <a:tailEnd type="triangle"/>
+          </a:ln>
+        </p:spPr>
+        <p:style>
+          <a:lnRef idx="1">
+            <a:schemeClr val="accent1"/>
+          </a:lnRef>
+          <a:fillRef idx="0">
+            <a:schemeClr val="accent1"/>
+          </a:fillRef>
+          <a:effectRef idx="0">
+            <a:schemeClr val="accent1"/>
+          </a:effectRef>
+          <a:fontRef idx="minor">
+            <a:schemeClr val="tx1"/>
+          </a:fontRef>
+        </p:style>
+      </p:cxnSp>
+      <p:cxnSp>
+        <p:nvCxnSpPr>
+          <p:cNvPr id="40" name="Connector: Elbow 39">
+            <a:extLst>
+              <a:ext uri="{FF2B5EF4-FFF2-40B4-BE49-F238E27FC236}">
+                <a16:creationId xmlns:a16="http://schemas.microsoft.com/office/drawing/2014/main" id="{15734EEE-1405-4E45-B961-EAD5B1E17F8E}"/>
+              </a:ext>
+            </a:extLst>
+          </p:cNvPr>
+          <p:cNvCxnSpPr>
+            <a:cxnSpLocks/>
+          </p:cNvCxnSpPr>
+          <p:nvPr/>
+        </p:nvCxnSpPr>
+        <p:spPr>
+          <a:xfrm rot="16200000" flipH="1">
+            <a:off x="9866711" y="4109367"/>
+            <a:ext cx="701432" cy="612542"/>
+          </a:xfrm>
+          <a:prstGeom prst="bentConnector3">
+            <a:avLst>
+              <a:gd name="adj1" fmla="val 50000"/>
+            </a:avLst>
+          </a:prstGeom>
+          <a:ln w="38100">
+            <a:solidFill>
+              <a:srgbClr val="C00000"/>
+            </a:solidFill>
+            <a:tailEnd type="triangle"/>
+          </a:ln>
+        </p:spPr>
+        <p:style>
+          <a:lnRef idx="1">
+            <a:schemeClr val="accent1"/>
+          </a:lnRef>
+          <a:fillRef idx="0">
+            <a:schemeClr val="accent1"/>
+          </a:fillRef>
+          <a:effectRef idx="0">
+            <a:schemeClr val="accent1"/>
+          </a:effectRef>
+          <a:fontRef idx="minor">
+            <a:schemeClr val="tx1"/>
+          </a:fontRef>
+        </p:style>
+      </p:cxnSp>
+      <p:sp>
+        <p:nvSpPr>
+          <p:cNvPr id="42" name="TextBox 41">
+            <a:extLst>
+              <a:ext uri="{FF2B5EF4-FFF2-40B4-BE49-F238E27FC236}">
+                <a16:creationId xmlns:a16="http://schemas.microsoft.com/office/drawing/2014/main" id="{D1584412-550A-4CA3-83F2-999016A1F46C}"/>
+              </a:ext>
+            </a:extLst>
+          </p:cNvPr>
+          <p:cNvSpPr txBox="1"/>
+          <p:nvPr/>
+        </p:nvSpPr>
+        <p:spPr>
+          <a:xfrm>
+            <a:off x="8583211" y="4810726"/>
+            <a:ext cx="1245213" cy="830997"/>
+          </a:xfrm>
+          <a:prstGeom prst="rect">
+            <a:avLst/>
+          </a:prstGeom>
+          <a:noFill/>
+        </p:spPr>
+        <p:txBody>
+          <a:bodyPr wrap="none" rtlCol="0">
+            <a:spAutoFit/>
+          </a:bodyPr>
+          <a:lstStyle/>
+          <a:p>
+            <a:pPr algn="ctr"/>
+            <a:r>
+              <a:rPr lang="en-US" sz="2400" dirty="0"/>
+              <a:t>Virtual</a:t>
+            </a:r>
+          </a:p>
+          <a:p>
+            <a:pPr algn="ctr"/>
+            <a:r>
+              <a:rPr lang="en-US" sz="2400" dirty="0"/>
+              <a:t>Location</a:t>
+            </a:r>
+          </a:p>
+        </p:txBody>
+      </p:sp>
+      <p:sp>
+        <p:nvSpPr>
+          <p:cNvPr id="44" name="TextBox 43">
+            <a:extLst>
+              <a:ext uri="{FF2B5EF4-FFF2-40B4-BE49-F238E27FC236}">
+                <a16:creationId xmlns:a16="http://schemas.microsoft.com/office/drawing/2014/main" id="{D77FA8A3-8945-4002-8655-0E6DC539C5B6}"/>
+              </a:ext>
+            </a:extLst>
+          </p:cNvPr>
+          <p:cNvSpPr txBox="1"/>
+          <p:nvPr/>
+        </p:nvSpPr>
+        <p:spPr>
+          <a:xfrm>
+            <a:off x="9853287" y="4810726"/>
+            <a:ext cx="1373132" cy="830997"/>
+          </a:xfrm>
+          <a:prstGeom prst="rect">
+            <a:avLst/>
+          </a:prstGeom>
+          <a:noFill/>
+        </p:spPr>
+        <p:txBody>
+          <a:bodyPr wrap="none" rtlCol="0">
+            <a:spAutoFit/>
+          </a:bodyPr>
+          <a:lstStyle/>
+          <a:p>
+            <a:pPr algn="ctr"/>
+            <a:r>
+              <a:rPr lang="en-US" sz="2400" dirty="0"/>
+              <a:t>Native</a:t>
+            </a:r>
+          </a:p>
+          <a:p>
+            <a:pPr algn="ctr"/>
+            <a:r>
+              <a:rPr lang="en-US" sz="2400" dirty="0"/>
+              <a:t>Language</a:t>
+            </a:r>
           </a:p>
         </p:txBody>
       </p:sp>
@@ -7552,21 +8018,127 @@
                                   </p:childTnLst>
                                 </p:cTn>
                               </p:par>
+                            </p:childTnLst>
+                          </p:cTn>
+                        </p:par>
+                        <p:par>
+                          <p:cTn id="17" fill="hold">
+                            <p:stCondLst>
+                              <p:cond delay="500"/>
+                            </p:stCondLst>
+                            <p:childTnLst>
                               <p:par>
-                                <p:cTn id="17" presetID="53" presetClass="entr" presetSubtype="16" fill="hold" grpId="0" nodeType="withEffect">
+                                <p:cTn id="18" presetID="22" presetClass="entr" presetSubtype="4" fill="hold" grpId="0" nodeType="afterEffect">
                                   <p:stCondLst>
                                     <p:cond delay="0"/>
                                   </p:stCondLst>
                                   <p:childTnLst>
                                     <p:set>
                                       <p:cBhvr>
-                                        <p:cTn id="18" dur="1" fill="hold">
+                                        <p:cTn id="19" dur="1" fill="hold">
                                           <p:stCondLst>
                                             <p:cond delay="0"/>
                                           </p:stCondLst>
                                         </p:cTn>
                                         <p:tgtEl>
-                                          <p:spTgt spid="20"/>
+                                          <p:spTgt spid="18"/>
+                                        </p:tgtEl>
+                                        <p:attrNameLst>
+                                          <p:attrName>style.visibility</p:attrName>
+                                        </p:attrNameLst>
+                                      </p:cBhvr>
+                                      <p:to>
+                                        <p:strVal val="visible"/>
+                                      </p:to>
+                                    </p:set>
+                                    <p:animEffect transition="in" filter="wipe(down)">
+                                      <p:cBhvr>
+                                        <p:cTn id="20" dur="500"/>
+                                        <p:tgtEl>
+                                          <p:spTgt spid="18"/>
+                                        </p:tgtEl>
+                                      </p:cBhvr>
+                                    </p:animEffect>
+                                  </p:childTnLst>
+                                </p:cTn>
+                              </p:par>
+                            </p:childTnLst>
+                          </p:cTn>
+                        </p:par>
+                      </p:childTnLst>
+                    </p:cTn>
+                  </p:par>
+                  <p:par>
+                    <p:cTn id="21" fill="hold">
+                      <p:stCondLst>
+                        <p:cond delay="indefinite"/>
+                      </p:stCondLst>
+                      <p:childTnLst>
+                        <p:par>
+                          <p:cTn id="22" fill="hold">
+                            <p:stCondLst>
+                              <p:cond delay="0"/>
+                            </p:stCondLst>
+                            <p:childTnLst>
+                              <p:par>
+                                <p:cTn id="23" presetID="22" presetClass="entr" presetSubtype="4" fill="hold" nodeType="clickEffect">
+                                  <p:stCondLst>
+                                    <p:cond delay="0"/>
+                                  </p:stCondLst>
+                                  <p:childTnLst>
+                                    <p:set>
+                                      <p:cBhvr>
+                                        <p:cTn id="24" dur="1" fill="hold">
+                                          <p:stCondLst>
+                                            <p:cond delay="0"/>
+                                          </p:stCondLst>
+                                        </p:cTn>
+                                        <p:tgtEl>
+                                          <p:spTgt spid="10"/>
+                                        </p:tgtEl>
+                                        <p:attrNameLst>
+                                          <p:attrName>style.visibility</p:attrName>
+                                        </p:attrNameLst>
+                                      </p:cBhvr>
+                                      <p:to>
+                                        <p:strVal val="visible"/>
+                                      </p:to>
+                                    </p:set>
+                                    <p:animEffect transition="in" filter="wipe(down)">
+                                      <p:cBhvr>
+                                        <p:cTn id="25" dur="500"/>
+                                        <p:tgtEl>
+                                          <p:spTgt spid="10"/>
+                                        </p:tgtEl>
+                                      </p:cBhvr>
+                                    </p:animEffect>
+                                  </p:childTnLst>
+                                </p:cTn>
+                              </p:par>
+                            </p:childTnLst>
+                          </p:cTn>
+                        </p:par>
+                        <p:par>
+                          <p:cTn id="26" fill="hold">
+                            <p:stCondLst>
+                              <p:cond delay="500"/>
+                            </p:stCondLst>
+                            <p:childTnLst>
+                              <p:par>
+                                <p:cTn id="27" presetID="53" presetClass="entr" presetSubtype="16" fill="hold" grpId="0" nodeType="afterEffect">
+                                  <p:stCondLst>
+                                    <p:cond delay="0"/>
+                                  </p:stCondLst>
+                                  <p:childTnLst>
+                                    <p:set>
+                                      <p:cBhvr>
+                                        <p:cTn id="28" dur="1" fill="hold">
+                                          <p:stCondLst>
+                                            <p:cond delay="0"/>
+                                          </p:stCondLst>
+                                        </p:cTn>
+                                        <p:tgtEl>
+                                          <p:spTgt spid="12"/>
                                         </p:tgtEl>
                                         <p:attrNameLst>
                                           <p:attrName>style.visibility</p:attrName>
@@ -7578,9 +8150,9 @@
                                     </p:set>
                                     <p:anim calcmode="lin" valueType="num">
                                       <p:cBhvr>
-                                        <p:cTn id="19" dur="500" fill="hold"/>
-                                        <p:tgtEl>
-                                          <p:spTgt spid="20"/>
+                                        <p:cTn id="29" dur="500" fill="hold"/>
+                                        <p:tgtEl>
+                                          <p:spTgt spid="12"/>
                                         </p:tgtEl>
                                         <p:attrNameLst>
                                           <p:attrName>ppt_w</p:attrName>
@@ -7601,9 +8173,9 @@
                                     </p:anim>
                                     <p:anim calcmode="lin" valueType="num">
                                       <p:cBhvr>
-                                        <p:cTn id="20" dur="500" fill="hold"/>
-                                        <p:tgtEl>
-                                          <p:spTgt spid="20"/>
+                                        <p:cTn id="30" dur="500" fill="hold"/>
+                                        <p:tgtEl>
+                                          <p:spTgt spid="12"/>
                                         </p:tgtEl>
                                         <p:attrNameLst>
                                           <p:attrName>ppt_h</p:attrName>
@@ -7624,9 +8196,9 @@
                                     </p:anim>
                                     <p:animEffect transition="in" filter="fade">
                                       <p:cBhvr>
-                                        <p:cTn id="21" dur="500"/>
-                                        <p:tgtEl>
-                                          <p:spTgt spid="20"/>
+                                        <p:cTn id="31" dur="500"/>
+                                        <p:tgtEl>
+                                          <p:spTgt spid="12"/>
                                         </p:tgtEl>
                                       </p:cBhvr>
                                     </p:animEffect>
@@ -7637,26 +8209,514 @@
                           </p:cTn>
                         </p:par>
                         <p:par>
-                          <p:cTn id="22" fill="hold">
+                          <p:cTn id="32" fill="hold">
+                            <p:stCondLst>
+                              <p:cond delay="1000"/>
+                            </p:stCondLst>
+                            <p:childTnLst>
+                              <p:par>
+                                <p:cTn id="33" presetID="22" presetClass="entr" presetSubtype="8" fill="hold" grpId="0" nodeType="afterEffect">
+                                  <p:stCondLst>
+                                    <p:cond delay="0"/>
+                                  </p:stCondLst>
+                                  <p:childTnLst>
+                                    <p:set>
+                                      <p:cBhvr>
+                                        <p:cTn id="34" dur="1" fill="hold">
+                                          <p:stCondLst>
+                                            <p:cond delay="0"/>
+                                          </p:stCondLst>
+                                        </p:cTn>
+                                        <p:tgtEl>
+                                          <p:spTgt spid="13"/>
+                                        </p:tgtEl>
+                                        <p:attrNameLst>
+                                          <p:attrName>style.visibility</p:attrName>
+                                        </p:attrNameLst>
+                                      </p:cBhvr>
+                                      <p:to>
+                                        <p:strVal val="visible"/>
+                                      </p:to>
+                                    </p:set>
+                                    <p:animEffect transition="in" filter="wipe(left)">
+                                      <p:cBhvr>
+                                        <p:cTn id="35" dur="500"/>
+                                        <p:tgtEl>
+                                          <p:spTgt spid="13"/>
+                                        </p:tgtEl>
+                                      </p:cBhvr>
+                                    </p:animEffect>
+                                  </p:childTnLst>
+                                </p:cTn>
+                              </p:par>
+                            </p:childTnLst>
+                          </p:cTn>
+                        </p:par>
+                        <p:par>
+                          <p:cTn id="36" fill="hold">
+                            <p:stCondLst>
+                              <p:cond delay="1500"/>
+                            </p:stCondLst>
+                            <p:childTnLst>
+                              <p:par>
+                                <p:cTn id="37" presetID="53" presetClass="entr" presetSubtype="16" fill="hold" grpId="0" nodeType="afterEffect">
+                                  <p:stCondLst>
+                                    <p:cond delay="0"/>
+                                  </p:stCondLst>
+                                  <p:childTnLst>
+                                    <p:set>
+                                      <p:cBhvr>
+                                        <p:cTn id="38" dur="1" fill="hold">
+                                          <p:stCondLst>
+                                            <p:cond delay="0"/>
+                                          </p:stCondLst>
+                                        </p:cTn>
+                                        <p:tgtEl>
+                                          <p:spTgt spid="14"/>
+                                        </p:tgtEl>
+                                        <p:attrNameLst>
+                                          <p:attrName>style.visibility</p:attrName>
+                                        </p:attrNameLst>
+                                      </p:cBhvr>
+                                      <p:to>
+                                        <p:strVal val="visible"/>
+                                      </p:to>
+                                    </p:set>
+                                    <p:anim calcmode="lin" valueType="num">
+                                      <p:cBhvr>
+                                        <p:cTn id="39" dur="500" fill="hold"/>
+                                        <p:tgtEl>
+                                          <p:spTgt spid="14"/>
+                                        </p:tgtEl>
+                                        <p:attrNameLst>
+                                          <p:attrName>ppt_w</p:attrName>
+                                        </p:attrNameLst>
+                                      </p:cBhvr>
+                                      <p:tavLst>
+                                        <p:tav tm="0">
+                                          <p:val>
+                                            <p:fltVal val="0"/>
+                                          </p:val>
+                                        </p:tav>
+                                        <p:tav tm="100000">
+                                          <p:val>
+                                            <p:strVal val="#ppt_w"/>
+                                          </p:val>
+                                        </p:tav>
+                                      </p:tavLst>
+                                    </p:anim>
+                                    <p:anim calcmode="lin" valueType="num">
+                                      <p:cBhvr>
+                                        <p:cTn id="40" dur="500" fill="hold"/>
+                                        <p:tgtEl>
+                                          <p:spTgt spid="14"/>
+                                        </p:tgtEl>
+                                        <p:attrNameLst>
+                                          <p:attrName>ppt_h</p:attrName>
+                                        </p:attrNameLst>
+                                      </p:cBhvr>
+                                      <p:tavLst>
+                                        <p:tav tm="0">
+                                          <p:val>
+                                            <p:fltVal val="0"/>
+                                          </p:val>
+                                        </p:tav>
+                                        <p:tav tm="100000">
+                                          <p:val>
+                                            <p:strVal val="#ppt_h"/>
+                                          </p:val>
+                                        </p:tav>
+                                      </p:tavLst>
+                                    </p:anim>
+                                    <p:animEffect transition="in" filter="fade">
+                                      <p:cBhvr>
+                                        <p:cTn id="41" dur="500"/>
+                                        <p:tgtEl>
+                                          <p:spTgt spid="14"/>
+                                        </p:tgtEl>
+                                      </p:cBhvr>
+                                    </p:animEffect>
+                                  </p:childTnLst>
+                                </p:cTn>
+                              </p:par>
+                            </p:childTnLst>
+                          </p:cTn>
+                        </p:par>
+                        <p:par>
+                          <p:cTn id="42" fill="hold">
+                            <p:stCondLst>
+                              <p:cond delay="2000"/>
+                            </p:stCondLst>
+                            <p:childTnLst>
+                              <p:par>
+                                <p:cTn id="43" presetID="22" presetClass="entr" presetSubtype="8" fill="hold" grpId="0" nodeType="afterEffect">
+                                  <p:stCondLst>
+                                    <p:cond delay="0"/>
+                                  </p:stCondLst>
+                                  <p:childTnLst>
+                                    <p:set>
+                                      <p:cBhvr>
+                                        <p:cTn id="44" dur="1" fill="hold">
+                                          <p:stCondLst>
+                                            <p:cond delay="0"/>
+                                          </p:stCondLst>
+                                        </p:cTn>
+                                        <p:tgtEl>
+                                          <p:spTgt spid="15"/>
+                                        </p:tgtEl>
+                                        <p:attrNameLst>
+                                          <p:attrName>style.visibility</p:attrName>
+                                        </p:attrNameLst>
+                                      </p:cBhvr>
+                                      <p:to>
+                                        <p:strVal val="visible"/>
+                                      </p:to>
+                                    </p:set>
+                                    <p:animEffect transition="in" filter="wipe(left)">
+                                      <p:cBhvr>
+                                        <p:cTn id="45" dur="500"/>
+                                        <p:tgtEl>
+                                          <p:spTgt spid="15"/>
+                                        </p:tgtEl>
+                                      </p:cBhvr>
+                                    </p:animEffect>
+                                  </p:childTnLst>
+                                </p:cTn>
+                              </p:par>
+                            </p:childTnLst>
+                          </p:cTn>
+                        </p:par>
+                        <p:par>
+                          <p:cTn id="46" fill="hold">
+                            <p:stCondLst>
+                              <p:cond delay="2500"/>
+                            </p:stCondLst>
+                            <p:childTnLst>
+                              <p:par>
+                                <p:cTn id="47" presetID="53" presetClass="entr" presetSubtype="16" fill="hold" grpId="0" nodeType="afterEffect">
+                                  <p:stCondLst>
+                                    <p:cond delay="0"/>
+                                  </p:stCondLst>
+                                  <p:childTnLst>
+                                    <p:set>
+                                      <p:cBhvr>
+                                        <p:cTn id="48" dur="1" fill="hold">
+                                          <p:stCondLst>
+                                            <p:cond delay="0"/>
+                                          </p:stCondLst>
+                                        </p:cTn>
+                                        <p:tgtEl>
+                                          <p:spTgt spid="16"/>
+                                        </p:tgtEl>
+                                        <p:attrNameLst>
+                                          <p:attrName>style.visibility</p:attrName>
+                                        </p:attrNameLst>
+                                      </p:cBhvr>
+                                      <p:to>
+                                        <p:strVal val="visible"/>
+                                      </p:to>
+                                    </p:set>
+                                    <p:anim calcmode="lin" valueType="num">
+                                      <p:cBhvr>
+                                        <p:cTn id="49" dur="500" fill="hold"/>
+                                        <p:tgtEl>
+                                          <p:spTgt spid="16"/>
+                                        </p:tgtEl>
+                                        <p:attrNameLst>
+                                          <p:attrName>ppt_w</p:attrName>
+                                        </p:attrNameLst>
+                                      </p:cBhvr>
+                                      <p:tavLst>
+                                        <p:tav tm="0">
+                                          <p:val>
+                                            <p:fltVal val="0"/>
+                                          </p:val>
+                                        </p:tav>
+                                        <p:tav tm="100000">
+                                          <p:val>
+                                            <p:strVal val="#ppt_w"/>
+                                          </p:val>
+                                        </p:tav>
+                                      </p:tavLst>
+                                    </p:anim>
+                                    <p:anim calcmode="lin" valueType="num">
+                                      <p:cBhvr>
+                                        <p:cTn id="50" dur="500" fill="hold"/>
+                                        <p:tgtEl>
+                                          <p:spTgt spid="16"/>
+                                        </p:tgtEl>
+                                        <p:attrNameLst>
+                                          <p:attrName>ppt_h</p:attrName>
+                                        </p:attrNameLst>
+                                      </p:cBhvr>
+                                      <p:tavLst>
+                                        <p:tav tm="0">
+                                          <p:val>
+                                            <p:fltVal val="0"/>
+                                          </p:val>
+                                        </p:tav>
+                                        <p:tav tm="100000">
+                                          <p:val>
+                                            <p:strVal val="#ppt_h"/>
+                                          </p:val>
+                                        </p:tav>
+                                      </p:tavLst>
+                                    </p:anim>
+                                    <p:animEffect transition="in" filter="fade">
+                                      <p:cBhvr>
+                                        <p:cTn id="51" dur="500"/>
+                                        <p:tgtEl>
+                                          <p:spTgt spid="16"/>
+                                        </p:tgtEl>
+                                      </p:cBhvr>
+                                    </p:animEffect>
+                                  </p:childTnLst>
+                                </p:cTn>
+                              </p:par>
+                            </p:childTnLst>
+                          </p:cTn>
+                        </p:par>
+                        <p:par>
+                          <p:cTn id="52" fill="hold">
+                            <p:stCondLst>
+                              <p:cond delay="3000"/>
+                            </p:stCondLst>
+                            <p:childTnLst>
+                              <p:par>
+                                <p:cTn id="53" presetID="22" presetClass="entr" presetSubtype="8" fill="hold" grpId="0" nodeType="afterEffect">
+                                  <p:stCondLst>
+                                    <p:cond delay="0"/>
+                                  </p:stCondLst>
+                                  <p:childTnLst>
+                                    <p:set>
+                                      <p:cBhvr>
+                                        <p:cTn id="54" dur="1" fill="hold">
+                                          <p:stCondLst>
+                                            <p:cond delay="0"/>
+                                          </p:stCondLst>
+                                        </p:cTn>
+                                        <p:tgtEl>
+                                          <p:spTgt spid="17"/>
+                                        </p:tgtEl>
+                                        <p:attrNameLst>
+                                          <p:attrName>style.visibility</p:attrName>
+                                        </p:attrNameLst>
+                                      </p:cBhvr>
+                                      <p:to>
+                                        <p:strVal val="visible"/>
+                                      </p:to>
+                                    </p:set>
+                                    <p:animEffect transition="in" filter="wipe(left)">
+                                      <p:cBhvr>
+                                        <p:cTn id="55" dur="500"/>
+                                        <p:tgtEl>
+                                          <p:spTgt spid="17"/>
+                                        </p:tgtEl>
+                                      </p:cBhvr>
+                                    </p:animEffect>
+                                  </p:childTnLst>
+                                </p:cTn>
+                              </p:par>
+                            </p:childTnLst>
+                          </p:cTn>
+                        </p:par>
+                      </p:childTnLst>
+                    </p:cTn>
+                  </p:par>
+                  <p:par>
+                    <p:cTn id="56" fill="hold">
+                      <p:stCondLst>
+                        <p:cond delay="indefinite"/>
+                      </p:stCondLst>
+                      <p:childTnLst>
+                        <p:par>
+                          <p:cTn id="57" fill="hold">
+                            <p:stCondLst>
+                              <p:cond delay="0"/>
+                            </p:stCondLst>
+                            <p:childTnLst>
+                              <p:par>
+                                <p:cTn id="58" presetID="22" presetClass="entr" presetSubtype="1" fill="hold" nodeType="clickEffect">
+                                  <p:stCondLst>
+                                    <p:cond delay="0"/>
+                                  </p:stCondLst>
+                                  <p:childTnLst>
+                                    <p:set>
+                                      <p:cBhvr>
+                                        <p:cTn id="59" dur="1" fill="hold">
+                                          <p:stCondLst>
+                                            <p:cond delay="0"/>
+                                          </p:stCondLst>
+                                        </p:cTn>
+                                        <p:tgtEl>
+                                          <p:spTgt spid="40"/>
+                                        </p:tgtEl>
+                                        <p:attrNameLst>
+                                          <p:attrName>style.visibility</p:attrName>
+                                        </p:attrNameLst>
+                                      </p:cBhvr>
+                                      <p:to>
+                                        <p:strVal val="visible"/>
+                                      </p:to>
+                                    </p:set>
+                                    <p:animEffect transition="in" filter="wipe(up)">
+                                      <p:cBhvr>
+                                        <p:cTn id="60" dur="500"/>
+                                        <p:tgtEl>
+                                          <p:spTgt spid="40"/>
+                                        </p:tgtEl>
+                                      </p:cBhvr>
+                                    </p:animEffect>
+                                  </p:childTnLst>
+                                </p:cTn>
+                              </p:par>
+                              <p:par>
+                                <p:cTn id="61" presetID="22" presetClass="entr" presetSubtype="1" fill="hold" nodeType="withEffect">
+                                  <p:stCondLst>
+                                    <p:cond delay="0"/>
+                                  </p:stCondLst>
+                                  <p:childTnLst>
+                                    <p:set>
+                                      <p:cBhvr>
+                                        <p:cTn id="62" dur="1" fill="hold">
+                                          <p:stCondLst>
+                                            <p:cond delay="0"/>
+                                          </p:stCondLst>
+                                        </p:cTn>
+                                        <p:tgtEl>
+                                          <p:spTgt spid="19"/>
+                                        </p:tgtEl>
+                                        <p:attrNameLst>
+                                          <p:attrName>style.visibility</p:attrName>
+                                        </p:attrNameLst>
+                                      </p:cBhvr>
+                                      <p:to>
+                                        <p:strVal val="visible"/>
+                                      </p:to>
+                                    </p:set>
+                                    <p:animEffect transition="in" filter="wipe(up)">
+                                      <p:cBhvr>
+                                        <p:cTn id="63" dur="500"/>
+                                        <p:tgtEl>
+                                          <p:spTgt spid="19"/>
+                                        </p:tgtEl>
+                                      </p:cBhvr>
+                                    </p:animEffect>
+                                  </p:childTnLst>
+                                </p:cTn>
+                              </p:par>
+                            </p:childTnLst>
+                          </p:cTn>
+                        </p:par>
+                        <p:par>
+                          <p:cTn id="64" fill="hold">
                             <p:stCondLst>
                               <p:cond delay="500"/>
                             </p:stCondLst>
                             <p:childTnLst>
                               <p:par>
-                                <p:cTn id="23" presetID="22" presetClass="entr" presetSubtype="4" fill="hold" grpId="0" nodeType="afterEffect">
+                                <p:cTn id="65" presetID="22" presetClass="entr" presetSubtype="8" fill="hold" grpId="0" nodeType="afterEffect">
                                   <p:stCondLst>
                                     <p:cond delay="0"/>
                                   </p:stCondLst>
                                   <p:childTnLst>
                                     <p:set>
                                       <p:cBhvr>
-                                        <p:cTn id="24" dur="1" fill="hold">
+                                        <p:cTn id="66" dur="1" fill="hold">
                                           <p:stCondLst>
                                             <p:cond delay="0"/>
                                           </p:stCondLst>
                                         </p:cTn>
                                         <p:tgtEl>
-                                          <p:spTgt spid="18"/>
+                                          <p:spTgt spid="42"/>
+                                        </p:tgtEl>
+                                        <p:attrNameLst>
+                                          <p:attrName>style.visibility</p:attrName>
+                                        </p:attrNameLst>
+                                      </p:cBhvr>
+                                      <p:to>
+                                        <p:strVal val="visible"/>
+                                      </p:to>
+                                    </p:set>
+                                    <p:animEffect transition="in" filter="wipe(left)">
+                                      <p:cBhvr>
+                                        <p:cTn id="67" dur="500"/>
+                                        <p:tgtEl>
+                                          <p:spTgt spid="42"/>
+                                        </p:tgtEl>
+                                      </p:cBhvr>
+                                    </p:animEffect>
+                                  </p:childTnLst>
+                                </p:cTn>
+                              </p:par>
+                              <p:par>
+                                <p:cTn id="68" presetID="22" presetClass="entr" presetSubtype="8" fill="hold" grpId="0" nodeType="withEffect">
+                                  <p:stCondLst>
+                                    <p:cond delay="0"/>
+                                  </p:stCondLst>
+                                  <p:childTnLst>
+                                    <p:set>
+                                      <p:cBhvr>
+                                        <p:cTn id="69" dur="1" fill="hold">
+                                          <p:stCondLst>
+                                            <p:cond delay="0"/>
+                                          </p:stCondLst>
+                                        </p:cTn>
+                                        <p:tgtEl>
+                                          <p:spTgt spid="44"/>
+                                        </p:tgtEl>
+                                        <p:attrNameLst>
+                                          <p:attrName>style.visibility</p:attrName>
+                                        </p:attrNameLst>
+                                      </p:cBhvr>
+                                      <p:to>
+                                        <p:strVal val="visible"/>
+                                      </p:to>
+                                    </p:set>
+                                    <p:animEffect transition="in" filter="wipe(left)">
+                                      <p:cBhvr>
+                                        <p:cTn id="70" dur="500"/>
+                                        <p:tgtEl>
+                                          <p:spTgt spid="44"/>
+                                        </p:tgtEl>
+                                      </p:cBhvr>
+                                    </p:animEffect>
+                                  </p:childTnLst>
+                                </p:cTn>
+                              </p:par>
+                            </p:childTnLst>
+                          </p:cTn>
+                        </p:par>
+                      </p:childTnLst>
+                    </p:cTn>
+                  </p:par>
+                  <p:par>
+                    <p:cTn id="71" fill="hold">
+                      <p:stCondLst>
+                        <p:cond delay="indefinite"/>
+                      </p:stCondLst>
+                      <p:childTnLst>
+                        <p:par>
+                          <p:cTn id="72" fill="hold">
+                            <p:stCondLst>
+                              <p:cond delay="0"/>
+                            </p:stCondLst>
+                            <p:childTnLst>
+                              <p:par>
+                                <p:cTn id="73" presetID="22" presetClass="entr" presetSubtype="4" fill="hold" grpId="0" nodeType="clickEffect">
+                                  <p:stCondLst>
+                                    <p:cond delay="0"/>
+                                  </p:stCondLst>
+                                  <p:childTnLst>
+                                    <p:set>
+                                      <p:cBhvr>
+                                        <p:cTn id="74" dur="1" fill="hold">
+                                          <p:stCondLst>
+                                            <p:cond delay="0"/>
+                                          </p:stCondLst>
+                                        </p:cTn>
+                                        <p:tgtEl>
+                                          <p:spTgt spid="2"/>
                                         </p:tgtEl>
                                         <p:attrNameLst>
                                           <p:attrName>style.visibility</p:attrName>
@@ -7668,9 +8728,9 @@
                                     </p:set>
                                     <p:animEffect transition="in" filter="wipe(down)">
                                       <p:cBhvr>
-                                        <p:cTn id="25" dur="500"/>
-                                        <p:tgtEl>
-                                          <p:spTgt spid="18"/>
+                                        <p:cTn id="75" dur="500"/>
+                                        <p:tgtEl>
+                                          <p:spTgt spid="2"/>
                                         </p:tgtEl>
                                       </p:cBhvr>
                                     </p:animEffect>
@@ -7707,13 +8767,470 @@
     <p:bldLst>
       <p:bldP spid="18" grpId="0"/>
       <p:bldP spid="8" grpId="0" animBg="1"/>
-      <p:bldP spid="20" grpId="0" animBg="1"/>
+      <p:bldP spid="2" grpId="0" animBg="1"/>
+      <p:bldP spid="12" grpId="0" animBg="1"/>
+      <p:bldP spid="13" grpId="0"/>
+      <p:bldP spid="14" grpId="0" animBg="1"/>
+      <p:bldP spid="15" grpId="0"/>
+      <p:bldP spid="16" grpId="0" animBg="1"/>
+      <p:bldP spid="17" grpId="0"/>
+      <p:bldP spid="42" grpId="0"/>
+      <p:bldP spid="44" grpId="0"/>
     </p:bldLst>
   </p:timing>
 </p:sld>
 </file>
 
 <file path=ppt/slides/slide11.xml><?xml version="1.0" encoding="utf-8"?>
+<p:sld xmlns:a="http://schemas.openxmlformats.org/drawingml/2006/main" xmlns:r="http://schemas.openxmlformats.org/officeDocument/2006/relationships" xmlns:p="http://schemas.openxmlformats.org/presentationml/2006/main">
+  <p:cSld>
+    <p:spTree>
+      <p:nvGrpSpPr>
+        <p:cNvPr id="1" name=""/>
+        <p:cNvGrpSpPr/>
+        <p:nvPr/>
+      </p:nvGrpSpPr>
+      <p:grpSpPr>
+        <a:xfrm>
+          <a:off x="0" y="0"/>
+          <a:ext cx="0" cy="0"/>
+          <a:chOff x="0" y="0"/>
+          <a:chExt cx="0" cy="0"/>
+        </a:xfrm>
+      </p:grpSpPr>
+      <p:pic>
+        <p:nvPicPr>
+          <p:cNvPr id="4" name="Picture 2">
+            <a:extLst>
+              <a:ext uri="{FF2B5EF4-FFF2-40B4-BE49-F238E27FC236}">
+                <a16:creationId xmlns:a16="http://schemas.microsoft.com/office/drawing/2014/main" id="{BD7A6457-514A-41B6-BBCD-0B35A2C29DB5}"/>
+              </a:ext>
+            </a:extLst>
+          </p:cNvPr>
+          <p:cNvPicPr>
+            <a:picLocks noChangeAspect="1" noChangeArrowheads="1"/>
+          </p:cNvPicPr>
+          <p:nvPr/>
+        </p:nvPicPr>
+        <p:blipFill>
+          <a:blip r:embed="rId2">
+            <a:extLst>
+              <a:ext uri="{28A0092B-C50C-407E-A947-70E740481C1C}">
+                <a14:useLocalDpi xmlns:a14="http://schemas.microsoft.com/office/drawing/2010/main" val="0"/>
+              </a:ext>
+            </a:extLst>
+          </a:blip>
+          <a:srcRect/>
+          <a:stretch>
+            <a:fillRect/>
+          </a:stretch>
+        </p:blipFill>
+        <p:spPr bwMode="auto">
+          <a:xfrm>
+            <a:off x="0" y="5805814"/>
+            <a:ext cx="2588377" cy="1052186"/>
+          </a:xfrm>
+          <a:prstGeom prst="rect">
+            <a:avLst/>
+          </a:prstGeom>
+          <a:noFill/>
+          <a:extLst>
+            <a:ext uri="{909E8E84-426E-40DD-AFC4-6F175D3DCCD1}">
+              <a14:hiddenFill xmlns:a14="http://schemas.microsoft.com/office/drawing/2010/main">
+                <a:solidFill>
+                  <a:srgbClr val="FFFFFF"/>
+                </a:solidFill>
+              </a14:hiddenFill>
+            </a:ext>
+          </a:extLst>
+        </p:spPr>
+      </p:pic>
+      <p:sp>
+        <p:nvSpPr>
+          <p:cNvPr id="3" name="Rectangle 2">
+            <a:extLst>
+              <a:ext uri="{FF2B5EF4-FFF2-40B4-BE49-F238E27FC236}">
+                <a16:creationId xmlns:a16="http://schemas.microsoft.com/office/drawing/2014/main" id="{059ECD1A-6982-4309-8F60-AEAB6A5A6B7C}"/>
+              </a:ext>
+            </a:extLst>
+          </p:cNvPr>
+          <p:cNvSpPr/>
+          <p:nvPr/>
+        </p:nvSpPr>
+        <p:spPr>
+          <a:xfrm>
+            <a:off x="847715" y="303599"/>
+            <a:ext cx="2323072" cy="830997"/>
+          </a:xfrm>
+          <a:prstGeom prst="rect">
+            <a:avLst/>
+          </a:prstGeom>
+          <a:noFill/>
+        </p:spPr>
+        <p:txBody>
+          <a:bodyPr wrap="none" rtlCol="0">
+            <a:spAutoFit/>
+          </a:bodyPr>
+          <a:lstStyle/>
+          <a:p>
+            <a:r>
+              <a:rPr lang="en-US" sz="4800" b="1" dirty="0">
+                <a:solidFill>
+                  <a:schemeClr val="accent1">
+                    <a:lumMod val="50000"/>
+                  </a:schemeClr>
+                </a:solidFill>
+                <a:latin typeface="-apple-system"/>
+              </a:rPr>
+              <a:t>Phase 2:</a:t>
+            </a:r>
+          </a:p>
+        </p:txBody>
+      </p:sp>
+      <p:cxnSp>
+        <p:nvCxnSpPr>
+          <p:cNvPr id="5" name="Straight Connector 4">
+            <a:extLst>
+              <a:ext uri="{FF2B5EF4-FFF2-40B4-BE49-F238E27FC236}">
+                <a16:creationId xmlns:a16="http://schemas.microsoft.com/office/drawing/2014/main" id="{B9FA7C45-7940-4FD8-8B49-80FAAB2D4BFA}"/>
+              </a:ext>
+            </a:extLst>
+          </p:cNvPr>
+          <p:cNvCxnSpPr>
+            <a:cxnSpLocks/>
+          </p:cNvCxnSpPr>
+          <p:nvPr/>
+        </p:nvCxnSpPr>
+        <p:spPr>
+          <a:xfrm>
+            <a:off x="954157" y="1134596"/>
+            <a:ext cx="9263270" cy="0"/>
+          </a:xfrm>
+          <a:prstGeom prst="line">
+            <a:avLst/>
+          </a:prstGeom>
+        </p:spPr>
+        <p:style>
+          <a:lnRef idx="1">
+            <a:schemeClr val="accent1"/>
+          </a:lnRef>
+          <a:fillRef idx="0">
+            <a:schemeClr val="accent1"/>
+          </a:fillRef>
+          <a:effectRef idx="0">
+            <a:schemeClr val="accent1"/>
+          </a:effectRef>
+          <a:fontRef idx="minor">
+            <a:schemeClr val="tx1"/>
+          </a:fontRef>
+        </p:style>
+      </p:cxnSp>
+      <p:sp>
+        <p:nvSpPr>
+          <p:cNvPr id="9" name="Rectangle 8">
+            <a:extLst>
+              <a:ext uri="{FF2B5EF4-FFF2-40B4-BE49-F238E27FC236}">
+                <a16:creationId xmlns:a16="http://schemas.microsoft.com/office/drawing/2014/main" id="{866AA0F8-8335-4B8E-80A2-3E7C74D33984}"/>
+              </a:ext>
+            </a:extLst>
+          </p:cNvPr>
+          <p:cNvSpPr/>
+          <p:nvPr/>
+        </p:nvSpPr>
+        <p:spPr>
+          <a:xfrm>
+            <a:off x="847715" y="1134596"/>
+            <a:ext cx="1249060" cy="584775"/>
+          </a:xfrm>
+          <a:prstGeom prst="rect">
+            <a:avLst/>
+          </a:prstGeom>
+          <a:noFill/>
+        </p:spPr>
+        <p:txBody>
+          <a:bodyPr wrap="none" rtlCol="0">
+            <a:spAutoFit/>
+          </a:bodyPr>
+          <a:lstStyle/>
+          <a:p>
+            <a:r>
+              <a:rPr lang="en-US" sz="3200" b="1" dirty="0">
+                <a:solidFill>
+                  <a:schemeClr val="accent1">
+                    <a:lumMod val="50000"/>
+                  </a:schemeClr>
+                </a:solidFill>
+                <a:latin typeface="-apple-system"/>
+              </a:rPr>
+              <a:t>Plan B</a:t>
+            </a:r>
+          </a:p>
+        </p:txBody>
+      </p:sp>
+      <p:pic>
+        <p:nvPicPr>
+          <p:cNvPr id="10" name="Picture 9">
+            <a:extLst>
+              <a:ext uri="{FF2B5EF4-FFF2-40B4-BE49-F238E27FC236}">
+                <a16:creationId xmlns:a16="http://schemas.microsoft.com/office/drawing/2014/main" id="{6305E2DA-90FD-4C35-97B5-2600FED077AB}"/>
+              </a:ext>
+            </a:extLst>
+          </p:cNvPr>
+          <p:cNvPicPr>
+            <a:picLocks noChangeAspect="1"/>
+          </p:cNvPicPr>
+          <p:nvPr/>
+        </p:nvPicPr>
+        <p:blipFill rotWithShape="1">
+          <a:blip r:embed="rId3"/>
+          <a:srcRect l="15903" t="13333" r="12156" b="17806"/>
+          <a:stretch/>
+        </p:blipFill>
+        <p:spPr>
+          <a:xfrm>
+            <a:off x="3054911" y="1258206"/>
+            <a:ext cx="8775429" cy="5599794"/>
+          </a:xfrm>
+          <a:prstGeom prst="rect">
+            <a:avLst/>
+          </a:prstGeom>
+        </p:spPr>
+      </p:pic>
+      <p:pic>
+        <p:nvPicPr>
+          <p:cNvPr id="2050" name="Picture 2" descr="Exhausted Smiley | Symbols &amp;amp;amp; Emoticons">
+            <a:extLst>
+              <a:ext uri="{FF2B5EF4-FFF2-40B4-BE49-F238E27FC236}">
+                <a16:creationId xmlns:a16="http://schemas.microsoft.com/office/drawing/2014/main" id="{8440A779-4B7B-4E3A-8103-FDEFB59571C6}"/>
+              </a:ext>
+            </a:extLst>
+          </p:cNvPr>
+          <p:cNvPicPr>
+            <a:picLocks noChangeAspect="1" noChangeArrowheads="1"/>
+          </p:cNvPicPr>
+          <p:nvPr/>
+        </p:nvPicPr>
+        <p:blipFill rotWithShape="1">
+          <a:blip r:embed="rId4">
+            <a:extLst>
+              <a:ext uri="{28A0092B-C50C-407E-A947-70E740481C1C}">
+                <a14:useLocalDpi xmlns:a14="http://schemas.microsoft.com/office/drawing/2010/main" val="0"/>
+              </a:ext>
+            </a:extLst>
+          </a:blip>
+          <a:srcRect l="24751" r="24616"/>
+          <a:stretch/>
+        </p:blipFill>
+        <p:spPr bwMode="auto">
+          <a:xfrm>
+            <a:off x="161239" y="2311597"/>
+            <a:ext cx="2893672" cy="3000375"/>
+          </a:xfrm>
+          <a:prstGeom prst="rect">
+            <a:avLst/>
+          </a:prstGeom>
+          <a:noFill/>
+          <a:extLst>
+            <a:ext uri="{909E8E84-426E-40DD-AFC4-6F175D3DCCD1}">
+              <a14:hiddenFill xmlns:a14="http://schemas.microsoft.com/office/drawing/2010/main">
+                <a:solidFill>
+                  <a:srgbClr val="FFFFFF"/>
+                </a:solidFill>
+              </a14:hiddenFill>
+            </a:ext>
+          </a:extLst>
+        </p:spPr>
+      </p:pic>
+    </p:spTree>
+    <p:extLst>
+      <p:ext uri="{BB962C8B-B14F-4D97-AF65-F5344CB8AC3E}">
+        <p14:creationId xmlns:p14="http://schemas.microsoft.com/office/powerpoint/2010/main" val="2086407875"/>
+      </p:ext>
+    </p:extLst>
+  </p:cSld>
+  <p:clrMapOvr>
+    <a:masterClrMapping/>
+  </p:clrMapOvr>
+  <p:timing>
+    <p:tnLst>
+      <p:par>
+        <p:cTn id="1" dur="indefinite" restart="never" nodeType="tmRoot">
+          <p:childTnLst>
+            <p:seq concurrent="1" nextAc="seek">
+              <p:cTn id="2" dur="indefinite" nodeType="mainSeq">
+                <p:childTnLst>
+                  <p:par>
+                    <p:cTn id="3" fill="hold">
+                      <p:stCondLst>
+                        <p:cond delay="indefinite"/>
+                        <p:cond evt="onBegin" delay="0">
+                          <p:tn val="2"/>
+                        </p:cond>
+                      </p:stCondLst>
+                      <p:childTnLst>
+                        <p:par>
+                          <p:cTn id="4" fill="hold">
+                            <p:stCondLst>
+                              <p:cond delay="0"/>
+                            </p:stCondLst>
+                            <p:childTnLst>
+                              <p:par>
+                                <p:cTn id="5" presetID="53" presetClass="entr" presetSubtype="16" fill="hold" nodeType="afterEffect">
+                                  <p:stCondLst>
+                                    <p:cond delay="0"/>
+                                  </p:stCondLst>
+                                  <p:childTnLst>
+                                    <p:set>
+                                      <p:cBhvr>
+                                        <p:cTn id="6" dur="1" fill="hold">
+                                          <p:stCondLst>
+                                            <p:cond delay="0"/>
+                                          </p:stCondLst>
+                                        </p:cTn>
+                                        <p:tgtEl>
+                                          <p:spTgt spid="10"/>
+                                        </p:tgtEl>
+                                        <p:attrNameLst>
+                                          <p:attrName>style.visibility</p:attrName>
+                                        </p:attrNameLst>
+                                      </p:cBhvr>
+                                      <p:to>
+                                        <p:strVal val="visible"/>
+                                      </p:to>
+                                    </p:set>
+                                    <p:anim calcmode="lin" valueType="num">
+                                      <p:cBhvr>
+                                        <p:cTn id="7" dur="500" fill="hold"/>
+                                        <p:tgtEl>
+                                          <p:spTgt spid="10"/>
+                                        </p:tgtEl>
+                                        <p:attrNameLst>
+                                          <p:attrName>ppt_w</p:attrName>
+                                        </p:attrNameLst>
+                                      </p:cBhvr>
+                                      <p:tavLst>
+                                        <p:tav tm="0">
+                                          <p:val>
+                                            <p:fltVal val="0"/>
+                                          </p:val>
+                                        </p:tav>
+                                        <p:tav tm="100000">
+                                          <p:val>
+                                            <p:strVal val="#ppt_w"/>
+                                          </p:val>
+                                        </p:tav>
+                                      </p:tavLst>
+                                    </p:anim>
+                                    <p:anim calcmode="lin" valueType="num">
+                                      <p:cBhvr>
+                                        <p:cTn id="8" dur="500" fill="hold"/>
+                                        <p:tgtEl>
+                                          <p:spTgt spid="10"/>
+                                        </p:tgtEl>
+                                        <p:attrNameLst>
+                                          <p:attrName>ppt_h</p:attrName>
+                                        </p:attrNameLst>
+                                      </p:cBhvr>
+                                      <p:tavLst>
+                                        <p:tav tm="0">
+                                          <p:val>
+                                            <p:fltVal val="0"/>
+                                          </p:val>
+                                        </p:tav>
+                                        <p:tav tm="100000">
+                                          <p:val>
+                                            <p:strVal val="#ppt_h"/>
+                                          </p:val>
+                                        </p:tav>
+                                      </p:tavLst>
+                                    </p:anim>
+                                    <p:animEffect transition="in" filter="fade">
+                                      <p:cBhvr>
+                                        <p:cTn id="9" dur="500"/>
+                                        <p:tgtEl>
+                                          <p:spTgt spid="10"/>
+                                        </p:tgtEl>
+                                      </p:cBhvr>
+                                    </p:animEffect>
+                                  </p:childTnLst>
+                                </p:cTn>
+                              </p:par>
+                            </p:childTnLst>
+                          </p:cTn>
+                        </p:par>
+                        <p:par>
+                          <p:cTn id="10" fill="hold">
+                            <p:stCondLst>
+                              <p:cond delay="500"/>
+                            </p:stCondLst>
+                            <p:childTnLst>
+                              <p:par>
+                                <p:cTn id="11" presetID="10" presetClass="entr" presetSubtype="0" fill="hold" nodeType="afterEffect">
+                                  <p:stCondLst>
+                                    <p:cond delay="0"/>
+                                  </p:stCondLst>
+                                  <p:childTnLst>
+                                    <p:set>
+                                      <p:cBhvr>
+                                        <p:cTn id="12" dur="1" fill="hold">
+                                          <p:stCondLst>
+                                            <p:cond delay="0"/>
+                                          </p:stCondLst>
+                                        </p:cTn>
+                                        <p:tgtEl>
+                                          <p:spTgt spid="2050"/>
+                                        </p:tgtEl>
+                                        <p:attrNameLst>
+                                          <p:attrName>style.visibility</p:attrName>
+                                        </p:attrNameLst>
+                                      </p:cBhvr>
+                                      <p:to>
+                                        <p:strVal val="visible"/>
+                                      </p:to>
+                                    </p:set>
+                                    <p:animEffect transition="in" filter="fade">
+                                      <p:cBhvr>
+                                        <p:cTn id="13" dur="500"/>
+                                        <p:tgtEl>
+                                          <p:spTgt spid="2050"/>
+                                        </p:tgtEl>
+                                      </p:cBhvr>
+                                    </p:animEffect>
+                                  </p:childTnLst>
+                                </p:cTn>
+                              </p:par>
+                            </p:childTnLst>
+                          </p:cTn>
+                        </p:par>
+                      </p:childTnLst>
+                    </p:cTn>
+                  </p:par>
+                </p:childTnLst>
+              </p:cTn>
+              <p:prevCondLst>
+                <p:cond evt="onPrev" delay="0">
+                  <p:tgtEl>
+                    <p:sldTgt/>
+                  </p:tgtEl>
+                </p:cond>
+              </p:prevCondLst>
+              <p:nextCondLst>
+                <p:cond evt="onNext" delay="0">
+                  <p:tgtEl>
+                    <p:sldTgt/>
+                  </p:tgtEl>
+                </p:cond>
+              </p:nextCondLst>
+            </p:seq>
+          </p:childTnLst>
+        </p:cTn>
+      </p:par>
+    </p:tnLst>
+  </p:timing>
+</p:sld>
+</file>
+
+<file path=ppt/slides/slide12.xml><?xml version="1.0" encoding="utf-8"?>
 <p:sld xmlns:a="http://schemas.openxmlformats.org/drawingml/2006/main" xmlns:r="http://schemas.openxmlformats.org/officeDocument/2006/relationships" xmlns:p="http://schemas.openxmlformats.org/presentationml/2006/main">
   <p:cSld>
     <p:spTree>
@@ -8666,7 +10183,7 @@
 </p:sld>
 </file>
 
-<file path=ppt/slides/slide12.xml><?xml version="1.0" encoding="utf-8"?>
+<file path=ppt/slides/slide13.xml><?xml version="1.0" encoding="utf-8"?>
 <p:sld xmlns:a="http://schemas.openxmlformats.org/drawingml/2006/main" xmlns:r="http://schemas.openxmlformats.org/officeDocument/2006/relationships" xmlns:p="http://schemas.openxmlformats.org/presentationml/2006/main">
   <p:cSld>
     <p:spTree>
@@ -9104,7 +10621,7 @@
 </p:sld>
 </file>
 
-<file path=ppt/slides/slide13.xml><?xml version="1.0" encoding="utf-8"?>
+<file path=ppt/slides/slide14.xml><?xml version="1.0" encoding="utf-8"?>
 <p:sld xmlns:a="http://schemas.openxmlformats.org/drawingml/2006/main" xmlns:r="http://schemas.openxmlformats.org/officeDocument/2006/relationships" xmlns:p="http://schemas.openxmlformats.org/presentationml/2006/main">
   <p:cSld>
     <p:spTree>
@@ -9586,7 +11103,7 @@
 </p:sld>
 </file>
 
-<file path=ppt/slides/slide14.xml><?xml version="1.0" encoding="utf-8"?>
+<file path=ppt/slides/slide15.xml><?xml version="1.0" encoding="utf-8"?>
 <p:sld xmlns:a="http://schemas.openxmlformats.org/drawingml/2006/main" xmlns:r="http://schemas.openxmlformats.org/officeDocument/2006/relationships" xmlns:p="http://schemas.openxmlformats.org/presentationml/2006/main">
   <p:cSld>
     <p:spTree>
@@ -9899,8 +11416,8 @@
         </p:nvSpPr>
         <p:spPr>
           <a:xfrm>
-            <a:off x="285900" y="2069821"/>
-            <a:ext cx="6004465" cy="2123658"/>
+            <a:off x="228027" y="2028616"/>
+            <a:ext cx="6316980" cy="2800767"/>
           </a:xfrm>
           <a:prstGeom prst="rect">
             <a:avLst/>
@@ -9920,7 +11437,18 @@
                   <a:srgbClr val="C00000"/>
                 </a:solidFill>
               </a:rPr>
-              <a:t>Identify the tweets emotion toward Ukraine and Russia</a:t>
+              <a:t>What is the general emotion in tweet?</a:t>
+            </a:r>
+          </a:p>
+          <a:p>
+            <a:pPr algn="ctr"/>
+            <a:r>
+              <a:rPr lang="en-US" sz="4400" b="1" dirty="0">
+                <a:solidFill>
+                  <a:srgbClr val="C00000"/>
+                </a:solidFill>
+              </a:rPr>
+              <a:t> How the tweets describe Russia and Ukraine?</a:t>
             </a:r>
           </a:p>
         </p:txBody>
@@ -10027,7 +11555,7 @@
 </p:sld>
 </file>
 
-<file path=ppt/slides/slide15.xml><?xml version="1.0" encoding="utf-8"?>
+<file path=ppt/slides/slide16.xml><?xml version="1.0" encoding="utf-8"?>
 <p:sld xmlns:a="http://schemas.openxmlformats.org/drawingml/2006/main" xmlns:r="http://schemas.openxmlformats.org/officeDocument/2006/relationships" xmlns:p="http://schemas.openxmlformats.org/presentationml/2006/main">
   <p:cSld>
     <p:spTree>
@@ -10505,7 +12033,7 @@
         <p:spPr>
           <a:xfrm>
             <a:off x="2009251" y="4015692"/>
-            <a:ext cx="3984617" cy="2677656"/>
+            <a:ext cx="4249433" cy="2677656"/>
           </a:xfrm>
           <a:prstGeom prst="rect">
             <a:avLst/>
@@ -10527,25 +12055,25 @@
           <a:p>
             <a:r>
               <a:rPr lang="en-US" dirty="0"/>
-              <a:t>Convert to lowercase</a:t>
+              <a:t>Converting to lowercase</a:t>
             </a:r>
           </a:p>
           <a:p>
             <a:r>
               <a:rPr lang="en-US" dirty="0"/>
-              <a:t>Remove punctuations</a:t>
+              <a:t>Removing punctuations</a:t>
             </a:r>
           </a:p>
           <a:p>
             <a:r>
               <a:rPr lang="en-US" dirty="0"/>
-              <a:t>Remove links</a:t>
+              <a:t>Removing links</a:t>
             </a:r>
           </a:p>
           <a:p>
             <a:r>
               <a:rPr lang="en-US" dirty="0"/>
-              <a:t>Remove </a:t>
+              <a:t>Removing </a:t>
             </a:r>
             <a:r>
               <a:rPr lang="en-US" dirty="0" err="1"/>
@@ -11223,7 +12751,7 @@
 </p:sld>
 </file>
 
-<file path=ppt/slides/slide16.xml><?xml version="1.0" encoding="utf-8"?>
+<file path=ppt/slides/slide17.xml><?xml version="1.0" encoding="utf-8"?>
 <p:sld xmlns:a="http://schemas.openxmlformats.org/drawingml/2006/main" xmlns:r="http://schemas.openxmlformats.org/officeDocument/2006/relationships" xmlns:p="http://schemas.openxmlformats.org/presentationml/2006/main">
   <p:cSld>
     <p:spTree>
@@ -11369,10 +12897,10 @@
       </p:cxnSp>
       <p:sp>
         <p:nvSpPr>
-          <p:cNvPr id="9" name="Rectangle 8">
-            <a:extLst>
-              <a:ext uri="{FF2B5EF4-FFF2-40B4-BE49-F238E27FC236}">
-                <a16:creationId xmlns:a16="http://schemas.microsoft.com/office/drawing/2014/main" id="{866AA0F8-8335-4B8E-80A2-3E7C74D33984}"/>
+          <p:cNvPr id="12" name="Oval 11">
+            <a:extLst>
+              <a:ext uri="{FF2B5EF4-FFF2-40B4-BE49-F238E27FC236}">
+                <a16:creationId xmlns:a16="http://schemas.microsoft.com/office/drawing/2014/main" id="{0F9A7892-316F-4C3D-9F97-3AB02F15E77F}"/>
               </a:ext>
             </a:extLst>
           </p:cNvPr>
@@ -11381,49 +12909,7 @@
         </p:nvSpPr>
         <p:spPr>
           <a:xfrm>
-            <a:off x="847715" y="1134596"/>
-            <a:ext cx="2727413" cy="584775"/>
-          </a:xfrm>
-          <a:prstGeom prst="rect">
-            <a:avLst/>
-          </a:prstGeom>
-          <a:noFill/>
-        </p:spPr>
-        <p:txBody>
-          <a:bodyPr wrap="none" rtlCol="0">
-            <a:spAutoFit/>
-          </a:bodyPr>
-          <a:lstStyle/>
-          <a:p>
-            <a:r>
-              <a:rPr lang="en-US" sz="3200" b="1" dirty="0">
-                <a:solidFill>
-                  <a:schemeClr val="accent1">
-                    <a:lumMod val="50000"/>
-                  </a:schemeClr>
-                </a:solidFill>
-                <a:latin typeface="-apple-system"/>
-              </a:rPr>
-              <a:t>Find the Result</a:t>
-            </a:r>
-          </a:p>
-        </p:txBody>
-      </p:sp>
-      <p:sp>
-        <p:nvSpPr>
-          <p:cNvPr id="12" name="Oval 11">
-            <a:extLst>
-              <a:ext uri="{FF2B5EF4-FFF2-40B4-BE49-F238E27FC236}">
-                <a16:creationId xmlns:a16="http://schemas.microsoft.com/office/drawing/2014/main" id="{0F9A7892-316F-4C3D-9F97-3AB02F15E77F}"/>
-              </a:ext>
-            </a:extLst>
-          </p:cNvPr>
-          <p:cNvSpPr/>
-          <p:nvPr/>
-        </p:nvSpPr>
-        <p:spPr>
-          <a:xfrm>
-            <a:off x="1086005" y="2333928"/>
+            <a:off x="1167028" y="2089257"/>
             <a:ext cx="275892" cy="275892"/>
           </a:xfrm>
           <a:prstGeom prst="ellipse">
@@ -11478,7 +12964,7 @@
         </p:nvSpPr>
         <p:spPr>
           <a:xfrm>
-            <a:off x="1518829" y="2148708"/>
+            <a:off x="1599852" y="1904037"/>
             <a:ext cx="4655185" cy="646331"/>
           </a:xfrm>
           <a:prstGeom prst="rect">
@@ -11513,7 +12999,7 @@
         </p:nvSpPr>
         <p:spPr>
           <a:xfrm>
-            <a:off x="2009251" y="2855043"/>
+            <a:off x="2090274" y="2610372"/>
             <a:ext cx="6291274" cy="954107"/>
           </a:xfrm>
           <a:prstGeom prst="rect">
@@ -11626,6 +13112,48 @@
           </a:p>
         </p:txBody>
       </p:sp>
+      <p:sp>
+        <p:nvSpPr>
+          <p:cNvPr id="15" name="Rectangle 14">
+            <a:extLst>
+              <a:ext uri="{FF2B5EF4-FFF2-40B4-BE49-F238E27FC236}">
+                <a16:creationId xmlns:a16="http://schemas.microsoft.com/office/drawing/2014/main" id="{4D188BD2-CC52-467C-A96B-0DAF64708F44}"/>
+              </a:ext>
+            </a:extLst>
+          </p:cNvPr>
+          <p:cNvSpPr/>
+          <p:nvPr/>
+        </p:nvSpPr>
+        <p:spPr>
+          <a:xfrm>
+            <a:off x="847715" y="1113261"/>
+            <a:ext cx="3472233" cy="584775"/>
+          </a:xfrm>
+          <a:prstGeom prst="rect">
+            <a:avLst/>
+          </a:prstGeom>
+          <a:noFill/>
+        </p:spPr>
+        <p:txBody>
+          <a:bodyPr wrap="none" rtlCol="0">
+            <a:spAutoFit/>
+          </a:bodyPr>
+          <a:lstStyle/>
+          <a:p>
+            <a:r>
+              <a:rPr lang="en-US" sz="3200" b="1" dirty="0">
+                <a:solidFill>
+                  <a:schemeClr val="accent1">
+                    <a:lumMod val="50000"/>
+                  </a:schemeClr>
+                </a:solidFill>
+                <a:latin typeface="-apple-system"/>
+              </a:rPr>
+              <a:t>Text pre-processing</a:t>
+            </a:r>
+          </a:p>
+        </p:txBody>
+      </p:sp>
     </p:spTree>
     <p:extLst>
       <p:ext uri="{BB962C8B-B14F-4D97-AF65-F5344CB8AC3E}">
@@ -11660,7 +13188,7 @@
                             </p:stCondLst>
                             <p:childTnLst>
                               <p:par>
-                                <p:cTn id="5" presetID="22" presetClass="entr" presetSubtype="8" fill="hold" grpId="0" nodeType="afterEffect">
+                                <p:cTn id="5" presetID="53" presetClass="entr" presetSubtype="16" fill="hold" grpId="0" nodeType="afterEffect">
                                   <p:stCondLst>
                                     <p:cond delay="0"/>
                                   </p:stCondLst>
@@ -11673,50 +13201,6 @@
                                           </p:stCondLst>
                                         </p:cTn>
                                         <p:tgtEl>
-                                          <p:spTgt spid="9"/>
-                                        </p:tgtEl>
-                                        <p:attrNameLst>
-                                          <p:attrName>style.visibility</p:attrName>
-                                        </p:attrNameLst>
-                                      </p:cBhvr>
-                                      <p:to>
-                                        <p:strVal val="visible"/>
-                                      </p:to>
-                                    </p:set>
-                                    <p:animEffect transition="in" filter="wipe(left)">
-                                      <p:cBhvr>
-                                        <p:cTn id="7" dur="500"/>
-                                        <p:tgtEl>
-                                          <p:spTgt spid="9"/>
-                                        </p:tgtEl>
-                                      </p:cBhvr>
-                                    </p:animEffect>
-                                  </p:childTnLst>
-                                </p:cTn>
-                              </p:par>
-                            </p:childTnLst>
-                          </p:cTn>
-                        </p:par>
-                        <p:par>
-                          <p:cTn id="8" fill="hold">
-                            <p:stCondLst>
-                              <p:cond delay="500"/>
-                            </p:stCondLst>
-                            <p:childTnLst>
-                              <p:par>
-                                <p:cTn id="9" presetID="53" presetClass="entr" presetSubtype="16" fill="hold" grpId="0" nodeType="afterEffect">
-                                  <p:stCondLst>
-                                    <p:cond delay="0"/>
-                                  </p:stCondLst>
-                                  <p:childTnLst>
-                                    <p:set>
-                                      <p:cBhvr>
-                                        <p:cTn id="10" dur="1" fill="hold">
-                                          <p:stCondLst>
-                                            <p:cond delay="0"/>
-                                          </p:stCondLst>
-                                        </p:cTn>
-                                        <p:tgtEl>
                                           <p:spTgt spid="12"/>
                                         </p:tgtEl>
                                         <p:attrNameLst>
@@ -11729,7 +13213,7 @@
                                     </p:set>
                                     <p:anim calcmode="lin" valueType="num">
                                       <p:cBhvr>
-                                        <p:cTn id="11" dur="500" fill="hold"/>
+                                        <p:cTn id="7" dur="500" fill="hold"/>
                                         <p:tgtEl>
                                           <p:spTgt spid="12"/>
                                         </p:tgtEl>
@@ -11752,7 +13236,7 @@
                                     </p:anim>
                                     <p:anim calcmode="lin" valueType="num">
                                       <p:cBhvr>
-                                        <p:cTn id="12" dur="500" fill="hold"/>
+                                        <p:cTn id="8" dur="500" fill="hold"/>
                                         <p:tgtEl>
                                           <p:spTgt spid="12"/>
                                         </p:tgtEl>
@@ -11775,9 +13259,53 @@
                                     </p:anim>
                                     <p:animEffect transition="in" filter="fade">
                                       <p:cBhvr>
+                                        <p:cTn id="9" dur="500"/>
+                                        <p:tgtEl>
+                                          <p:spTgt spid="12"/>
+                                        </p:tgtEl>
+                                      </p:cBhvr>
+                                    </p:animEffect>
+                                  </p:childTnLst>
+                                </p:cTn>
+                              </p:par>
+                            </p:childTnLst>
+                          </p:cTn>
+                        </p:par>
+                        <p:par>
+                          <p:cTn id="10" fill="hold">
+                            <p:stCondLst>
+                              <p:cond delay="500"/>
+                            </p:stCondLst>
+                            <p:childTnLst>
+                              <p:par>
+                                <p:cTn id="11" presetID="22" presetClass="entr" presetSubtype="8" fill="hold" grpId="0" nodeType="afterEffect">
+                                  <p:stCondLst>
+                                    <p:cond delay="0"/>
+                                  </p:stCondLst>
+                                  <p:childTnLst>
+                                    <p:set>
+                                      <p:cBhvr>
+                                        <p:cTn id="12" dur="1" fill="hold">
+                                          <p:stCondLst>
+                                            <p:cond delay="0"/>
+                                          </p:stCondLst>
+                                        </p:cTn>
+                                        <p:tgtEl>
+                                          <p:spTgt spid="13"/>
+                                        </p:tgtEl>
+                                        <p:attrNameLst>
+                                          <p:attrName>style.visibility</p:attrName>
+                                        </p:attrNameLst>
+                                      </p:cBhvr>
+                                      <p:to>
+                                        <p:strVal val="visible"/>
+                                      </p:to>
+                                    </p:set>
+                                    <p:animEffect transition="in" filter="wipe(left)">
+                                      <p:cBhvr>
                                         <p:cTn id="13" dur="500"/>
                                         <p:tgtEl>
-                                          <p:spTgt spid="12"/>
+                                          <p:spTgt spid="13"/>
                                         </p:tgtEl>
                                       </p:cBhvr>
                                     </p:animEffect>
@@ -11807,7 +13335,7 @@
                                           </p:stCondLst>
                                         </p:cTn>
                                         <p:tgtEl>
-                                          <p:spTgt spid="13"/>
+                                          <p:spTgt spid="17"/>
                                         </p:tgtEl>
                                         <p:attrNameLst>
                                           <p:attrName>style.visibility</p:attrName>
@@ -11821,7 +13349,7 @@
                                       <p:cBhvr>
                                         <p:cTn id="17" dur="500"/>
                                         <p:tgtEl>
-                                          <p:spTgt spid="13"/>
+                                          <p:spTgt spid="17"/>
                                         </p:tgtEl>
                                       </p:cBhvr>
                                     </p:animEffect>
@@ -11838,7 +13366,7 @@
                             </p:stCondLst>
                             <p:childTnLst>
                               <p:par>
-                                <p:cTn id="19" presetID="22" presetClass="entr" presetSubtype="8" fill="hold" grpId="0" nodeType="afterEffect">
+                                <p:cTn id="19" presetID="53" presetClass="entr" presetSubtype="16" fill="hold" nodeType="afterEffect">
                                   <p:stCondLst>
                                     <p:cond delay="0"/>
                                   </p:stCondLst>
@@ -11851,50 +13379,6 @@
                                           </p:stCondLst>
                                         </p:cTn>
                                         <p:tgtEl>
-                                          <p:spTgt spid="17"/>
-                                        </p:tgtEl>
-                                        <p:attrNameLst>
-                                          <p:attrName>style.visibility</p:attrName>
-                                        </p:attrNameLst>
-                                      </p:cBhvr>
-                                      <p:to>
-                                        <p:strVal val="visible"/>
-                                      </p:to>
-                                    </p:set>
-                                    <p:animEffect transition="in" filter="wipe(left)">
-                                      <p:cBhvr>
-                                        <p:cTn id="21" dur="500"/>
-                                        <p:tgtEl>
-                                          <p:spTgt spid="17"/>
-                                        </p:tgtEl>
-                                      </p:cBhvr>
-                                    </p:animEffect>
-                                  </p:childTnLst>
-                                </p:cTn>
-                              </p:par>
-                            </p:childTnLst>
-                          </p:cTn>
-                        </p:par>
-                        <p:par>
-                          <p:cTn id="22" fill="hold">
-                            <p:stCondLst>
-                              <p:cond delay="2000"/>
-                            </p:stCondLst>
-                            <p:childTnLst>
-                              <p:par>
-                                <p:cTn id="23" presetID="53" presetClass="entr" presetSubtype="16" fill="hold" nodeType="afterEffect">
-                                  <p:stCondLst>
-                                    <p:cond delay="0"/>
-                                  </p:stCondLst>
-                                  <p:childTnLst>
-                                    <p:set>
-                                      <p:cBhvr>
-                                        <p:cTn id="24" dur="1" fill="hold">
-                                          <p:stCondLst>
-                                            <p:cond delay="0"/>
-                                          </p:stCondLst>
-                                        </p:cTn>
-                                        <p:tgtEl>
                                           <p:spTgt spid="6"/>
                                         </p:tgtEl>
                                         <p:attrNameLst>
@@ -11907,7 +13391,7 @@
                                     </p:set>
                                     <p:anim calcmode="lin" valueType="num">
                                       <p:cBhvr>
-                                        <p:cTn id="25" dur="500" fill="hold"/>
+                                        <p:cTn id="21" dur="500" fill="hold"/>
                                         <p:tgtEl>
                                           <p:spTgt spid="6"/>
                                         </p:tgtEl>
@@ -11930,7 +13414,7 @@
                                     </p:anim>
                                     <p:anim calcmode="lin" valueType="num">
                                       <p:cBhvr>
-                                        <p:cTn id="26" dur="500" fill="hold"/>
+                                        <p:cTn id="22" dur="500" fill="hold"/>
                                         <p:tgtEl>
                                           <p:spTgt spid="6"/>
                                         </p:tgtEl>
@@ -11953,7 +13437,7 @@
                                     </p:anim>
                                     <p:animEffect transition="in" filter="fade">
                                       <p:cBhvr>
-                                        <p:cTn id="27" dur="500"/>
+                                        <p:cTn id="23" dur="500"/>
                                         <p:tgtEl>
                                           <p:spTgt spid="6"/>
                                         </p:tgtEl>
@@ -11966,20 +13450,20 @@
                           </p:cTn>
                         </p:par>
                         <p:par>
-                          <p:cTn id="28" fill="hold">
+                          <p:cTn id="24" fill="hold">
                             <p:stCondLst>
-                              <p:cond delay="2500"/>
+                              <p:cond delay="2000"/>
                             </p:stCondLst>
                             <p:childTnLst>
                               <p:par>
-                                <p:cTn id="29" presetID="53" presetClass="entr" presetSubtype="16" fill="hold" grpId="0" nodeType="afterEffect">
+                                <p:cTn id="25" presetID="53" presetClass="entr" presetSubtype="16" fill="hold" grpId="0" nodeType="afterEffect">
                                   <p:stCondLst>
                                     <p:cond delay="0"/>
                                   </p:stCondLst>
                                   <p:childTnLst>
                                     <p:set>
                                       <p:cBhvr>
-                                        <p:cTn id="30" dur="1" fill="hold">
+                                        <p:cTn id="26" dur="1" fill="hold">
                                           <p:stCondLst>
                                             <p:cond delay="0"/>
                                           </p:stCondLst>
@@ -11997,7 +13481,7 @@
                                     </p:set>
                                     <p:anim calcmode="lin" valueType="num">
                                       <p:cBhvr>
-                                        <p:cTn id="31" dur="500" fill="hold"/>
+                                        <p:cTn id="27" dur="500" fill="hold"/>
                                         <p:tgtEl>
                                           <p:spTgt spid="7"/>
                                         </p:tgtEl>
@@ -12020,7 +13504,7 @@
                                     </p:anim>
                                     <p:anim calcmode="lin" valueType="num">
                                       <p:cBhvr>
-                                        <p:cTn id="32" dur="500" fill="hold"/>
+                                        <p:cTn id="28" dur="500" fill="hold"/>
                                         <p:tgtEl>
                                           <p:spTgt spid="7"/>
                                         </p:tgtEl>
@@ -12043,9 +13527,53 @@
                                     </p:anim>
                                     <p:animEffect transition="in" filter="fade">
                                       <p:cBhvr>
+                                        <p:cTn id="29" dur="500"/>
+                                        <p:tgtEl>
+                                          <p:spTgt spid="7"/>
+                                        </p:tgtEl>
+                                      </p:cBhvr>
+                                    </p:animEffect>
+                                  </p:childTnLst>
+                                </p:cTn>
+                              </p:par>
+                            </p:childTnLst>
+                          </p:cTn>
+                        </p:par>
+                        <p:par>
+                          <p:cTn id="30" fill="hold">
+                            <p:stCondLst>
+                              <p:cond delay="2500"/>
+                            </p:stCondLst>
+                            <p:childTnLst>
+                              <p:par>
+                                <p:cTn id="31" presetID="22" presetClass="entr" presetSubtype="8" fill="hold" grpId="0" nodeType="afterEffect">
+                                  <p:stCondLst>
+                                    <p:cond delay="0"/>
+                                  </p:stCondLst>
+                                  <p:childTnLst>
+                                    <p:set>
+                                      <p:cBhvr>
+                                        <p:cTn id="32" dur="1" fill="hold">
+                                          <p:stCondLst>
+                                            <p:cond delay="0"/>
+                                          </p:stCondLst>
+                                        </p:cTn>
+                                        <p:tgtEl>
+                                          <p:spTgt spid="15"/>
+                                        </p:tgtEl>
+                                        <p:attrNameLst>
+                                          <p:attrName>style.visibility</p:attrName>
+                                        </p:attrNameLst>
+                                      </p:cBhvr>
+                                      <p:to>
+                                        <p:strVal val="visible"/>
+                                      </p:to>
+                                    </p:set>
+                                    <p:animEffect transition="in" filter="wipe(left)">
+                                      <p:cBhvr>
                                         <p:cTn id="33" dur="500"/>
                                         <p:tgtEl>
-                                          <p:spTgt spid="7"/>
+                                          <p:spTgt spid="15"/>
                                         </p:tgtEl>
                                       </p:cBhvr>
                                     </p:animEffect>
@@ -12080,17 +13608,17 @@
       </p:par>
     </p:tnLst>
     <p:bldLst>
-      <p:bldP spid="9" grpId="0"/>
       <p:bldP spid="12" grpId="0" animBg="1"/>
       <p:bldP spid="13" grpId="0"/>
       <p:bldP spid="17" grpId="0"/>
       <p:bldP spid="7" grpId="0" animBg="1"/>
+      <p:bldP spid="15" grpId="0"/>
     </p:bldLst>
   </p:timing>
 </p:sld>
 </file>
 
-<file path=ppt/slides/slide17.xml><?xml version="1.0" encoding="utf-8"?>
+<file path=ppt/slides/slide18.xml><?xml version="1.0" encoding="utf-8"?>
 <p:sld xmlns:a="http://schemas.openxmlformats.org/drawingml/2006/main" xmlns:r="http://schemas.openxmlformats.org/officeDocument/2006/relationships" xmlns:p="http://schemas.openxmlformats.org/presentationml/2006/main">
   <p:cSld>
     <p:spTree>
@@ -12234,48 +13762,6 @@
           </a:fontRef>
         </p:style>
       </p:cxnSp>
-      <p:sp>
-        <p:nvSpPr>
-          <p:cNvPr id="9" name="Rectangle 8">
-            <a:extLst>
-              <a:ext uri="{FF2B5EF4-FFF2-40B4-BE49-F238E27FC236}">
-                <a16:creationId xmlns:a16="http://schemas.microsoft.com/office/drawing/2014/main" id="{866AA0F8-8335-4B8E-80A2-3E7C74D33984}"/>
-              </a:ext>
-            </a:extLst>
-          </p:cNvPr>
-          <p:cNvSpPr/>
-          <p:nvPr/>
-        </p:nvSpPr>
-        <p:spPr>
-          <a:xfrm>
-            <a:off x="847715" y="1134596"/>
-            <a:ext cx="2727413" cy="584775"/>
-          </a:xfrm>
-          <a:prstGeom prst="rect">
-            <a:avLst/>
-          </a:prstGeom>
-          <a:noFill/>
-        </p:spPr>
-        <p:txBody>
-          <a:bodyPr wrap="none" rtlCol="0">
-            <a:spAutoFit/>
-          </a:bodyPr>
-          <a:lstStyle/>
-          <a:p>
-            <a:r>
-              <a:rPr lang="en-US" sz="3200" b="1" dirty="0">
-                <a:solidFill>
-                  <a:schemeClr val="accent1">
-                    <a:lumMod val="50000"/>
-                  </a:schemeClr>
-                </a:solidFill>
-                <a:latin typeface="-apple-system"/>
-              </a:rPr>
-              <a:t>Find the Result</a:t>
-            </a:r>
-          </a:p>
-        </p:txBody>
-      </p:sp>
       <p:sp>
         <p:nvSpPr>
           <p:cNvPr id="14" name="Oval 13">
@@ -12411,7 +13897,7 @@
           <a:p>
             <a:r>
               <a:rPr lang="en-US" dirty="0"/>
-              <a:t> predicts the sentiments and emotion of a given text</a:t>
+              <a:t> Predicts the sentiments and emotion of a given text</a:t>
             </a:r>
           </a:p>
         </p:txBody>
@@ -12445,6 +13931,48 @@
           </a:prstGeom>
         </p:spPr>
       </p:pic>
+      <p:sp>
+        <p:nvSpPr>
+          <p:cNvPr id="11" name="Rectangle 10">
+            <a:extLst>
+              <a:ext uri="{FF2B5EF4-FFF2-40B4-BE49-F238E27FC236}">
+                <a16:creationId xmlns:a16="http://schemas.microsoft.com/office/drawing/2014/main" id="{E63DCB05-2913-43FD-BC92-98446023375F}"/>
+              </a:ext>
+            </a:extLst>
+          </p:cNvPr>
+          <p:cNvSpPr/>
+          <p:nvPr/>
+        </p:nvSpPr>
+        <p:spPr>
+          <a:xfrm>
+            <a:off x="847715" y="1124458"/>
+            <a:ext cx="2040943" cy="584775"/>
+          </a:xfrm>
+          <a:prstGeom prst="rect">
+            <a:avLst/>
+          </a:prstGeom>
+          <a:noFill/>
+        </p:spPr>
+        <p:txBody>
+          <a:bodyPr wrap="none" rtlCol="0">
+            <a:spAutoFit/>
+          </a:bodyPr>
+          <a:lstStyle/>
+          <a:p>
+            <a:r>
+              <a:rPr lang="en-US" sz="3200" b="1" dirty="0">
+                <a:solidFill>
+                  <a:schemeClr val="accent1">
+                    <a:lumMod val="50000"/>
+                  </a:schemeClr>
+                </a:solidFill>
+                <a:latin typeface="-apple-system"/>
+              </a:rPr>
+              <a:t>Conclusion</a:t>
+            </a:r>
+          </a:p>
+        </p:txBody>
+      </p:sp>
     </p:spTree>
     <p:extLst>
       <p:ext uri="{BB962C8B-B14F-4D97-AF65-F5344CB8AC3E}">
@@ -12479,7 +14007,7 @@
                             </p:stCondLst>
                             <p:childTnLst>
                               <p:par>
-                                <p:cTn id="5" presetID="53" presetClass="entr" presetSubtype="16" fill="hold" grpId="0" nodeType="afterEffect">
+                                <p:cTn id="5" presetID="22" presetClass="entr" presetSubtype="8" fill="hold" grpId="0" nodeType="afterEffect">
                                   <p:stCondLst>
                                     <p:cond delay="0"/>
                                   </p:stCondLst>
@@ -12492,6 +14020,50 @@
                                           </p:stCondLst>
                                         </p:cTn>
                                         <p:tgtEl>
+                                          <p:spTgt spid="11"/>
+                                        </p:tgtEl>
+                                        <p:attrNameLst>
+                                          <p:attrName>style.visibility</p:attrName>
+                                        </p:attrNameLst>
+                                      </p:cBhvr>
+                                      <p:to>
+                                        <p:strVal val="visible"/>
+                                      </p:to>
+                                    </p:set>
+                                    <p:animEffect transition="in" filter="wipe(left)">
+                                      <p:cBhvr>
+                                        <p:cTn id="7" dur="500"/>
+                                        <p:tgtEl>
+                                          <p:spTgt spid="11"/>
+                                        </p:tgtEl>
+                                      </p:cBhvr>
+                                    </p:animEffect>
+                                  </p:childTnLst>
+                                </p:cTn>
+                              </p:par>
+                            </p:childTnLst>
+                          </p:cTn>
+                        </p:par>
+                        <p:par>
+                          <p:cTn id="8" fill="hold">
+                            <p:stCondLst>
+                              <p:cond delay="500"/>
+                            </p:stCondLst>
+                            <p:childTnLst>
+                              <p:par>
+                                <p:cTn id="9" presetID="53" presetClass="entr" presetSubtype="16" fill="hold" grpId="0" nodeType="afterEffect">
+                                  <p:stCondLst>
+                                    <p:cond delay="0"/>
+                                  </p:stCondLst>
+                                  <p:childTnLst>
+                                    <p:set>
+                                      <p:cBhvr>
+                                        <p:cTn id="10" dur="1" fill="hold">
+                                          <p:stCondLst>
+                                            <p:cond delay="0"/>
+                                          </p:stCondLst>
+                                        </p:cTn>
+                                        <p:tgtEl>
                                           <p:spTgt spid="14"/>
                                         </p:tgtEl>
                                         <p:attrNameLst>
@@ -12504,7 +14076,7 @@
                                     </p:set>
                                     <p:anim calcmode="lin" valueType="num">
                                       <p:cBhvr>
-                                        <p:cTn id="7" dur="500" fill="hold"/>
+                                        <p:cTn id="11" dur="500" fill="hold"/>
                                         <p:tgtEl>
                                           <p:spTgt spid="14"/>
                                         </p:tgtEl>
@@ -12527,7 +14099,7 @@
                                     </p:anim>
                                     <p:anim calcmode="lin" valueType="num">
                                       <p:cBhvr>
-                                        <p:cTn id="8" dur="500" fill="hold"/>
+                                        <p:cTn id="12" dur="500" fill="hold"/>
                                         <p:tgtEl>
                                           <p:spTgt spid="14"/>
                                         </p:tgtEl>
@@ -12550,53 +14122,9 @@
                                     </p:anim>
                                     <p:animEffect transition="in" filter="fade">
                                       <p:cBhvr>
-                                        <p:cTn id="9" dur="500"/>
+                                        <p:cTn id="13" dur="500"/>
                                         <p:tgtEl>
                                           <p:spTgt spid="14"/>
-                                        </p:tgtEl>
-                                      </p:cBhvr>
-                                    </p:animEffect>
-                                  </p:childTnLst>
-                                </p:cTn>
-                              </p:par>
-                            </p:childTnLst>
-                          </p:cTn>
-                        </p:par>
-                        <p:par>
-                          <p:cTn id="10" fill="hold">
-                            <p:stCondLst>
-                              <p:cond delay="500"/>
-                            </p:stCondLst>
-                            <p:childTnLst>
-                              <p:par>
-                                <p:cTn id="11" presetID="22" presetClass="entr" presetSubtype="8" fill="hold" grpId="0" nodeType="afterEffect">
-                                  <p:stCondLst>
-                                    <p:cond delay="0"/>
-                                  </p:stCondLst>
-                                  <p:childTnLst>
-                                    <p:set>
-                                      <p:cBhvr>
-                                        <p:cTn id="12" dur="1" fill="hold">
-                                          <p:stCondLst>
-                                            <p:cond delay="0"/>
-                                          </p:stCondLst>
-                                        </p:cTn>
-                                        <p:tgtEl>
-                                          <p:spTgt spid="15"/>
-                                        </p:tgtEl>
-                                        <p:attrNameLst>
-                                          <p:attrName>style.visibility</p:attrName>
-                                        </p:attrNameLst>
-                                      </p:cBhvr>
-                                      <p:to>
-                                        <p:strVal val="visible"/>
-                                      </p:to>
-                                    </p:set>
-                                    <p:animEffect transition="in" filter="wipe(left)">
-                                      <p:cBhvr>
-                                        <p:cTn id="13" dur="500"/>
-                                        <p:tgtEl>
-                                          <p:spTgt spid="15"/>
                                         </p:tgtEl>
                                       </p:cBhvr>
                                     </p:animEffect>
@@ -12626,7 +14154,7 @@
                                           </p:stCondLst>
                                         </p:cTn>
                                         <p:tgtEl>
-                                          <p:spTgt spid="16"/>
+                                          <p:spTgt spid="15"/>
                                         </p:tgtEl>
                                         <p:attrNameLst>
                                           <p:attrName>style.visibility</p:attrName>
@@ -12640,7 +14168,7 @@
                                       <p:cBhvr>
                                         <p:cTn id="17" dur="500"/>
                                         <p:tgtEl>
-                                          <p:spTgt spid="16"/>
+                                          <p:spTgt spid="15"/>
                                         </p:tgtEl>
                                       </p:cBhvr>
                                     </p:animEffect>
@@ -12657,7 +14185,7 @@
                             </p:stCondLst>
                             <p:childTnLst>
                               <p:par>
-                                <p:cTn id="19" presetID="53" presetClass="entr" presetSubtype="16" fill="hold" nodeType="afterEffect">
+                                <p:cTn id="19" presetID="22" presetClass="entr" presetSubtype="8" fill="hold" grpId="0" nodeType="afterEffect">
                                   <p:stCondLst>
                                     <p:cond delay="0"/>
                                   </p:stCondLst>
@@ -12670,6 +14198,50 @@
                                           </p:stCondLst>
                                         </p:cTn>
                                         <p:tgtEl>
+                                          <p:spTgt spid="16"/>
+                                        </p:tgtEl>
+                                        <p:attrNameLst>
+                                          <p:attrName>style.visibility</p:attrName>
+                                        </p:attrNameLst>
+                                      </p:cBhvr>
+                                      <p:to>
+                                        <p:strVal val="visible"/>
+                                      </p:to>
+                                    </p:set>
+                                    <p:animEffect transition="in" filter="wipe(left)">
+                                      <p:cBhvr>
+                                        <p:cTn id="21" dur="500"/>
+                                        <p:tgtEl>
+                                          <p:spTgt spid="16"/>
+                                        </p:tgtEl>
+                                      </p:cBhvr>
+                                    </p:animEffect>
+                                  </p:childTnLst>
+                                </p:cTn>
+                              </p:par>
+                            </p:childTnLst>
+                          </p:cTn>
+                        </p:par>
+                        <p:par>
+                          <p:cTn id="22" fill="hold">
+                            <p:stCondLst>
+                              <p:cond delay="2000"/>
+                            </p:stCondLst>
+                            <p:childTnLst>
+                              <p:par>
+                                <p:cTn id="23" presetID="53" presetClass="entr" presetSubtype="16" fill="hold" nodeType="afterEffect">
+                                  <p:stCondLst>
+                                    <p:cond delay="0"/>
+                                  </p:stCondLst>
+                                  <p:childTnLst>
+                                    <p:set>
+                                      <p:cBhvr>
+                                        <p:cTn id="24" dur="1" fill="hold">
+                                          <p:stCondLst>
+                                            <p:cond delay="0"/>
+                                          </p:stCondLst>
+                                        </p:cTn>
+                                        <p:tgtEl>
                                           <p:spTgt spid="6"/>
                                         </p:tgtEl>
                                         <p:attrNameLst>
@@ -12682,7 +14254,7 @@
                                     </p:set>
                                     <p:anim calcmode="lin" valueType="num">
                                       <p:cBhvr>
-                                        <p:cTn id="21" dur="500" fill="hold"/>
+                                        <p:cTn id="25" dur="500" fill="hold"/>
                                         <p:tgtEl>
                                           <p:spTgt spid="6"/>
                                         </p:tgtEl>
@@ -12705,7 +14277,7 @@
                                     </p:anim>
                                     <p:anim calcmode="lin" valueType="num">
                                       <p:cBhvr>
-                                        <p:cTn id="22" dur="500" fill="hold"/>
+                                        <p:cTn id="26" dur="500" fill="hold"/>
                                         <p:tgtEl>
                                           <p:spTgt spid="6"/>
                                         </p:tgtEl>
@@ -12728,7 +14300,7 @@
                                     </p:anim>
                                     <p:animEffect transition="in" filter="fade">
                                       <p:cBhvr>
-                                        <p:cTn id="23" dur="500"/>
+                                        <p:cTn id="27" dur="500"/>
                                         <p:tgtEl>
                                           <p:spTgt spid="6"/>
                                         </p:tgtEl>
@@ -12768,12 +14340,13 @@
       <p:bldP spid="14" grpId="0" animBg="1"/>
       <p:bldP spid="15" grpId="0"/>
       <p:bldP spid="16" grpId="0"/>
+      <p:bldP spid="11" grpId="0"/>
     </p:bldLst>
   </p:timing>
 </p:sld>
 </file>
 
-<file path=ppt/slides/slide18.xml><?xml version="1.0" encoding="utf-8"?>
+<file path=ppt/slides/slide19.xml><?xml version="1.0" encoding="utf-8"?>
 <p:sld xmlns:a="http://schemas.openxmlformats.org/drawingml/2006/main" xmlns:r="http://schemas.openxmlformats.org/officeDocument/2006/relationships" xmlns:p="http://schemas.openxmlformats.org/presentationml/2006/main">
   <p:cSld>
     <p:spTree>
@@ -12932,7 +14505,7 @@
         <p:spPr>
           <a:xfrm>
             <a:off x="847715" y="1134596"/>
-            <a:ext cx="2727413" cy="584775"/>
+            <a:ext cx="2040943" cy="584775"/>
           </a:xfrm>
           <a:prstGeom prst="rect">
             <a:avLst/>
@@ -12954,7 +14527,7 @@
                 </a:solidFill>
                 <a:latin typeface="-apple-system"/>
               </a:rPr>
-              <a:t>Find the Result</a:t>
+              <a:t>Conclusion</a:t>
             </a:r>
           </a:p>
         </p:txBody>
@@ -12999,83 +14572,6 @@
     <p:extLst>
       <p:ext uri="{BB962C8B-B14F-4D97-AF65-F5344CB8AC3E}">
         <p14:creationId xmlns:p14="http://schemas.microsoft.com/office/powerpoint/2010/main" val="3458379461"/>
-      </p:ext>
-    </p:extLst>
-  </p:cSld>
-  <p:clrMapOvr>
-    <a:masterClrMapping/>
-  </p:clrMapOvr>
-</p:sld>
-</file>
-
-<file path=ppt/slides/slide19.xml><?xml version="1.0" encoding="utf-8"?>
-<p:sld xmlns:a="http://schemas.openxmlformats.org/drawingml/2006/main" xmlns:r="http://schemas.openxmlformats.org/officeDocument/2006/relationships" xmlns:p="http://schemas.openxmlformats.org/presentationml/2006/main">
-  <p:cSld>
-    <p:spTree>
-      <p:nvGrpSpPr>
-        <p:cNvPr id="1" name=""/>
-        <p:cNvGrpSpPr/>
-        <p:nvPr/>
-      </p:nvGrpSpPr>
-      <p:grpSpPr>
-        <a:xfrm>
-          <a:off x="0" y="0"/>
-          <a:ext cx="0" cy="0"/>
-          <a:chOff x="0" y="0"/>
-          <a:chExt cx="0" cy="0"/>
-        </a:xfrm>
-      </p:grpSpPr>
-      <p:pic>
-        <p:nvPicPr>
-          <p:cNvPr id="4" name="Picture 2">
-            <a:extLst>
-              <a:ext uri="{FF2B5EF4-FFF2-40B4-BE49-F238E27FC236}">
-                <a16:creationId xmlns:a16="http://schemas.microsoft.com/office/drawing/2014/main" id="{BD7A6457-514A-41B6-BBCD-0B35A2C29DB5}"/>
-              </a:ext>
-            </a:extLst>
-          </p:cNvPr>
-          <p:cNvPicPr>
-            <a:picLocks noChangeAspect="1" noChangeArrowheads="1"/>
-          </p:cNvPicPr>
-          <p:nvPr/>
-        </p:nvPicPr>
-        <p:blipFill>
-          <a:blip r:embed="rId2">
-            <a:extLst>
-              <a:ext uri="{28A0092B-C50C-407E-A947-70E740481C1C}">
-                <a14:useLocalDpi xmlns:a14="http://schemas.microsoft.com/office/drawing/2010/main" val="0"/>
-              </a:ext>
-            </a:extLst>
-          </a:blip>
-          <a:srcRect/>
-          <a:stretch>
-            <a:fillRect/>
-          </a:stretch>
-        </p:blipFill>
-        <p:spPr bwMode="auto">
-          <a:xfrm>
-            <a:off x="0" y="5805814"/>
-            <a:ext cx="2588377" cy="1052186"/>
-          </a:xfrm>
-          <a:prstGeom prst="rect">
-            <a:avLst/>
-          </a:prstGeom>
-          <a:noFill/>
-          <a:extLst>
-            <a:ext uri="{909E8E84-426E-40DD-AFC4-6F175D3DCCD1}">
-              <a14:hiddenFill xmlns:a14="http://schemas.microsoft.com/office/drawing/2010/main">
-                <a:solidFill>
-                  <a:srgbClr val="FFFFFF"/>
-                </a:solidFill>
-              </a14:hiddenFill>
-            </a:ext>
-          </a:extLst>
-        </p:spPr>
-      </p:pic>
-    </p:spTree>
-    <p:extLst>
-      <p:ext uri="{BB962C8B-B14F-4D97-AF65-F5344CB8AC3E}">
-        <p14:creationId xmlns:p14="http://schemas.microsoft.com/office/powerpoint/2010/main" val="2216530594"/>
       </p:ext>
     </p:extLst>
   </p:cSld>
@@ -13242,13 +14738,13 @@
           <p:nvPr>
             <p:extLst>
               <p:ext uri="{D42A27DB-BD31-4B8C-83A1-F6EECF244321}">
-                <p14:modId xmlns:p14="http://schemas.microsoft.com/office/powerpoint/2010/main" val="1055119321"/>
+                <p14:modId xmlns:p14="http://schemas.microsoft.com/office/powerpoint/2010/main" val="904017721"/>
               </p:ext>
             </p:extLst>
           </p:nvPr>
         </p:nvGraphicFramePr>
         <p:xfrm>
-          <a:off x="1947565" y="1030702"/>
+          <a:off x="1974573" y="926530"/>
           <a:ext cx="8130637" cy="5486400"/>
         </p:xfrm>
         <a:graphic>
@@ -13445,6 +14941,4623 @@
       <p:bldGraphic spid="2" grpId="0">
         <p:bldAsOne/>
       </p:bldGraphic>
+    </p:bldLst>
+  </p:timing>
+</p:sld>
+</file>
+
+<file path=ppt/slides/slide20.xml><?xml version="1.0" encoding="utf-8"?>
+<p:sld xmlns:a="http://schemas.openxmlformats.org/drawingml/2006/main" xmlns:r="http://schemas.openxmlformats.org/officeDocument/2006/relationships" xmlns:p="http://schemas.openxmlformats.org/presentationml/2006/main">
+  <p:cSld>
+    <p:spTree>
+      <p:nvGrpSpPr>
+        <p:cNvPr id="1" name=""/>
+        <p:cNvGrpSpPr/>
+        <p:nvPr/>
+      </p:nvGrpSpPr>
+      <p:grpSpPr>
+        <a:xfrm>
+          <a:off x="0" y="0"/>
+          <a:ext cx="0" cy="0"/>
+          <a:chOff x="0" y="0"/>
+          <a:chExt cx="0" cy="0"/>
+        </a:xfrm>
+      </p:grpSpPr>
+      <p:pic>
+        <p:nvPicPr>
+          <p:cNvPr id="4" name="Picture 2">
+            <a:extLst>
+              <a:ext uri="{FF2B5EF4-FFF2-40B4-BE49-F238E27FC236}">
+                <a16:creationId xmlns:a16="http://schemas.microsoft.com/office/drawing/2014/main" id="{BD7A6457-514A-41B6-BBCD-0B35A2C29DB5}"/>
+              </a:ext>
+            </a:extLst>
+          </p:cNvPr>
+          <p:cNvPicPr>
+            <a:picLocks noChangeAspect="1" noChangeArrowheads="1"/>
+          </p:cNvPicPr>
+          <p:nvPr/>
+        </p:nvPicPr>
+        <p:blipFill>
+          <a:blip r:embed="rId2">
+            <a:extLst>
+              <a:ext uri="{28A0092B-C50C-407E-A947-70E740481C1C}">
+                <a14:useLocalDpi xmlns:a14="http://schemas.microsoft.com/office/drawing/2010/main" val="0"/>
+              </a:ext>
+            </a:extLst>
+          </a:blip>
+          <a:srcRect/>
+          <a:stretch>
+            <a:fillRect/>
+          </a:stretch>
+        </p:blipFill>
+        <p:spPr bwMode="auto">
+          <a:xfrm>
+            <a:off x="0" y="5805814"/>
+            <a:ext cx="2588377" cy="1052186"/>
+          </a:xfrm>
+          <a:prstGeom prst="rect">
+            <a:avLst/>
+          </a:prstGeom>
+          <a:noFill/>
+          <a:extLst>
+            <a:ext uri="{909E8E84-426E-40DD-AFC4-6F175D3DCCD1}">
+              <a14:hiddenFill xmlns:a14="http://schemas.microsoft.com/office/drawing/2010/main">
+                <a:solidFill>
+                  <a:srgbClr val="FFFFFF"/>
+                </a:solidFill>
+              </a14:hiddenFill>
+            </a:ext>
+          </a:extLst>
+        </p:spPr>
+      </p:pic>
+      <p:sp>
+        <p:nvSpPr>
+          <p:cNvPr id="3" name="Rectangle 2">
+            <a:extLst>
+              <a:ext uri="{FF2B5EF4-FFF2-40B4-BE49-F238E27FC236}">
+                <a16:creationId xmlns:a16="http://schemas.microsoft.com/office/drawing/2014/main" id="{059ECD1A-6982-4309-8F60-AEAB6A5A6B7C}"/>
+              </a:ext>
+            </a:extLst>
+          </p:cNvPr>
+          <p:cNvSpPr/>
+          <p:nvPr/>
+        </p:nvSpPr>
+        <p:spPr>
+          <a:xfrm>
+            <a:off x="847715" y="303599"/>
+            <a:ext cx="2323072" cy="830997"/>
+          </a:xfrm>
+          <a:prstGeom prst="rect">
+            <a:avLst/>
+          </a:prstGeom>
+          <a:noFill/>
+        </p:spPr>
+        <p:txBody>
+          <a:bodyPr wrap="none" rtlCol="0">
+            <a:spAutoFit/>
+          </a:bodyPr>
+          <a:lstStyle/>
+          <a:p>
+            <a:r>
+              <a:rPr lang="en-US" sz="4800" b="1" dirty="0">
+                <a:solidFill>
+                  <a:schemeClr val="accent1">
+                    <a:lumMod val="50000"/>
+                  </a:schemeClr>
+                </a:solidFill>
+                <a:latin typeface="-apple-system"/>
+              </a:rPr>
+              <a:t>Phase 3:</a:t>
+            </a:r>
+          </a:p>
+        </p:txBody>
+      </p:sp>
+      <p:cxnSp>
+        <p:nvCxnSpPr>
+          <p:cNvPr id="5" name="Straight Connector 4">
+            <a:extLst>
+              <a:ext uri="{FF2B5EF4-FFF2-40B4-BE49-F238E27FC236}">
+                <a16:creationId xmlns:a16="http://schemas.microsoft.com/office/drawing/2014/main" id="{B9FA7C45-7940-4FD8-8B49-80FAAB2D4BFA}"/>
+              </a:ext>
+            </a:extLst>
+          </p:cNvPr>
+          <p:cNvCxnSpPr>
+            <a:cxnSpLocks/>
+          </p:cNvCxnSpPr>
+          <p:nvPr/>
+        </p:nvCxnSpPr>
+        <p:spPr>
+          <a:xfrm>
+            <a:off x="954157" y="1134596"/>
+            <a:ext cx="9263270" cy="0"/>
+          </a:xfrm>
+          <a:prstGeom prst="line">
+            <a:avLst/>
+          </a:prstGeom>
+        </p:spPr>
+        <p:style>
+          <a:lnRef idx="1">
+            <a:schemeClr val="accent1"/>
+          </a:lnRef>
+          <a:fillRef idx="0">
+            <a:schemeClr val="accent1"/>
+          </a:fillRef>
+          <a:effectRef idx="0">
+            <a:schemeClr val="accent1"/>
+          </a:effectRef>
+          <a:fontRef idx="minor">
+            <a:schemeClr val="tx1"/>
+          </a:fontRef>
+        </p:style>
+      </p:cxnSp>
+      <p:pic>
+        <p:nvPicPr>
+          <p:cNvPr id="6" name="Picture 5" descr="Chart&#10;&#10;Description automatically generated">
+            <a:extLst>
+              <a:ext uri="{FF2B5EF4-FFF2-40B4-BE49-F238E27FC236}">
+                <a16:creationId xmlns:a16="http://schemas.microsoft.com/office/drawing/2014/main" id="{98601FD1-DB1B-4500-A2B1-743C5E4E77EA}"/>
+              </a:ext>
+            </a:extLst>
+          </p:cNvPr>
+          <p:cNvPicPr>
+            <a:picLocks noChangeAspect="1"/>
+          </p:cNvPicPr>
+          <p:nvPr/>
+        </p:nvPicPr>
+        <p:blipFill>
+          <a:blip r:embed="rId3">
+            <a:extLst>
+              <a:ext uri="{28A0092B-C50C-407E-A947-70E740481C1C}">
+                <a14:useLocalDpi xmlns:a14="http://schemas.microsoft.com/office/drawing/2010/main" val="0"/>
+              </a:ext>
+            </a:extLst>
+          </a:blip>
+          <a:stretch>
+            <a:fillRect/>
+          </a:stretch>
+        </p:blipFill>
+        <p:spPr>
+          <a:xfrm>
+            <a:off x="5236747" y="1134596"/>
+            <a:ext cx="6454779" cy="5738787"/>
+          </a:xfrm>
+          <a:prstGeom prst="rect">
+            <a:avLst/>
+          </a:prstGeom>
+          <a:ln>
+            <a:noFill/>
+          </a:ln>
+          <a:effectLst>
+            <a:outerShdw blurRad="292100" dist="139700" dir="2700000" algn="tl" rotWithShape="0">
+              <a:srgbClr val="333333">
+                <a:alpha val="65000"/>
+              </a:srgbClr>
+            </a:outerShdw>
+          </a:effectLst>
+        </p:spPr>
+      </p:pic>
+      <p:pic>
+        <p:nvPicPr>
+          <p:cNvPr id="8" name="Picture 7">
+            <a:extLst>
+              <a:ext uri="{FF2B5EF4-FFF2-40B4-BE49-F238E27FC236}">
+                <a16:creationId xmlns:a16="http://schemas.microsoft.com/office/drawing/2014/main" id="{6F3FCD80-60FA-4AB6-8CC3-A17C86711787}"/>
+              </a:ext>
+            </a:extLst>
+          </p:cNvPr>
+          <p:cNvPicPr>
+            <a:picLocks noChangeAspect="1"/>
+          </p:cNvPicPr>
+          <p:nvPr/>
+        </p:nvPicPr>
+        <p:blipFill rotWithShape="1">
+          <a:blip r:embed="rId4"/>
+          <a:srcRect l="24834" t="25071" r="66246" b="52742"/>
+          <a:stretch/>
+        </p:blipFill>
+        <p:spPr>
+          <a:xfrm>
+            <a:off x="1294188" y="1965593"/>
+            <a:ext cx="2338086" cy="3876935"/>
+          </a:xfrm>
+          <a:prstGeom prst="rect">
+            <a:avLst/>
+          </a:prstGeom>
+        </p:spPr>
+      </p:pic>
+      <p:sp>
+        <p:nvSpPr>
+          <p:cNvPr id="21" name="Rectangle 20">
+            <a:extLst>
+              <a:ext uri="{FF2B5EF4-FFF2-40B4-BE49-F238E27FC236}">
+                <a16:creationId xmlns:a16="http://schemas.microsoft.com/office/drawing/2014/main" id="{4C507725-CE4F-4AD5-AF2D-F32412F4874D}"/>
+              </a:ext>
+            </a:extLst>
+          </p:cNvPr>
+          <p:cNvSpPr/>
+          <p:nvPr/>
+        </p:nvSpPr>
+        <p:spPr>
+          <a:xfrm>
+            <a:off x="847715" y="1134596"/>
+            <a:ext cx="2040943" cy="584775"/>
+          </a:xfrm>
+          <a:prstGeom prst="rect">
+            <a:avLst/>
+          </a:prstGeom>
+          <a:noFill/>
+        </p:spPr>
+        <p:txBody>
+          <a:bodyPr wrap="none" rtlCol="0">
+            <a:spAutoFit/>
+          </a:bodyPr>
+          <a:lstStyle/>
+          <a:p>
+            <a:r>
+              <a:rPr lang="en-US" sz="3200" b="1" dirty="0">
+                <a:solidFill>
+                  <a:schemeClr val="accent1">
+                    <a:lumMod val="50000"/>
+                  </a:schemeClr>
+                </a:solidFill>
+                <a:latin typeface="-apple-system"/>
+              </a:rPr>
+              <a:t>Conclusion</a:t>
+            </a:r>
+          </a:p>
+        </p:txBody>
+      </p:sp>
+    </p:spTree>
+    <p:extLst>
+      <p:ext uri="{BB962C8B-B14F-4D97-AF65-F5344CB8AC3E}">
+        <p14:creationId xmlns:p14="http://schemas.microsoft.com/office/powerpoint/2010/main" val="1004663339"/>
+      </p:ext>
+    </p:extLst>
+  </p:cSld>
+  <p:clrMapOvr>
+    <a:masterClrMapping/>
+  </p:clrMapOvr>
+  <p:timing>
+    <p:tnLst>
+      <p:par>
+        <p:cTn id="1" dur="indefinite" restart="never" nodeType="tmRoot">
+          <p:childTnLst>
+            <p:seq concurrent="1" nextAc="seek">
+              <p:cTn id="2" dur="indefinite" nodeType="mainSeq">
+                <p:childTnLst>
+                  <p:par>
+                    <p:cTn id="3" fill="hold">
+                      <p:stCondLst>
+                        <p:cond delay="indefinite"/>
+                      </p:stCondLst>
+                      <p:childTnLst>
+                        <p:par>
+                          <p:cTn id="4" fill="hold">
+                            <p:stCondLst>
+                              <p:cond delay="0"/>
+                            </p:stCondLst>
+                            <p:childTnLst>
+                              <p:par>
+                                <p:cTn id="5" presetID="53" presetClass="entr" presetSubtype="16" fill="hold" nodeType="clickEffect">
+                                  <p:stCondLst>
+                                    <p:cond delay="0"/>
+                                  </p:stCondLst>
+                                  <p:childTnLst>
+                                    <p:set>
+                                      <p:cBhvr>
+                                        <p:cTn id="6" dur="1" fill="hold">
+                                          <p:stCondLst>
+                                            <p:cond delay="0"/>
+                                          </p:stCondLst>
+                                        </p:cTn>
+                                        <p:tgtEl>
+                                          <p:spTgt spid="8"/>
+                                        </p:tgtEl>
+                                        <p:attrNameLst>
+                                          <p:attrName>style.visibility</p:attrName>
+                                        </p:attrNameLst>
+                                      </p:cBhvr>
+                                      <p:to>
+                                        <p:strVal val="visible"/>
+                                      </p:to>
+                                    </p:set>
+                                    <p:anim calcmode="lin" valueType="num">
+                                      <p:cBhvr>
+                                        <p:cTn id="7" dur="500" fill="hold"/>
+                                        <p:tgtEl>
+                                          <p:spTgt spid="8"/>
+                                        </p:tgtEl>
+                                        <p:attrNameLst>
+                                          <p:attrName>ppt_w</p:attrName>
+                                        </p:attrNameLst>
+                                      </p:cBhvr>
+                                      <p:tavLst>
+                                        <p:tav tm="0">
+                                          <p:val>
+                                            <p:fltVal val="0"/>
+                                          </p:val>
+                                        </p:tav>
+                                        <p:tav tm="100000">
+                                          <p:val>
+                                            <p:strVal val="#ppt_w"/>
+                                          </p:val>
+                                        </p:tav>
+                                      </p:tavLst>
+                                    </p:anim>
+                                    <p:anim calcmode="lin" valueType="num">
+                                      <p:cBhvr>
+                                        <p:cTn id="8" dur="500" fill="hold"/>
+                                        <p:tgtEl>
+                                          <p:spTgt spid="8"/>
+                                        </p:tgtEl>
+                                        <p:attrNameLst>
+                                          <p:attrName>ppt_h</p:attrName>
+                                        </p:attrNameLst>
+                                      </p:cBhvr>
+                                      <p:tavLst>
+                                        <p:tav tm="0">
+                                          <p:val>
+                                            <p:fltVal val="0"/>
+                                          </p:val>
+                                        </p:tav>
+                                        <p:tav tm="100000">
+                                          <p:val>
+                                            <p:strVal val="#ppt_h"/>
+                                          </p:val>
+                                        </p:tav>
+                                      </p:tavLst>
+                                    </p:anim>
+                                    <p:animEffect transition="in" filter="fade">
+                                      <p:cBhvr>
+                                        <p:cTn id="9" dur="500"/>
+                                        <p:tgtEl>
+                                          <p:spTgt spid="8"/>
+                                        </p:tgtEl>
+                                      </p:cBhvr>
+                                    </p:animEffect>
+                                  </p:childTnLst>
+                                </p:cTn>
+                              </p:par>
+                              <p:par>
+                                <p:cTn id="10" presetID="53" presetClass="entr" presetSubtype="16" fill="hold" nodeType="withEffect">
+                                  <p:stCondLst>
+                                    <p:cond delay="0"/>
+                                  </p:stCondLst>
+                                  <p:childTnLst>
+                                    <p:set>
+                                      <p:cBhvr>
+                                        <p:cTn id="11" dur="1" fill="hold">
+                                          <p:stCondLst>
+                                            <p:cond delay="0"/>
+                                          </p:stCondLst>
+                                        </p:cTn>
+                                        <p:tgtEl>
+                                          <p:spTgt spid="6"/>
+                                        </p:tgtEl>
+                                        <p:attrNameLst>
+                                          <p:attrName>style.visibility</p:attrName>
+                                        </p:attrNameLst>
+                                      </p:cBhvr>
+                                      <p:to>
+                                        <p:strVal val="visible"/>
+                                      </p:to>
+                                    </p:set>
+                                    <p:anim calcmode="lin" valueType="num">
+                                      <p:cBhvr>
+                                        <p:cTn id="12" dur="500" fill="hold"/>
+                                        <p:tgtEl>
+                                          <p:spTgt spid="6"/>
+                                        </p:tgtEl>
+                                        <p:attrNameLst>
+                                          <p:attrName>ppt_w</p:attrName>
+                                        </p:attrNameLst>
+                                      </p:cBhvr>
+                                      <p:tavLst>
+                                        <p:tav tm="0">
+                                          <p:val>
+                                            <p:fltVal val="0"/>
+                                          </p:val>
+                                        </p:tav>
+                                        <p:tav tm="100000">
+                                          <p:val>
+                                            <p:strVal val="#ppt_w"/>
+                                          </p:val>
+                                        </p:tav>
+                                      </p:tavLst>
+                                    </p:anim>
+                                    <p:anim calcmode="lin" valueType="num">
+                                      <p:cBhvr>
+                                        <p:cTn id="13" dur="500" fill="hold"/>
+                                        <p:tgtEl>
+                                          <p:spTgt spid="6"/>
+                                        </p:tgtEl>
+                                        <p:attrNameLst>
+                                          <p:attrName>ppt_h</p:attrName>
+                                        </p:attrNameLst>
+                                      </p:cBhvr>
+                                      <p:tavLst>
+                                        <p:tav tm="0">
+                                          <p:val>
+                                            <p:fltVal val="0"/>
+                                          </p:val>
+                                        </p:tav>
+                                        <p:tav tm="100000">
+                                          <p:val>
+                                            <p:strVal val="#ppt_h"/>
+                                          </p:val>
+                                        </p:tav>
+                                      </p:tavLst>
+                                    </p:anim>
+                                    <p:animEffect transition="in" filter="fade">
+                                      <p:cBhvr>
+                                        <p:cTn id="14" dur="500"/>
+                                        <p:tgtEl>
+                                          <p:spTgt spid="6"/>
+                                        </p:tgtEl>
+                                      </p:cBhvr>
+                                    </p:animEffect>
+                                  </p:childTnLst>
+                                </p:cTn>
+                              </p:par>
+                            </p:childTnLst>
+                          </p:cTn>
+                        </p:par>
+                      </p:childTnLst>
+                    </p:cTn>
+                  </p:par>
+                </p:childTnLst>
+              </p:cTn>
+              <p:prevCondLst>
+                <p:cond evt="onPrev" delay="0">
+                  <p:tgtEl>
+                    <p:sldTgt/>
+                  </p:tgtEl>
+                </p:cond>
+              </p:prevCondLst>
+              <p:nextCondLst>
+                <p:cond evt="onNext" delay="0">
+                  <p:tgtEl>
+                    <p:sldTgt/>
+                  </p:tgtEl>
+                </p:cond>
+              </p:nextCondLst>
+            </p:seq>
+          </p:childTnLst>
+        </p:cTn>
+      </p:par>
+    </p:tnLst>
+  </p:timing>
+</p:sld>
+</file>
+
+<file path=ppt/slides/slide21.xml><?xml version="1.0" encoding="utf-8"?>
+<p:sld xmlns:a="http://schemas.openxmlformats.org/drawingml/2006/main" xmlns:r="http://schemas.openxmlformats.org/officeDocument/2006/relationships" xmlns:p="http://schemas.openxmlformats.org/presentationml/2006/main">
+  <p:cSld>
+    <p:spTree>
+      <p:nvGrpSpPr>
+        <p:cNvPr id="1" name=""/>
+        <p:cNvGrpSpPr/>
+        <p:nvPr/>
+      </p:nvGrpSpPr>
+      <p:grpSpPr>
+        <a:xfrm>
+          <a:off x="0" y="0"/>
+          <a:ext cx="0" cy="0"/>
+          <a:chOff x="0" y="0"/>
+          <a:chExt cx="0" cy="0"/>
+        </a:xfrm>
+      </p:grpSpPr>
+      <p:pic>
+        <p:nvPicPr>
+          <p:cNvPr id="4" name="Picture 2">
+            <a:extLst>
+              <a:ext uri="{FF2B5EF4-FFF2-40B4-BE49-F238E27FC236}">
+                <a16:creationId xmlns:a16="http://schemas.microsoft.com/office/drawing/2014/main" id="{BD7A6457-514A-41B6-BBCD-0B35A2C29DB5}"/>
+              </a:ext>
+            </a:extLst>
+          </p:cNvPr>
+          <p:cNvPicPr>
+            <a:picLocks noChangeAspect="1" noChangeArrowheads="1"/>
+          </p:cNvPicPr>
+          <p:nvPr/>
+        </p:nvPicPr>
+        <p:blipFill>
+          <a:blip r:embed="rId2">
+            <a:extLst>
+              <a:ext uri="{28A0092B-C50C-407E-A947-70E740481C1C}">
+                <a14:useLocalDpi xmlns:a14="http://schemas.microsoft.com/office/drawing/2010/main" val="0"/>
+              </a:ext>
+            </a:extLst>
+          </a:blip>
+          <a:srcRect/>
+          <a:stretch>
+            <a:fillRect/>
+          </a:stretch>
+        </p:blipFill>
+        <p:spPr bwMode="auto">
+          <a:xfrm>
+            <a:off x="0" y="5805814"/>
+            <a:ext cx="2588377" cy="1052186"/>
+          </a:xfrm>
+          <a:prstGeom prst="rect">
+            <a:avLst/>
+          </a:prstGeom>
+          <a:noFill/>
+          <a:extLst>
+            <a:ext uri="{909E8E84-426E-40DD-AFC4-6F175D3DCCD1}">
+              <a14:hiddenFill xmlns:a14="http://schemas.microsoft.com/office/drawing/2010/main">
+                <a:solidFill>
+                  <a:srgbClr val="FFFFFF"/>
+                </a:solidFill>
+              </a14:hiddenFill>
+            </a:ext>
+          </a:extLst>
+        </p:spPr>
+      </p:pic>
+      <p:sp>
+        <p:nvSpPr>
+          <p:cNvPr id="3" name="Rectangle 2">
+            <a:extLst>
+              <a:ext uri="{FF2B5EF4-FFF2-40B4-BE49-F238E27FC236}">
+                <a16:creationId xmlns:a16="http://schemas.microsoft.com/office/drawing/2014/main" id="{059ECD1A-6982-4309-8F60-AEAB6A5A6B7C}"/>
+              </a:ext>
+            </a:extLst>
+          </p:cNvPr>
+          <p:cNvSpPr/>
+          <p:nvPr/>
+        </p:nvSpPr>
+        <p:spPr>
+          <a:xfrm>
+            <a:off x="847715" y="303599"/>
+            <a:ext cx="2323072" cy="830997"/>
+          </a:xfrm>
+          <a:prstGeom prst="rect">
+            <a:avLst/>
+          </a:prstGeom>
+          <a:noFill/>
+        </p:spPr>
+        <p:txBody>
+          <a:bodyPr wrap="none" rtlCol="0">
+            <a:spAutoFit/>
+          </a:bodyPr>
+          <a:lstStyle/>
+          <a:p>
+            <a:r>
+              <a:rPr lang="en-US" sz="4800" b="1" dirty="0">
+                <a:solidFill>
+                  <a:schemeClr val="accent1">
+                    <a:lumMod val="50000"/>
+                  </a:schemeClr>
+                </a:solidFill>
+                <a:latin typeface="-apple-system"/>
+              </a:rPr>
+              <a:t>Phase 3:</a:t>
+            </a:r>
+          </a:p>
+        </p:txBody>
+      </p:sp>
+      <p:cxnSp>
+        <p:nvCxnSpPr>
+          <p:cNvPr id="5" name="Straight Connector 4">
+            <a:extLst>
+              <a:ext uri="{FF2B5EF4-FFF2-40B4-BE49-F238E27FC236}">
+                <a16:creationId xmlns:a16="http://schemas.microsoft.com/office/drawing/2014/main" id="{B9FA7C45-7940-4FD8-8B49-80FAAB2D4BFA}"/>
+              </a:ext>
+            </a:extLst>
+          </p:cNvPr>
+          <p:cNvCxnSpPr>
+            <a:cxnSpLocks/>
+          </p:cNvCxnSpPr>
+          <p:nvPr/>
+        </p:nvCxnSpPr>
+        <p:spPr>
+          <a:xfrm>
+            <a:off x="954157" y="1134596"/>
+            <a:ext cx="9263270" cy="0"/>
+          </a:xfrm>
+          <a:prstGeom prst="line">
+            <a:avLst/>
+          </a:prstGeom>
+        </p:spPr>
+        <p:style>
+          <a:lnRef idx="1">
+            <a:schemeClr val="accent1"/>
+          </a:lnRef>
+          <a:fillRef idx="0">
+            <a:schemeClr val="accent1"/>
+          </a:fillRef>
+          <a:effectRef idx="0">
+            <a:schemeClr val="accent1"/>
+          </a:effectRef>
+          <a:fontRef idx="minor">
+            <a:schemeClr val="tx1"/>
+          </a:fontRef>
+        </p:style>
+      </p:cxnSp>
+      <p:sp>
+        <p:nvSpPr>
+          <p:cNvPr id="10" name="Oval 9">
+            <a:extLst>
+              <a:ext uri="{FF2B5EF4-FFF2-40B4-BE49-F238E27FC236}">
+                <a16:creationId xmlns:a16="http://schemas.microsoft.com/office/drawing/2014/main" id="{C6AF6355-B897-489F-A8B5-F55E9FD9B6FB}"/>
+              </a:ext>
+            </a:extLst>
+          </p:cNvPr>
+          <p:cNvSpPr/>
+          <p:nvPr/>
+        </p:nvSpPr>
+        <p:spPr>
+          <a:xfrm>
+            <a:off x="1213326" y="2159959"/>
+            <a:ext cx="275892" cy="275892"/>
+          </a:xfrm>
+          <a:prstGeom prst="ellipse">
+            <a:avLst/>
+          </a:prstGeom>
+          <a:solidFill>
+            <a:schemeClr val="accent1">
+              <a:lumMod val="60000"/>
+              <a:lumOff val="40000"/>
+            </a:schemeClr>
+          </a:solidFill>
+          <a:ln>
+            <a:noFill/>
+          </a:ln>
+        </p:spPr>
+        <p:style>
+          <a:lnRef idx="2">
+            <a:schemeClr val="accent1">
+              <a:shade val="50000"/>
+            </a:schemeClr>
+          </a:lnRef>
+          <a:fillRef idx="1">
+            <a:schemeClr val="accent1"/>
+          </a:fillRef>
+          <a:effectRef idx="0">
+            <a:schemeClr val="accent1"/>
+          </a:effectRef>
+          <a:fontRef idx="minor">
+            <a:schemeClr val="lt1"/>
+          </a:fontRef>
+        </p:style>
+        <p:txBody>
+          <a:bodyPr rtlCol="0" anchor="ctr"/>
+          <a:lstStyle/>
+          <a:p>
+            <a:pPr algn="ctr"/>
+            <a:endParaRPr lang="en-US" sz="1400"/>
+          </a:p>
+        </p:txBody>
+      </p:sp>
+      <p:sp>
+        <p:nvSpPr>
+          <p:cNvPr id="11" name="TextBox 10">
+            <a:extLst>
+              <a:ext uri="{FF2B5EF4-FFF2-40B4-BE49-F238E27FC236}">
+                <a16:creationId xmlns:a16="http://schemas.microsoft.com/office/drawing/2014/main" id="{CE8498AD-D692-4A7C-A1BE-E48EBEF60390}"/>
+              </a:ext>
+            </a:extLst>
+          </p:cNvPr>
+          <p:cNvSpPr txBox="1"/>
+          <p:nvPr/>
+        </p:nvSpPr>
+        <p:spPr>
+          <a:xfrm>
+            <a:off x="1511331" y="1965593"/>
+            <a:ext cx="4077848" cy="646331"/>
+          </a:xfrm>
+          <a:prstGeom prst="rect">
+            <a:avLst/>
+          </a:prstGeom>
+          <a:noFill/>
+        </p:spPr>
+        <p:txBody>
+          <a:bodyPr wrap="none" rtlCol="0">
+            <a:spAutoFit/>
+          </a:bodyPr>
+          <a:lstStyle/>
+          <a:p>
+            <a:r>
+              <a:rPr lang="en-US" sz="3600" dirty="0"/>
+              <a:t>Using </a:t>
+            </a:r>
+            <a:r>
+              <a:rPr lang="en-US" sz="3600" dirty="0" err="1"/>
+              <a:t>spaCY</a:t>
+            </a:r>
+            <a:r>
+              <a:rPr lang="en-US" sz="3600" dirty="0"/>
+              <a:t> package</a:t>
+            </a:r>
+          </a:p>
+        </p:txBody>
+      </p:sp>
+      <p:pic>
+        <p:nvPicPr>
+          <p:cNvPr id="4098" name="Picture 2">
+            <a:extLst>
+              <a:ext uri="{FF2B5EF4-FFF2-40B4-BE49-F238E27FC236}">
+                <a16:creationId xmlns:a16="http://schemas.microsoft.com/office/drawing/2014/main" id="{37536B8D-39A1-4A9F-ABB7-143040D7235E}"/>
+              </a:ext>
+            </a:extLst>
+          </p:cNvPr>
+          <p:cNvPicPr>
+            <a:picLocks noChangeAspect="1" noChangeArrowheads="1"/>
+          </p:cNvPicPr>
+          <p:nvPr/>
+        </p:nvPicPr>
+        <p:blipFill>
+          <a:blip r:embed="rId3">
+            <a:extLst>
+              <a:ext uri="{28A0092B-C50C-407E-A947-70E740481C1C}">
+                <a14:useLocalDpi xmlns:a14="http://schemas.microsoft.com/office/drawing/2010/main" val="0"/>
+              </a:ext>
+            </a:extLst>
+          </a:blip>
+          <a:srcRect/>
+          <a:stretch>
+            <a:fillRect/>
+          </a:stretch>
+        </p:blipFill>
+        <p:spPr bwMode="auto">
+          <a:xfrm>
+            <a:off x="8426727" y="5324144"/>
+            <a:ext cx="3581400" cy="1276350"/>
+          </a:xfrm>
+          <a:prstGeom prst="rect">
+            <a:avLst/>
+          </a:prstGeom>
+          <a:noFill/>
+          <a:extLst>
+            <a:ext uri="{909E8E84-426E-40DD-AFC4-6F175D3DCCD1}">
+              <a14:hiddenFill xmlns:a14="http://schemas.microsoft.com/office/drawing/2010/main">
+                <a:solidFill>
+                  <a:srgbClr val="FFFFFF"/>
+                </a:solidFill>
+              </a14:hiddenFill>
+            </a:ext>
+          </a:extLst>
+        </p:spPr>
+      </p:pic>
+      <p:sp>
+        <p:nvSpPr>
+          <p:cNvPr id="12" name="TextBox 11">
+            <a:extLst>
+              <a:ext uri="{FF2B5EF4-FFF2-40B4-BE49-F238E27FC236}">
+                <a16:creationId xmlns:a16="http://schemas.microsoft.com/office/drawing/2014/main" id="{0A411379-9874-4CF2-A86E-91D71949B002}"/>
+              </a:ext>
+            </a:extLst>
+          </p:cNvPr>
+          <p:cNvSpPr txBox="1"/>
+          <p:nvPr/>
+        </p:nvSpPr>
+        <p:spPr>
+          <a:xfrm>
+            <a:off x="1958272" y="2962363"/>
+            <a:ext cx="7047891" cy="523220"/>
+          </a:xfrm>
+          <a:prstGeom prst="rect">
+            <a:avLst/>
+          </a:prstGeom>
+          <a:noFill/>
+        </p:spPr>
+        <p:txBody>
+          <a:bodyPr wrap="none" rtlCol="0">
+            <a:spAutoFit/>
+          </a:bodyPr>
+          <a:lstStyle>
+            <a:defPPr>
+              <a:defRPr lang="en-US"/>
+            </a:defPPr>
+            <a:lvl1pPr>
+              <a:defRPr sz="2800"/>
+            </a:lvl1pPr>
+          </a:lstStyle>
+          <a:p>
+            <a:r>
+              <a:rPr lang="en-US" dirty="0"/>
+              <a:t>Identify the Noun / Adjective in the tweets text</a:t>
+            </a:r>
+          </a:p>
+        </p:txBody>
+      </p:sp>
+      <p:sp>
+        <p:nvSpPr>
+          <p:cNvPr id="14" name="Rectangle 13">
+            <a:extLst>
+              <a:ext uri="{FF2B5EF4-FFF2-40B4-BE49-F238E27FC236}">
+                <a16:creationId xmlns:a16="http://schemas.microsoft.com/office/drawing/2014/main" id="{0E04224B-A0CD-4848-ABE3-A0DA8EAAE166}"/>
+              </a:ext>
+            </a:extLst>
+          </p:cNvPr>
+          <p:cNvSpPr/>
+          <p:nvPr/>
+        </p:nvSpPr>
+        <p:spPr>
+          <a:xfrm>
+            <a:off x="847715" y="1134596"/>
+            <a:ext cx="2040943" cy="584775"/>
+          </a:xfrm>
+          <a:prstGeom prst="rect">
+            <a:avLst/>
+          </a:prstGeom>
+          <a:noFill/>
+        </p:spPr>
+        <p:txBody>
+          <a:bodyPr wrap="none" rtlCol="0">
+            <a:spAutoFit/>
+          </a:bodyPr>
+          <a:lstStyle/>
+          <a:p>
+            <a:r>
+              <a:rPr lang="en-US" sz="3200" b="1" dirty="0">
+                <a:solidFill>
+                  <a:schemeClr val="accent1">
+                    <a:lumMod val="50000"/>
+                  </a:schemeClr>
+                </a:solidFill>
+                <a:latin typeface="-apple-system"/>
+              </a:rPr>
+              <a:t>Conclusion</a:t>
+            </a:r>
+          </a:p>
+        </p:txBody>
+      </p:sp>
+      <p:sp>
+        <p:nvSpPr>
+          <p:cNvPr id="15" name="TextBox 14">
+            <a:extLst>
+              <a:ext uri="{FF2B5EF4-FFF2-40B4-BE49-F238E27FC236}">
+                <a16:creationId xmlns:a16="http://schemas.microsoft.com/office/drawing/2014/main" id="{4762D675-F08F-491C-A6D3-71F1D713A743}"/>
+              </a:ext>
+            </a:extLst>
+          </p:cNvPr>
+          <p:cNvSpPr txBox="1"/>
+          <p:nvPr/>
+        </p:nvSpPr>
+        <p:spPr>
+          <a:xfrm>
+            <a:off x="1958272" y="3564398"/>
+            <a:ext cx="5501634" cy="523220"/>
+          </a:xfrm>
+          <a:prstGeom prst="rect">
+            <a:avLst/>
+          </a:prstGeom>
+          <a:noFill/>
+        </p:spPr>
+        <p:txBody>
+          <a:bodyPr wrap="none" rtlCol="0">
+            <a:spAutoFit/>
+          </a:bodyPr>
+          <a:lstStyle>
+            <a:defPPr>
+              <a:defRPr lang="en-US"/>
+            </a:defPPr>
+            <a:lvl1pPr>
+              <a:defRPr sz="2800"/>
+            </a:lvl1pPr>
+          </a:lstStyle>
+          <a:p>
+            <a:r>
+              <a:rPr lang="en-US" dirty="0"/>
+              <a:t>Took </a:t>
+            </a:r>
+            <a:r>
+              <a:rPr lang="en-US" b="1" dirty="0">
+                <a:solidFill>
+                  <a:srgbClr val="FF0000"/>
+                </a:solidFill>
+              </a:rPr>
+              <a:t>5</a:t>
+            </a:r>
+            <a:r>
+              <a:rPr lang="en-US" dirty="0"/>
+              <a:t> hours to execute ~ 4000 rows</a:t>
+            </a:r>
+          </a:p>
+        </p:txBody>
+      </p:sp>
+      <p:pic>
+        <p:nvPicPr>
+          <p:cNvPr id="4100" name="Picture 4" descr="Circular Loading Sign Waiting Symbol Black Icon Isolated On White  Background Vector Illustration Stock Illustration - Download Image Now -  iStock">
+            <a:extLst>
+              <a:ext uri="{FF2B5EF4-FFF2-40B4-BE49-F238E27FC236}">
+                <a16:creationId xmlns:a16="http://schemas.microsoft.com/office/drawing/2014/main" id="{C0E88052-CB0B-49AD-8B0E-64636F5F0FE6}"/>
+              </a:ext>
+            </a:extLst>
+          </p:cNvPr>
+          <p:cNvPicPr>
+            <a:picLocks noChangeAspect="1" noChangeArrowheads="1"/>
+          </p:cNvPicPr>
+          <p:nvPr/>
+        </p:nvPicPr>
+        <p:blipFill>
+          <a:blip r:embed="rId4">
+            <a:extLst>
+              <a:ext uri="{28A0092B-C50C-407E-A947-70E740481C1C}">
+                <a14:useLocalDpi xmlns:a14="http://schemas.microsoft.com/office/drawing/2010/main" val="0"/>
+              </a:ext>
+            </a:extLst>
+          </a:blip>
+          <a:srcRect/>
+          <a:stretch>
+            <a:fillRect/>
+          </a:stretch>
+        </p:blipFill>
+        <p:spPr bwMode="auto">
+          <a:xfrm>
+            <a:off x="1351272" y="3564398"/>
+            <a:ext cx="607322" cy="607322"/>
+          </a:xfrm>
+          <a:prstGeom prst="rect">
+            <a:avLst/>
+          </a:prstGeom>
+          <a:noFill/>
+          <a:extLst>
+            <a:ext uri="{909E8E84-426E-40DD-AFC4-6F175D3DCCD1}">
+              <a14:hiddenFill xmlns:a14="http://schemas.microsoft.com/office/drawing/2010/main">
+                <a:solidFill>
+                  <a:srgbClr val="FFFFFF"/>
+                </a:solidFill>
+              </a14:hiddenFill>
+            </a:ext>
+          </a:extLst>
+        </p:spPr>
+      </p:pic>
+      <p:sp>
+        <p:nvSpPr>
+          <p:cNvPr id="16" name="TextBox 15">
+            <a:extLst>
+              <a:ext uri="{FF2B5EF4-FFF2-40B4-BE49-F238E27FC236}">
+                <a16:creationId xmlns:a16="http://schemas.microsoft.com/office/drawing/2014/main" id="{5457A9DD-EE35-448D-BC44-A85DA8AE2779}"/>
+              </a:ext>
+            </a:extLst>
+          </p:cNvPr>
+          <p:cNvSpPr txBox="1"/>
+          <p:nvPr/>
+        </p:nvSpPr>
+        <p:spPr>
+          <a:xfrm>
+            <a:off x="2005498" y="4178080"/>
+            <a:ext cx="7261860" cy="523220"/>
+          </a:xfrm>
+          <a:prstGeom prst="rect">
+            <a:avLst/>
+          </a:prstGeom>
+          <a:noFill/>
+        </p:spPr>
+        <p:txBody>
+          <a:bodyPr wrap="none" rtlCol="0">
+            <a:spAutoFit/>
+          </a:bodyPr>
+          <a:lstStyle>
+            <a:defPPr>
+              <a:defRPr lang="en-US"/>
+            </a:defPPr>
+            <a:lvl1pPr>
+              <a:defRPr sz="2800"/>
+            </a:lvl1pPr>
+          </a:lstStyle>
+          <a:p>
+            <a:r>
+              <a:rPr lang="en-US" dirty="0"/>
+              <a:t>List of adjective contains some incoherent words</a:t>
+            </a:r>
+          </a:p>
+        </p:txBody>
+      </p:sp>
+      <p:sp>
+        <p:nvSpPr>
+          <p:cNvPr id="17" name="TextBox 16">
+            <a:extLst>
+              <a:ext uri="{FF2B5EF4-FFF2-40B4-BE49-F238E27FC236}">
+                <a16:creationId xmlns:a16="http://schemas.microsoft.com/office/drawing/2014/main" id="{13537277-BD4C-4FBE-ACD7-DD600B749382}"/>
+              </a:ext>
+            </a:extLst>
+          </p:cNvPr>
+          <p:cNvSpPr txBox="1"/>
+          <p:nvPr/>
+        </p:nvSpPr>
+        <p:spPr>
+          <a:xfrm>
+            <a:off x="2005498" y="4758873"/>
+            <a:ext cx="8856592" cy="523220"/>
+          </a:xfrm>
+          <a:prstGeom prst="rect">
+            <a:avLst/>
+          </a:prstGeom>
+          <a:noFill/>
+        </p:spPr>
+        <p:txBody>
+          <a:bodyPr wrap="none" rtlCol="0">
+            <a:spAutoFit/>
+          </a:bodyPr>
+          <a:lstStyle>
+            <a:defPPr>
+              <a:defRPr lang="en-US"/>
+            </a:defPPr>
+            <a:lvl1pPr>
+              <a:defRPr sz="2800"/>
+            </a:lvl1pPr>
+          </a:lstStyle>
+          <a:p>
+            <a:r>
+              <a:rPr lang="en-US" dirty="0"/>
+              <a:t>Clean the list using words in </a:t>
+            </a:r>
+            <a:r>
+              <a:rPr lang="en-US" dirty="0" err="1"/>
+              <a:t>nltk.corpus</a:t>
+            </a:r>
+            <a:r>
+              <a:rPr lang="en-US" dirty="0"/>
+              <a:t> package (manually)</a:t>
+            </a:r>
+          </a:p>
+        </p:txBody>
+      </p:sp>
+    </p:spTree>
+    <p:extLst>
+      <p:ext uri="{BB962C8B-B14F-4D97-AF65-F5344CB8AC3E}">
+        <p14:creationId xmlns:p14="http://schemas.microsoft.com/office/powerpoint/2010/main" val="3165073484"/>
+      </p:ext>
+    </p:extLst>
+  </p:cSld>
+  <p:clrMapOvr>
+    <a:masterClrMapping/>
+  </p:clrMapOvr>
+  <p:timing>
+    <p:tnLst>
+      <p:par>
+        <p:cTn id="1" dur="indefinite" restart="never" nodeType="tmRoot">
+          <p:childTnLst>
+            <p:seq concurrent="1" nextAc="seek">
+              <p:cTn id="2" dur="indefinite" nodeType="mainSeq">
+                <p:childTnLst>
+                  <p:par>
+                    <p:cTn id="3" fill="hold">
+                      <p:stCondLst>
+                        <p:cond delay="indefinite"/>
+                        <p:cond evt="onBegin" delay="0">
+                          <p:tn val="2"/>
+                        </p:cond>
+                      </p:stCondLst>
+                      <p:childTnLst>
+                        <p:par>
+                          <p:cTn id="4" fill="hold">
+                            <p:stCondLst>
+                              <p:cond delay="0"/>
+                            </p:stCondLst>
+                            <p:childTnLst>
+                              <p:par>
+                                <p:cTn id="5" presetID="53" presetClass="entr" presetSubtype="16" fill="hold" grpId="0" nodeType="afterEffect">
+                                  <p:stCondLst>
+                                    <p:cond delay="0"/>
+                                  </p:stCondLst>
+                                  <p:childTnLst>
+                                    <p:set>
+                                      <p:cBhvr>
+                                        <p:cTn id="6" dur="1" fill="hold">
+                                          <p:stCondLst>
+                                            <p:cond delay="0"/>
+                                          </p:stCondLst>
+                                        </p:cTn>
+                                        <p:tgtEl>
+                                          <p:spTgt spid="10"/>
+                                        </p:tgtEl>
+                                        <p:attrNameLst>
+                                          <p:attrName>style.visibility</p:attrName>
+                                        </p:attrNameLst>
+                                      </p:cBhvr>
+                                      <p:to>
+                                        <p:strVal val="visible"/>
+                                      </p:to>
+                                    </p:set>
+                                    <p:anim calcmode="lin" valueType="num">
+                                      <p:cBhvr>
+                                        <p:cTn id="7" dur="500" fill="hold"/>
+                                        <p:tgtEl>
+                                          <p:spTgt spid="10"/>
+                                        </p:tgtEl>
+                                        <p:attrNameLst>
+                                          <p:attrName>ppt_w</p:attrName>
+                                        </p:attrNameLst>
+                                      </p:cBhvr>
+                                      <p:tavLst>
+                                        <p:tav tm="0">
+                                          <p:val>
+                                            <p:fltVal val="0"/>
+                                          </p:val>
+                                        </p:tav>
+                                        <p:tav tm="100000">
+                                          <p:val>
+                                            <p:strVal val="#ppt_w"/>
+                                          </p:val>
+                                        </p:tav>
+                                      </p:tavLst>
+                                    </p:anim>
+                                    <p:anim calcmode="lin" valueType="num">
+                                      <p:cBhvr>
+                                        <p:cTn id="8" dur="500" fill="hold"/>
+                                        <p:tgtEl>
+                                          <p:spTgt spid="10"/>
+                                        </p:tgtEl>
+                                        <p:attrNameLst>
+                                          <p:attrName>ppt_h</p:attrName>
+                                        </p:attrNameLst>
+                                      </p:cBhvr>
+                                      <p:tavLst>
+                                        <p:tav tm="0">
+                                          <p:val>
+                                            <p:fltVal val="0"/>
+                                          </p:val>
+                                        </p:tav>
+                                        <p:tav tm="100000">
+                                          <p:val>
+                                            <p:strVal val="#ppt_h"/>
+                                          </p:val>
+                                        </p:tav>
+                                      </p:tavLst>
+                                    </p:anim>
+                                    <p:animEffect transition="in" filter="fade">
+                                      <p:cBhvr>
+                                        <p:cTn id="9" dur="500"/>
+                                        <p:tgtEl>
+                                          <p:spTgt spid="10"/>
+                                        </p:tgtEl>
+                                      </p:cBhvr>
+                                    </p:animEffect>
+                                  </p:childTnLst>
+                                </p:cTn>
+                              </p:par>
+                            </p:childTnLst>
+                          </p:cTn>
+                        </p:par>
+                        <p:par>
+                          <p:cTn id="10" fill="hold">
+                            <p:stCondLst>
+                              <p:cond delay="500"/>
+                            </p:stCondLst>
+                            <p:childTnLst>
+                              <p:par>
+                                <p:cTn id="11" presetID="22" presetClass="entr" presetSubtype="8" fill="hold" grpId="0" nodeType="afterEffect">
+                                  <p:stCondLst>
+                                    <p:cond delay="0"/>
+                                  </p:stCondLst>
+                                  <p:childTnLst>
+                                    <p:set>
+                                      <p:cBhvr>
+                                        <p:cTn id="12" dur="1" fill="hold">
+                                          <p:stCondLst>
+                                            <p:cond delay="0"/>
+                                          </p:stCondLst>
+                                        </p:cTn>
+                                        <p:tgtEl>
+                                          <p:spTgt spid="11"/>
+                                        </p:tgtEl>
+                                        <p:attrNameLst>
+                                          <p:attrName>style.visibility</p:attrName>
+                                        </p:attrNameLst>
+                                      </p:cBhvr>
+                                      <p:to>
+                                        <p:strVal val="visible"/>
+                                      </p:to>
+                                    </p:set>
+                                    <p:animEffect transition="in" filter="wipe(left)">
+                                      <p:cBhvr>
+                                        <p:cTn id="13" dur="500"/>
+                                        <p:tgtEl>
+                                          <p:spTgt spid="11"/>
+                                        </p:tgtEl>
+                                      </p:cBhvr>
+                                    </p:animEffect>
+                                  </p:childTnLst>
+                                </p:cTn>
+                              </p:par>
+                            </p:childTnLst>
+                          </p:cTn>
+                        </p:par>
+                        <p:par>
+                          <p:cTn id="14" fill="hold">
+                            <p:stCondLst>
+                              <p:cond delay="1000"/>
+                            </p:stCondLst>
+                            <p:childTnLst>
+                              <p:par>
+                                <p:cTn id="15" presetID="22" presetClass="entr" presetSubtype="8" fill="hold" grpId="0" nodeType="afterEffect">
+                                  <p:stCondLst>
+                                    <p:cond delay="0"/>
+                                  </p:stCondLst>
+                                  <p:childTnLst>
+                                    <p:set>
+                                      <p:cBhvr>
+                                        <p:cTn id="16" dur="1" fill="hold">
+                                          <p:stCondLst>
+                                            <p:cond delay="0"/>
+                                          </p:stCondLst>
+                                        </p:cTn>
+                                        <p:tgtEl>
+                                          <p:spTgt spid="12"/>
+                                        </p:tgtEl>
+                                        <p:attrNameLst>
+                                          <p:attrName>style.visibility</p:attrName>
+                                        </p:attrNameLst>
+                                      </p:cBhvr>
+                                      <p:to>
+                                        <p:strVal val="visible"/>
+                                      </p:to>
+                                    </p:set>
+                                    <p:animEffect transition="in" filter="wipe(left)">
+                                      <p:cBhvr>
+                                        <p:cTn id="17" dur="500"/>
+                                        <p:tgtEl>
+                                          <p:spTgt spid="12"/>
+                                        </p:tgtEl>
+                                      </p:cBhvr>
+                                    </p:animEffect>
+                                  </p:childTnLst>
+                                </p:cTn>
+                              </p:par>
+                              <p:par>
+                                <p:cTn id="18" presetID="10" presetClass="entr" presetSubtype="0" fill="hold" nodeType="withEffect">
+                                  <p:stCondLst>
+                                    <p:cond delay="0"/>
+                                  </p:stCondLst>
+                                  <p:childTnLst>
+                                    <p:set>
+                                      <p:cBhvr>
+                                        <p:cTn id="19" dur="1" fill="hold">
+                                          <p:stCondLst>
+                                            <p:cond delay="0"/>
+                                          </p:stCondLst>
+                                        </p:cTn>
+                                        <p:tgtEl>
+                                          <p:spTgt spid="4100"/>
+                                        </p:tgtEl>
+                                        <p:attrNameLst>
+                                          <p:attrName>style.visibility</p:attrName>
+                                        </p:attrNameLst>
+                                      </p:cBhvr>
+                                      <p:to>
+                                        <p:strVal val="visible"/>
+                                      </p:to>
+                                    </p:set>
+                                    <p:animEffect transition="in" filter="fade">
+                                      <p:cBhvr>
+                                        <p:cTn id="20" dur="500"/>
+                                        <p:tgtEl>
+                                          <p:spTgt spid="4100"/>
+                                        </p:tgtEl>
+                                      </p:cBhvr>
+                                    </p:animEffect>
+                                  </p:childTnLst>
+                                </p:cTn>
+                              </p:par>
+                              <p:par>
+                                <p:cTn id="21" presetID="8" presetClass="emph" presetSubtype="0" repeatCount="indefinite" fill="hold" nodeType="withEffect">
+                                  <p:stCondLst>
+                                    <p:cond delay="0"/>
+                                  </p:stCondLst>
+                                  <p:endCondLst>
+                                    <p:cond evt="onNext" delay="0">
+                                      <p:tgtEl>
+                                        <p:sldTgt/>
+                                      </p:tgtEl>
+                                    </p:cond>
+                                  </p:endCondLst>
+                                  <p:childTnLst>
+                                    <p:animRot by="21600000">
+                                      <p:cBhvr>
+                                        <p:cTn id="22" dur="5000" fill="hold"/>
+                                        <p:tgtEl>
+                                          <p:spTgt spid="4100"/>
+                                        </p:tgtEl>
+                                        <p:attrNameLst>
+                                          <p:attrName>r</p:attrName>
+                                        </p:attrNameLst>
+                                      </p:cBhvr>
+                                    </p:animRot>
+                                  </p:childTnLst>
+                                </p:cTn>
+                              </p:par>
+                              <p:par>
+                                <p:cTn id="23" presetID="22" presetClass="entr" presetSubtype="8" fill="hold" grpId="0" nodeType="withEffect">
+                                  <p:stCondLst>
+                                    <p:cond delay="0"/>
+                                  </p:stCondLst>
+                                  <p:childTnLst>
+                                    <p:set>
+                                      <p:cBhvr>
+                                        <p:cTn id="24" dur="1" fill="hold">
+                                          <p:stCondLst>
+                                            <p:cond delay="0"/>
+                                          </p:stCondLst>
+                                        </p:cTn>
+                                        <p:tgtEl>
+                                          <p:spTgt spid="15"/>
+                                        </p:tgtEl>
+                                        <p:attrNameLst>
+                                          <p:attrName>style.visibility</p:attrName>
+                                        </p:attrNameLst>
+                                      </p:cBhvr>
+                                      <p:to>
+                                        <p:strVal val="visible"/>
+                                      </p:to>
+                                    </p:set>
+                                    <p:animEffect transition="in" filter="wipe(left)">
+                                      <p:cBhvr>
+                                        <p:cTn id="25" dur="500"/>
+                                        <p:tgtEl>
+                                          <p:spTgt spid="15"/>
+                                        </p:tgtEl>
+                                      </p:cBhvr>
+                                    </p:animEffect>
+                                  </p:childTnLst>
+                                </p:cTn>
+                              </p:par>
+                              <p:par>
+                                <p:cTn id="26" presetID="22" presetClass="entr" presetSubtype="8" fill="hold" grpId="0" nodeType="withEffect">
+                                  <p:stCondLst>
+                                    <p:cond delay="0"/>
+                                  </p:stCondLst>
+                                  <p:childTnLst>
+                                    <p:set>
+                                      <p:cBhvr>
+                                        <p:cTn id="27" dur="1" fill="hold">
+                                          <p:stCondLst>
+                                            <p:cond delay="0"/>
+                                          </p:stCondLst>
+                                        </p:cTn>
+                                        <p:tgtEl>
+                                          <p:spTgt spid="16"/>
+                                        </p:tgtEl>
+                                        <p:attrNameLst>
+                                          <p:attrName>style.visibility</p:attrName>
+                                        </p:attrNameLst>
+                                      </p:cBhvr>
+                                      <p:to>
+                                        <p:strVal val="visible"/>
+                                      </p:to>
+                                    </p:set>
+                                    <p:animEffect transition="in" filter="wipe(left)">
+                                      <p:cBhvr>
+                                        <p:cTn id="28" dur="500"/>
+                                        <p:tgtEl>
+                                          <p:spTgt spid="16"/>
+                                        </p:tgtEl>
+                                      </p:cBhvr>
+                                    </p:animEffect>
+                                  </p:childTnLst>
+                                </p:cTn>
+                              </p:par>
+                              <p:par>
+                                <p:cTn id="29" presetID="22" presetClass="entr" presetSubtype="8" fill="hold" grpId="0" nodeType="withEffect">
+                                  <p:stCondLst>
+                                    <p:cond delay="0"/>
+                                  </p:stCondLst>
+                                  <p:childTnLst>
+                                    <p:set>
+                                      <p:cBhvr>
+                                        <p:cTn id="30" dur="1" fill="hold">
+                                          <p:stCondLst>
+                                            <p:cond delay="0"/>
+                                          </p:stCondLst>
+                                        </p:cTn>
+                                        <p:tgtEl>
+                                          <p:spTgt spid="17"/>
+                                        </p:tgtEl>
+                                        <p:attrNameLst>
+                                          <p:attrName>style.visibility</p:attrName>
+                                        </p:attrNameLst>
+                                      </p:cBhvr>
+                                      <p:to>
+                                        <p:strVal val="visible"/>
+                                      </p:to>
+                                    </p:set>
+                                    <p:animEffect transition="in" filter="wipe(left)">
+                                      <p:cBhvr>
+                                        <p:cTn id="31" dur="500"/>
+                                        <p:tgtEl>
+                                          <p:spTgt spid="17"/>
+                                        </p:tgtEl>
+                                      </p:cBhvr>
+                                    </p:animEffect>
+                                  </p:childTnLst>
+                                </p:cTn>
+                              </p:par>
+                            </p:childTnLst>
+                          </p:cTn>
+                        </p:par>
+                      </p:childTnLst>
+                    </p:cTn>
+                  </p:par>
+                </p:childTnLst>
+              </p:cTn>
+              <p:prevCondLst>
+                <p:cond evt="onPrev" delay="0">
+                  <p:tgtEl>
+                    <p:sldTgt/>
+                  </p:tgtEl>
+                </p:cond>
+              </p:prevCondLst>
+              <p:nextCondLst>
+                <p:cond evt="onNext" delay="0">
+                  <p:tgtEl>
+                    <p:sldTgt/>
+                  </p:tgtEl>
+                </p:cond>
+              </p:nextCondLst>
+            </p:seq>
+          </p:childTnLst>
+        </p:cTn>
+      </p:par>
+    </p:tnLst>
+    <p:bldLst>
+      <p:bldP spid="10" grpId="0" animBg="1"/>
+      <p:bldP spid="11" grpId="0"/>
+      <p:bldP spid="12" grpId="0"/>
+      <p:bldP spid="15" grpId="0"/>
+      <p:bldP spid="16" grpId="0"/>
+      <p:bldP spid="17" grpId="0"/>
+    </p:bldLst>
+  </p:timing>
+</p:sld>
+</file>
+
+<file path=ppt/slides/slide22.xml><?xml version="1.0" encoding="utf-8"?>
+<p:sld xmlns:a="http://schemas.openxmlformats.org/drawingml/2006/main" xmlns:r="http://schemas.openxmlformats.org/officeDocument/2006/relationships" xmlns:p="http://schemas.openxmlformats.org/presentationml/2006/main">
+  <p:cSld>
+    <p:spTree>
+      <p:nvGrpSpPr>
+        <p:cNvPr id="1" name=""/>
+        <p:cNvGrpSpPr/>
+        <p:nvPr/>
+      </p:nvGrpSpPr>
+      <p:grpSpPr>
+        <a:xfrm>
+          <a:off x="0" y="0"/>
+          <a:ext cx="0" cy="0"/>
+          <a:chOff x="0" y="0"/>
+          <a:chExt cx="0" cy="0"/>
+        </a:xfrm>
+      </p:grpSpPr>
+      <p:pic>
+        <p:nvPicPr>
+          <p:cNvPr id="4" name="Picture 2">
+            <a:extLst>
+              <a:ext uri="{FF2B5EF4-FFF2-40B4-BE49-F238E27FC236}">
+                <a16:creationId xmlns:a16="http://schemas.microsoft.com/office/drawing/2014/main" id="{BD7A6457-514A-41B6-BBCD-0B35A2C29DB5}"/>
+              </a:ext>
+            </a:extLst>
+          </p:cNvPr>
+          <p:cNvPicPr>
+            <a:picLocks noChangeAspect="1" noChangeArrowheads="1"/>
+          </p:cNvPicPr>
+          <p:nvPr/>
+        </p:nvPicPr>
+        <p:blipFill>
+          <a:blip r:embed="rId2">
+            <a:extLst>
+              <a:ext uri="{28A0092B-C50C-407E-A947-70E740481C1C}">
+                <a14:useLocalDpi xmlns:a14="http://schemas.microsoft.com/office/drawing/2010/main" val="0"/>
+              </a:ext>
+            </a:extLst>
+          </a:blip>
+          <a:srcRect/>
+          <a:stretch>
+            <a:fillRect/>
+          </a:stretch>
+        </p:blipFill>
+        <p:spPr bwMode="auto">
+          <a:xfrm>
+            <a:off x="0" y="5805814"/>
+            <a:ext cx="2588377" cy="1052186"/>
+          </a:xfrm>
+          <a:prstGeom prst="rect">
+            <a:avLst/>
+          </a:prstGeom>
+          <a:noFill/>
+          <a:extLst>
+            <a:ext uri="{909E8E84-426E-40DD-AFC4-6F175D3DCCD1}">
+              <a14:hiddenFill xmlns:a14="http://schemas.microsoft.com/office/drawing/2010/main">
+                <a:solidFill>
+                  <a:srgbClr val="FFFFFF"/>
+                </a:solidFill>
+              </a14:hiddenFill>
+            </a:ext>
+          </a:extLst>
+        </p:spPr>
+      </p:pic>
+      <p:sp>
+        <p:nvSpPr>
+          <p:cNvPr id="3" name="Rectangle 2">
+            <a:extLst>
+              <a:ext uri="{FF2B5EF4-FFF2-40B4-BE49-F238E27FC236}">
+                <a16:creationId xmlns:a16="http://schemas.microsoft.com/office/drawing/2014/main" id="{059ECD1A-6982-4309-8F60-AEAB6A5A6B7C}"/>
+              </a:ext>
+            </a:extLst>
+          </p:cNvPr>
+          <p:cNvSpPr/>
+          <p:nvPr/>
+        </p:nvSpPr>
+        <p:spPr>
+          <a:xfrm>
+            <a:off x="847715" y="303599"/>
+            <a:ext cx="2323072" cy="830997"/>
+          </a:xfrm>
+          <a:prstGeom prst="rect">
+            <a:avLst/>
+          </a:prstGeom>
+          <a:noFill/>
+        </p:spPr>
+        <p:txBody>
+          <a:bodyPr wrap="none" rtlCol="0">
+            <a:spAutoFit/>
+          </a:bodyPr>
+          <a:lstStyle/>
+          <a:p>
+            <a:r>
+              <a:rPr lang="en-US" sz="4800" b="1" dirty="0">
+                <a:solidFill>
+                  <a:schemeClr val="accent1">
+                    <a:lumMod val="50000"/>
+                  </a:schemeClr>
+                </a:solidFill>
+                <a:latin typeface="-apple-system"/>
+              </a:rPr>
+              <a:t>Phase 3:</a:t>
+            </a:r>
+          </a:p>
+        </p:txBody>
+      </p:sp>
+      <p:cxnSp>
+        <p:nvCxnSpPr>
+          <p:cNvPr id="5" name="Straight Connector 4">
+            <a:extLst>
+              <a:ext uri="{FF2B5EF4-FFF2-40B4-BE49-F238E27FC236}">
+                <a16:creationId xmlns:a16="http://schemas.microsoft.com/office/drawing/2014/main" id="{B9FA7C45-7940-4FD8-8B49-80FAAB2D4BFA}"/>
+              </a:ext>
+            </a:extLst>
+          </p:cNvPr>
+          <p:cNvCxnSpPr>
+            <a:cxnSpLocks/>
+          </p:cNvCxnSpPr>
+          <p:nvPr/>
+        </p:nvCxnSpPr>
+        <p:spPr>
+          <a:xfrm>
+            <a:off x="954157" y="1134596"/>
+            <a:ext cx="9263270" cy="0"/>
+          </a:xfrm>
+          <a:prstGeom prst="line">
+            <a:avLst/>
+          </a:prstGeom>
+        </p:spPr>
+        <p:style>
+          <a:lnRef idx="1">
+            <a:schemeClr val="accent1"/>
+          </a:lnRef>
+          <a:fillRef idx="0">
+            <a:schemeClr val="accent1"/>
+          </a:fillRef>
+          <a:effectRef idx="0">
+            <a:schemeClr val="accent1"/>
+          </a:effectRef>
+          <a:fontRef idx="minor">
+            <a:schemeClr val="tx1"/>
+          </a:fontRef>
+        </p:style>
+      </p:cxnSp>
+      <p:sp>
+        <p:nvSpPr>
+          <p:cNvPr id="9" name="Rectangle 8">
+            <a:extLst>
+              <a:ext uri="{FF2B5EF4-FFF2-40B4-BE49-F238E27FC236}">
+                <a16:creationId xmlns:a16="http://schemas.microsoft.com/office/drawing/2014/main" id="{866AA0F8-8335-4B8E-80A2-3E7C74D33984}"/>
+              </a:ext>
+            </a:extLst>
+          </p:cNvPr>
+          <p:cNvSpPr/>
+          <p:nvPr/>
+        </p:nvSpPr>
+        <p:spPr>
+          <a:xfrm>
+            <a:off x="847715" y="1134596"/>
+            <a:ext cx="2040943" cy="584775"/>
+          </a:xfrm>
+          <a:prstGeom prst="rect">
+            <a:avLst/>
+          </a:prstGeom>
+          <a:noFill/>
+        </p:spPr>
+        <p:txBody>
+          <a:bodyPr wrap="none" rtlCol="0">
+            <a:spAutoFit/>
+          </a:bodyPr>
+          <a:lstStyle/>
+          <a:p>
+            <a:r>
+              <a:rPr lang="en-US" sz="3200" b="1" dirty="0">
+                <a:solidFill>
+                  <a:schemeClr val="accent1">
+                    <a:lumMod val="50000"/>
+                  </a:schemeClr>
+                </a:solidFill>
+                <a:latin typeface="-apple-system"/>
+              </a:rPr>
+              <a:t>Conclusion</a:t>
+            </a:r>
+          </a:p>
+        </p:txBody>
+      </p:sp>
+      <p:pic>
+        <p:nvPicPr>
+          <p:cNvPr id="4098" name="Picture 2">
+            <a:extLst>
+              <a:ext uri="{FF2B5EF4-FFF2-40B4-BE49-F238E27FC236}">
+                <a16:creationId xmlns:a16="http://schemas.microsoft.com/office/drawing/2014/main" id="{37536B8D-39A1-4A9F-ABB7-143040D7235E}"/>
+              </a:ext>
+            </a:extLst>
+          </p:cNvPr>
+          <p:cNvPicPr>
+            <a:picLocks noChangeAspect="1" noChangeArrowheads="1"/>
+          </p:cNvPicPr>
+          <p:nvPr/>
+        </p:nvPicPr>
+        <p:blipFill>
+          <a:blip r:embed="rId3">
+            <a:extLst>
+              <a:ext uri="{28A0092B-C50C-407E-A947-70E740481C1C}">
+                <a14:useLocalDpi xmlns:a14="http://schemas.microsoft.com/office/drawing/2010/main" val="0"/>
+              </a:ext>
+            </a:extLst>
+          </a:blip>
+          <a:srcRect/>
+          <a:stretch>
+            <a:fillRect/>
+          </a:stretch>
+        </p:blipFill>
+        <p:spPr bwMode="auto">
+          <a:xfrm rot="1113325">
+            <a:off x="9888527" y="334777"/>
+            <a:ext cx="2234110" cy="796199"/>
+          </a:xfrm>
+          <a:prstGeom prst="rect">
+            <a:avLst/>
+          </a:prstGeom>
+          <a:noFill/>
+          <a:extLst>
+            <a:ext uri="{909E8E84-426E-40DD-AFC4-6F175D3DCCD1}">
+              <a14:hiddenFill xmlns:a14="http://schemas.microsoft.com/office/drawing/2010/main">
+                <a:solidFill>
+                  <a:srgbClr val="FFFFFF"/>
+                </a:solidFill>
+              </a14:hiddenFill>
+            </a:ext>
+          </a:extLst>
+        </p:spPr>
+      </p:pic>
+      <p:sp>
+        <p:nvSpPr>
+          <p:cNvPr id="14" name="TextBox 13">
+            <a:extLst>
+              <a:ext uri="{FF2B5EF4-FFF2-40B4-BE49-F238E27FC236}">
+                <a16:creationId xmlns:a16="http://schemas.microsoft.com/office/drawing/2014/main" id="{2E01B2B7-261B-434E-9D6D-6FAAE0C81EA3}"/>
+              </a:ext>
+            </a:extLst>
+          </p:cNvPr>
+          <p:cNvSpPr txBox="1"/>
+          <p:nvPr/>
+        </p:nvSpPr>
+        <p:spPr>
+          <a:xfrm>
+            <a:off x="6570285" y="5221038"/>
+            <a:ext cx="5303433" cy="584775"/>
+          </a:xfrm>
+          <a:prstGeom prst="rect">
+            <a:avLst/>
+          </a:prstGeom>
+          <a:noFill/>
+        </p:spPr>
+        <p:txBody>
+          <a:bodyPr wrap="square">
+            <a:spAutoFit/>
+          </a:bodyPr>
+          <a:lstStyle/>
+          <a:p>
+            <a:pPr algn="ctr"/>
+            <a:r>
+              <a:rPr lang="en-US" sz="3200" b="1" dirty="0">
+                <a:solidFill>
+                  <a:srgbClr val="C00000"/>
+                </a:solidFill>
+              </a:rPr>
+              <a:t>Adj associated with Ukraine</a:t>
+            </a:r>
+            <a:endParaRPr lang="en-US" sz="5400" b="1" dirty="0">
+              <a:solidFill>
+                <a:srgbClr val="C00000"/>
+              </a:solidFill>
+            </a:endParaRPr>
+          </a:p>
+        </p:txBody>
+      </p:sp>
+      <p:sp>
+        <p:nvSpPr>
+          <p:cNvPr id="12" name="TextBox 11">
+            <a:extLst>
+              <a:ext uri="{FF2B5EF4-FFF2-40B4-BE49-F238E27FC236}">
+                <a16:creationId xmlns:a16="http://schemas.microsoft.com/office/drawing/2014/main" id="{89636C4C-2A6D-4A2A-93AE-309052DD58AA}"/>
+              </a:ext>
+            </a:extLst>
+          </p:cNvPr>
+          <p:cNvSpPr txBox="1"/>
+          <p:nvPr/>
+        </p:nvSpPr>
+        <p:spPr>
+          <a:xfrm>
+            <a:off x="405152" y="5221038"/>
+            <a:ext cx="5303433" cy="584775"/>
+          </a:xfrm>
+          <a:prstGeom prst="rect">
+            <a:avLst/>
+          </a:prstGeom>
+          <a:noFill/>
+        </p:spPr>
+        <p:txBody>
+          <a:bodyPr wrap="square">
+            <a:spAutoFit/>
+          </a:bodyPr>
+          <a:lstStyle/>
+          <a:p>
+            <a:pPr algn="ctr"/>
+            <a:r>
+              <a:rPr lang="en-US" sz="3200" b="1" dirty="0">
+                <a:solidFill>
+                  <a:srgbClr val="C00000"/>
+                </a:solidFill>
+              </a:rPr>
+              <a:t>Adj associated with Russia</a:t>
+            </a:r>
+            <a:endParaRPr lang="en-US" sz="5400" b="1" dirty="0">
+              <a:solidFill>
+                <a:srgbClr val="C00000"/>
+              </a:solidFill>
+            </a:endParaRPr>
+          </a:p>
+        </p:txBody>
+      </p:sp>
+      <p:pic>
+        <p:nvPicPr>
+          <p:cNvPr id="6" name="Picture 5" descr="A picture containing logo&#10;&#10;Description automatically generated">
+            <a:extLst>
+              <a:ext uri="{FF2B5EF4-FFF2-40B4-BE49-F238E27FC236}">
+                <a16:creationId xmlns:a16="http://schemas.microsoft.com/office/drawing/2014/main" id="{D5ABE8AE-0D33-4D22-8B58-207D89BB9FE9}"/>
+              </a:ext>
+            </a:extLst>
+          </p:cNvPr>
+          <p:cNvPicPr>
+            <a:picLocks noChangeAspect="1"/>
+          </p:cNvPicPr>
+          <p:nvPr/>
+        </p:nvPicPr>
+        <p:blipFill>
+          <a:blip r:embed="rId4">
+            <a:extLst>
+              <a:ext uri="{28A0092B-C50C-407E-A947-70E740481C1C}">
+                <a14:useLocalDpi xmlns:a14="http://schemas.microsoft.com/office/drawing/2010/main" val="0"/>
+              </a:ext>
+            </a:extLst>
+          </a:blip>
+          <a:stretch>
+            <a:fillRect/>
+          </a:stretch>
+        </p:blipFill>
+        <p:spPr>
+          <a:xfrm>
+            <a:off x="6225708" y="2046535"/>
+            <a:ext cx="5818849" cy="3067620"/>
+          </a:xfrm>
+          <a:prstGeom prst="rect">
+            <a:avLst/>
+          </a:prstGeom>
+          <a:ln w="38100" cap="sq">
+            <a:solidFill>
+              <a:srgbClr val="000000"/>
+            </a:solidFill>
+            <a:prstDash val="solid"/>
+            <a:miter lim="800000"/>
+          </a:ln>
+          <a:effectLst>
+            <a:outerShdw blurRad="50800" dist="38100" dir="2700000" algn="tl" rotWithShape="0">
+              <a:srgbClr val="000000">
+                <a:alpha val="43000"/>
+              </a:srgbClr>
+            </a:outerShdw>
+          </a:effectLst>
+        </p:spPr>
+      </p:pic>
+      <p:pic>
+        <p:nvPicPr>
+          <p:cNvPr id="8" name="Picture 7" descr="A picture containing text&#10;&#10;Description automatically generated">
+            <a:extLst>
+              <a:ext uri="{FF2B5EF4-FFF2-40B4-BE49-F238E27FC236}">
+                <a16:creationId xmlns:a16="http://schemas.microsoft.com/office/drawing/2014/main" id="{AE920F52-5275-4B90-B5C5-1DD92A5B86D3}"/>
+              </a:ext>
+            </a:extLst>
+          </p:cNvPr>
+          <p:cNvPicPr>
+            <a:picLocks noChangeAspect="1"/>
+          </p:cNvPicPr>
+          <p:nvPr/>
+        </p:nvPicPr>
+        <p:blipFill>
+          <a:blip r:embed="rId5">
+            <a:extLst>
+              <a:ext uri="{28A0092B-C50C-407E-A947-70E740481C1C}">
+                <a14:useLocalDpi xmlns:a14="http://schemas.microsoft.com/office/drawing/2010/main" val="0"/>
+              </a:ext>
+            </a:extLst>
+          </a:blip>
+          <a:stretch>
+            <a:fillRect/>
+          </a:stretch>
+        </p:blipFill>
+        <p:spPr>
+          <a:xfrm>
+            <a:off x="147445" y="2046535"/>
+            <a:ext cx="5818849" cy="3067620"/>
+          </a:xfrm>
+          <a:prstGeom prst="rect">
+            <a:avLst/>
+          </a:prstGeom>
+          <a:ln w="38100" cap="sq">
+            <a:solidFill>
+              <a:srgbClr val="000000"/>
+            </a:solidFill>
+            <a:prstDash val="solid"/>
+            <a:miter lim="800000"/>
+          </a:ln>
+          <a:effectLst>
+            <a:outerShdw blurRad="50800" dist="38100" dir="2700000" algn="tl" rotWithShape="0">
+              <a:srgbClr val="000000">
+                <a:alpha val="43000"/>
+              </a:srgbClr>
+            </a:outerShdw>
+          </a:effectLst>
+        </p:spPr>
+      </p:pic>
+    </p:spTree>
+    <p:extLst>
+      <p:ext uri="{BB962C8B-B14F-4D97-AF65-F5344CB8AC3E}">
+        <p14:creationId xmlns:p14="http://schemas.microsoft.com/office/powerpoint/2010/main" val="1213140162"/>
+      </p:ext>
+    </p:extLst>
+  </p:cSld>
+  <p:clrMapOvr>
+    <a:masterClrMapping/>
+  </p:clrMapOvr>
+  <p:timing>
+    <p:tnLst>
+      <p:par>
+        <p:cTn id="1" dur="indefinite" restart="never" nodeType="tmRoot">
+          <p:childTnLst>
+            <p:seq concurrent="1" nextAc="seek">
+              <p:cTn id="2" dur="indefinite" nodeType="mainSeq">
+                <p:childTnLst>
+                  <p:par>
+                    <p:cTn id="3" fill="hold">
+                      <p:stCondLst>
+                        <p:cond delay="indefinite"/>
+                      </p:stCondLst>
+                      <p:childTnLst>
+                        <p:par>
+                          <p:cTn id="4" fill="hold">
+                            <p:stCondLst>
+                              <p:cond delay="0"/>
+                            </p:stCondLst>
+                            <p:childTnLst>
+                              <p:par>
+                                <p:cTn id="5" presetID="53" presetClass="entr" presetSubtype="16" fill="hold" nodeType="clickEffect">
+                                  <p:stCondLst>
+                                    <p:cond delay="0"/>
+                                  </p:stCondLst>
+                                  <p:childTnLst>
+                                    <p:set>
+                                      <p:cBhvr>
+                                        <p:cTn id="6" dur="1" fill="hold">
+                                          <p:stCondLst>
+                                            <p:cond delay="0"/>
+                                          </p:stCondLst>
+                                        </p:cTn>
+                                        <p:tgtEl>
+                                          <p:spTgt spid="6"/>
+                                        </p:tgtEl>
+                                        <p:attrNameLst>
+                                          <p:attrName>style.visibility</p:attrName>
+                                        </p:attrNameLst>
+                                      </p:cBhvr>
+                                      <p:to>
+                                        <p:strVal val="visible"/>
+                                      </p:to>
+                                    </p:set>
+                                    <p:anim calcmode="lin" valueType="num">
+                                      <p:cBhvr>
+                                        <p:cTn id="7" dur="500" fill="hold"/>
+                                        <p:tgtEl>
+                                          <p:spTgt spid="6"/>
+                                        </p:tgtEl>
+                                        <p:attrNameLst>
+                                          <p:attrName>ppt_w</p:attrName>
+                                        </p:attrNameLst>
+                                      </p:cBhvr>
+                                      <p:tavLst>
+                                        <p:tav tm="0">
+                                          <p:val>
+                                            <p:fltVal val="0"/>
+                                          </p:val>
+                                        </p:tav>
+                                        <p:tav tm="100000">
+                                          <p:val>
+                                            <p:strVal val="#ppt_w"/>
+                                          </p:val>
+                                        </p:tav>
+                                      </p:tavLst>
+                                    </p:anim>
+                                    <p:anim calcmode="lin" valueType="num">
+                                      <p:cBhvr>
+                                        <p:cTn id="8" dur="500" fill="hold"/>
+                                        <p:tgtEl>
+                                          <p:spTgt spid="6"/>
+                                        </p:tgtEl>
+                                        <p:attrNameLst>
+                                          <p:attrName>ppt_h</p:attrName>
+                                        </p:attrNameLst>
+                                      </p:cBhvr>
+                                      <p:tavLst>
+                                        <p:tav tm="0">
+                                          <p:val>
+                                            <p:fltVal val="0"/>
+                                          </p:val>
+                                        </p:tav>
+                                        <p:tav tm="100000">
+                                          <p:val>
+                                            <p:strVal val="#ppt_h"/>
+                                          </p:val>
+                                        </p:tav>
+                                      </p:tavLst>
+                                    </p:anim>
+                                    <p:animEffect transition="in" filter="fade">
+                                      <p:cBhvr>
+                                        <p:cTn id="9" dur="500"/>
+                                        <p:tgtEl>
+                                          <p:spTgt spid="6"/>
+                                        </p:tgtEl>
+                                      </p:cBhvr>
+                                    </p:animEffect>
+                                  </p:childTnLst>
+                                </p:cTn>
+                              </p:par>
+                              <p:par>
+                                <p:cTn id="10" presetID="53" presetClass="entr" presetSubtype="16" fill="hold" nodeType="withEffect">
+                                  <p:stCondLst>
+                                    <p:cond delay="0"/>
+                                  </p:stCondLst>
+                                  <p:childTnLst>
+                                    <p:set>
+                                      <p:cBhvr>
+                                        <p:cTn id="11" dur="1" fill="hold">
+                                          <p:stCondLst>
+                                            <p:cond delay="0"/>
+                                          </p:stCondLst>
+                                        </p:cTn>
+                                        <p:tgtEl>
+                                          <p:spTgt spid="8"/>
+                                        </p:tgtEl>
+                                        <p:attrNameLst>
+                                          <p:attrName>style.visibility</p:attrName>
+                                        </p:attrNameLst>
+                                      </p:cBhvr>
+                                      <p:to>
+                                        <p:strVal val="visible"/>
+                                      </p:to>
+                                    </p:set>
+                                    <p:anim calcmode="lin" valueType="num">
+                                      <p:cBhvr>
+                                        <p:cTn id="12" dur="500" fill="hold"/>
+                                        <p:tgtEl>
+                                          <p:spTgt spid="8"/>
+                                        </p:tgtEl>
+                                        <p:attrNameLst>
+                                          <p:attrName>ppt_w</p:attrName>
+                                        </p:attrNameLst>
+                                      </p:cBhvr>
+                                      <p:tavLst>
+                                        <p:tav tm="0">
+                                          <p:val>
+                                            <p:fltVal val="0"/>
+                                          </p:val>
+                                        </p:tav>
+                                        <p:tav tm="100000">
+                                          <p:val>
+                                            <p:strVal val="#ppt_w"/>
+                                          </p:val>
+                                        </p:tav>
+                                      </p:tavLst>
+                                    </p:anim>
+                                    <p:anim calcmode="lin" valueType="num">
+                                      <p:cBhvr>
+                                        <p:cTn id="13" dur="500" fill="hold"/>
+                                        <p:tgtEl>
+                                          <p:spTgt spid="8"/>
+                                        </p:tgtEl>
+                                        <p:attrNameLst>
+                                          <p:attrName>ppt_h</p:attrName>
+                                        </p:attrNameLst>
+                                      </p:cBhvr>
+                                      <p:tavLst>
+                                        <p:tav tm="0">
+                                          <p:val>
+                                            <p:fltVal val="0"/>
+                                          </p:val>
+                                        </p:tav>
+                                        <p:tav tm="100000">
+                                          <p:val>
+                                            <p:strVal val="#ppt_h"/>
+                                          </p:val>
+                                        </p:tav>
+                                      </p:tavLst>
+                                    </p:anim>
+                                    <p:animEffect transition="in" filter="fade">
+                                      <p:cBhvr>
+                                        <p:cTn id="14" dur="500"/>
+                                        <p:tgtEl>
+                                          <p:spTgt spid="8"/>
+                                        </p:tgtEl>
+                                      </p:cBhvr>
+                                    </p:animEffect>
+                                  </p:childTnLst>
+                                </p:cTn>
+                              </p:par>
+                              <p:par>
+                                <p:cTn id="15" presetID="22" presetClass="entr" presetSubtype="4" fill="hold" grpId="0" nodeType="withEffect">
+                                  <p:stCondLst>
+                                    <p:cond delay="0"/>
+                                  </p:stCondLst>
+                                  <p:childTnLst>
+                                    <p:set>
+                                      <p:cBhvr>
+                                        <p:cTn id="16" dur="1" fill="hold">
+                                          <p:stCondLst>
+                                            <p:cond delay="0"/>
+                                          </p:stCondLst>
+                                        </p:cTn>
+                                        <p:tgtEl>
+                                          <p:spTgt spid="14"/>
+                                        </p:tgtEl>
+                                        <p:attrNameLst>
+                                          <p:attrName>style.visibility</p:attrName>
+                                        </p:attrNameLst>
+                                      </p:cBhvr>
+                                      <p:to>
+                                        <p:strVal val="visible"/>
+                                      </p:to>
+                                    </p:set>
+                                    <p:animEffect transition="in" filter="wipe(down)">
+                                      <p:cBhvr>
+                                        <p:cTn id="17" dur="500"/>
+                                        <p:tgtEl>
+                                          <p:spTgt spid="14"/>
+                                        </p:tgtEl>
+                                      </p:cBhvr>
+                                    </p:animEffect>
+                                  </p:childTnLst>
+                                </p:cTn>
+                              </p:par>
+                              <p:par>
+                                <p:cTn id="18" presetID="22" presetClass="entr" presetSubtype="4" fill="hold" grpId="0" nodeType="withEffect">
+                                  <p:stCondLst>
+                                    <p:cond delay="0"/>
+                                  </p:stCondLst>
+                                  <p:childTnLst>
+                                    <p:set>
+                                      <p:cBhvr>
+                                        <p:cTn id="19" dur="1" fill="hold">
+                                          <p:stCondLst>
+                                            <p:cond delay="0"/>
+                                          </p:stCondLst>
+                                        </p:cTn>
+                                        <p:tgtEl>
+                                          <p:spTgt spid="12"/>
+                                        </p:tgtEl>
+                                        <p:attrNameLst>
+                                          <p:attrName>style.visibility</p:attrName>
+                                        </p:attrNameLst>
+                                      </p:cBhvr>
+                                      <p:to>
+                                        <p:strVal val="visible"/>
+                                      </p:to>
+                                    </p:set>
+                                    <p:animEffect transition="in" filter="wipe(down)">
+                                      <p:cBhvr>
+                                        <p:cTn id="20" dur="500"/>
+                                        <p:tgtEl>
+                                          <p:spTgt spid="12"/>
+                                        </p:tgtEl>
+                                      </p:cBhvr>
+                                    </p:animEffect>
+                                  </p:childTnLst>
+                                </p:cTn>
+                              </p:par>
+                            </p:childTnLst>
+                          </p:cTn>
+                        </p:par>
+                      </p:childTnLst>
+                    </p:cTn>
+                  </p:par>
+                </p:childTnLst>
+              </p:cTn>
+              <p:prevCondLst>
+                <p:cond evt="onPrev" delay="0">
+                  <p:tgtEl>
+                    <p:sldTgt/>
+                  </p:tgtEl>
+                </p:cond>
+              </p:prevCondLst>
+              <p:nextCondLst>
+                <p:cond evt="onNext" delay="0">
+                  <p:tgtEl>
+                    <p:sldTgt/>
+                  </p:tgtEl>
+                </p:cond>
+              </p:nextCondLst>
+            </p:seq>
+          </p:childTnLst>
+        </p:cTn>
+      </p:par>
+    </p:tnLst>
+    <p:bldLst>
+      <p:bldP spid="14" grpId="0"/>
+      <p:bldP spid="12" grpId="0"/>
+    </p:bldLst>
+  </p:timing>
+</p:sld>
+</file>
+
+<file path=ppt/slides/slide23.xml><?xml version="1.0" encoding="utf-8"?>
+<p:sld xmlns:a="http://schemas.openxmlformats.org/drawingml/2006/main" xmlns:r="http://schemas.openxmlformats.org/officeDocument/2006/relationships" xmlns:p="http://schemas.openxmlformats.org/presentationml/2006/main">
+  <p:cSld>
+    <p:spTree>
+      <p:nvGrpSpPr>
+        <p:cNvPr id="1" name=""/>
+        <p:cNvGrpSpPr/>
+        <p:nvPr/>
+      </p:nvGrpSpPr>
+      <p:grpSpPr>
+        <a:xfrm>
+          <a:off x="0" y="0"/>
+          <a:ext cx="0" cy="0"/>
+          <a:chOff x="0" y="0"/>
+          <a:chExt cx="0" cy="0"/>
+        </a:xfrm>
+      </p:grpSpPr>
+      <p:pic>
+        <p:nvPicPr>
+          <p:cNvPr id="1028" name="Picture 4" descr="Lessons Learned | Expert online Integrity and Compliance Training">
+            <a:extLst>
+              <a:ext uri="{FF2B5EF4-FFF2-40B4-BE49-F238E27FC236}">
+                <a16:creationId xmlns:a16="http://schemas.microsoft.com/office/drawing/2014/main" id="{956B1539-E450-461F-B1AC-C1723D7CE900}"/>
+              </a:ext>
+            </a:extLst>
+          </p:cNvPr>
+          <p:cNvPicPr>
+            <a:picLocks noChangeAspect="1" noChangeArrowheads="1"/>
+          </p:cNvPicPr>
+          <p:nvPr/>
+        </p:nvPicPr>
+        <p:blipFill>
+          <a:blip r:embed="rId2">
+            <a:extLst>
+              <a:ext uri="{28A0092B-C50C-407E-A947-70E740481C1C}">
+                <a14:useLocalDpi xmlns:a14="http://schemas.microsoft.com/office/drawing/2010/main" val="0"/>
+              </a:ext>
+            </a:extLst>
+          </a:blip>
+          <a:srcRect/>
+          <a:stretch>
+            <a:fillRect/>
+          </a:stretch>
+        </p:blipFill>
+        <p:spPr bwMode="auto">
+          <a:xfrm>
+            <a:off x="8944586" y="-9781"/>
+            <a:ext cx="3247414" cy="2035351"/>
+          </a:xfrm>
+          <a:prstGeom prst="rect">
+            <a:avLst/>
+          </a:prstGeom>
+          <a:noFill/>
+          <a:extLst>
+            <a:ext uri="{909E8E84-426E-40DD-AFC4-6F175D3DCCD1}">
+              <a14:hiddenFill xmlns:a14="http://schemas.microsoft.com/office/drawing/2010/main">
+                <a:solidFill>
+                  <a:srgbClr val="FFFFFF"/>
+                </a:solidFill>
+              </a14:hiddenFill>
+            </a:ext>
+          </a:extLst>
+        </p:spPr>
+      </p:pic>
+      <p:pic>
+        <p:nvPicPr>
+          <p:cNvPr id="4" name="Picture 2">
+            <a:extLst>
+              <a:ext uri="{FF2B5EF4-FFF2-40B4-BE49-F238E27FC236}">
+                <a16:creationId xmlns:a16="http://schemas.microsoft.com/office/drawing/2014/main" id="{BD7A6457-514A-41B6-BBCD-0B35A2C29DB5}"/>
+              </a:ext>
+            </a:extLst>
+          </p:cNvPr>
+          <p:cNvPicPr>
+            <a:picLocks noChangeAspect="1" noChangeArrowheads="1"/>
+          </p:cNvPicPr>
+          <p:nvPr/>
+        </p:nvPicPr>
+        <p:blipFill>
+          <a:blip r:embed="rId3">
+            <a:extLst>
+              <a:ext uri="{28A0092B-C50C-407E-A947-70E740481C1C}">
+                <a14:useLocalDpi xmlns:a14="http://schemas.microsoft.com/office/drawing/2010/main" val="0"/>
+              </a:ext>
+            </a:extLst>
+          </a:blip>
+          <a:srcRect/>
+          <a:stretch>
+            <a:fillRect/>
+          </a:stretch>
+        </p:blipFill>
+        <p:spPr bwMode="auto">
+          <a:xfrm>
+            <a:off x="0" y="5805814"/>
+            <a:ext cx="2588377" cy="1052186"/>
+          </a:xfrm>
+          <a:prstGeom prst="rect">
+            <a:avLst/>
+          </a:prstGeom>
+          <a:noFill/>
+          <a:extLst>
+            <a:ext uri="{909E8E84-426E-40DD-AFC4-6F175D3DCCD1}">
+              <a14:hiddenFill xmlns:a14="http://schemas.microsoft.com/office/drawing/2010/main">
+                <a:solidFill>
+                  <a:srgbClr val="FFFFFF"/>
+                </a:solidFill>
+              </a14:hiddenFill>
+            </a:ext>
+          </a:extLst>
+        </p:spPr>
+      </p:pic>
+      <p:sp>
+        <p:nvSpPr>
+          <p:cNvPr id="3" name="Rectangle 2">
+            <a:extLst>
+              <a:ext uri="{FF2B5EF4-FFF2-40B4-BE49-F238E27FC236}">
+                <a16:creationId xmlns:a16="http://schemas.microsoft.com/office/drawing/2014/main" id="{059ECD1A-6982-4309-8F60-AEAB6A5A6B7C}"/>
+              </a:ext>
+            </a:extLst>
+          </p:cNvPr>
+          <p:cNvSpPr/>
+          <p:nvPr/>
+        </p:nvSpPr>
+        <p:spPr>
+          <a:xfrm>
+            <a:off x="847715" y="303599"/>
+            <a:ext cx="2323072" cy="830997"/>
+          </a:xfrm>
+          <a:prstGeom prst="rect">
+            <a:avLst/>
+          </a:prstGeom>
+          <a:noFill/>
+        </p:spPr>
+        <p:txBody>
+          <a:bodyPr wrap="none" rtlCol="0">
+            <a:spAutoFit/>
+          </a:bodyPr>
+          <a:lstStyle/>
+          <a:p>
+            <a:r>
+              <a:rPr lang="en-US" sz="4800" b="1" dirty="0">
+                <a:solidFill>
+                  <a:schemeClr val="accent1">
+                    <a:lumMod val="50000"/>
+                  </a:schemeClr>
+                </a:solidFill>
+                <a:latin typeface="-apple-system"/>
+              </a:rPr>
+              <a:t>Phase 3:</a:t>
+            </a:r>
+          </a:p>
+        </p:txBody>
+      </p:sp>
+      <p:cxnSp>
+        <p:nvCxnSpPr>
+          <p:cNvPr id="5" name="Straight Connector 4">
+            <a:extLst>
+              <a:ext uri="{FF2B5EF4-FFF2-40B4-BE49-F238E27FC236}">
+                <a16:creationId xmlns:a16="http://schemas.microsoft.com/office/drawing/2014/main" id="{B9FA7C45-7940-4FD8-8B49-80FAAB2D4BFA}"/>
+              </a:ext>
+            </a:extLst>
+          </p:cNvPr>
+          <p:cNvCxnSpPr>
+            <a:cxnSpLocks/>
+          </p:cNvCxnSpPr>
+          <p:nvPr/>
+        </p:nvCxnSpPr>
+        <p:spPr>
+          <a:xfrm>
+            <a:off x="954157" y="1134596"/>
+            <a:ext cx="9263270" cy="0"/>
+          </a:xfrm>
+          <a:prstGeom prst="line">
+            <a:avLst/>
+          </a:prstGeom>
+        </p:spPr>
+        <p:style>
+          <a:lnRef idx="1">
+            <a:schemeClr val="accent1"/>
+          </a:lnRef>
+          <a:fillRef idx="0">
+            <a:schemeClr val="accent1"/>
+          </a:fillRef>
+          <a:effectRef idx="0">
+            <a:schemeClr val="accent1"/>
+          </a:effectRef>
+          <a:fontRef idx="minor">
+            <a:schemeClr val="tx1"/>
+          </a:fontRef>
+        </p:style>
+      </p:cxnSp>
+      <p:sp>
+        <p:nvSpPr>
+          <p:cNvPr id="9" name="Rectangle 8">
+            <a:extLst>
+              <a:ext uri="{FF2B5EF4-FFF2-40B4-BE49-F238E27FC236}">
+                <a16:creationId xmlns:a16="http://schemas.microsoft.com/office/drawing/2014/main" id="{866AA0F8-8335-4B8E-80A2-3E7C74D33984}"/>
+              </a:ext>
+            </a:extLst>
+          </p:cNvPr>
+          <p:cNvSpPr/>
+          <p:nvPr/>
+        </p:nvSpPr>
+        <p:spPr>
+          <a:xfrm>
+            <a:off x="847715" y="1134596"/>
+            <a:ext cx="2799164" cy="584775"/>
+          </a:xfrm>
+          <a:prstGeom prst="rect">
+            <a:avLst/>
+          </a:prstGeom>
+          <a:noFill/>
+        </p:spPr>
+        <p:txBody>
+          <a:bodyPr wrap="none" rtlCol="0">
+            <a:spAutoFit/>
+          </a:bodyPr>
+          <a:lstStyle/>
+          <a:p>
+            <a:r>
+              <a:rPr lang="en-US" sz="3200" b="1" dirty="0">
+                <a:solidFill>
+                  <a:schemeClr val="accent1">
+                    <a:lumMod val="50000"/>
+                  </a:schemeClr>
+                </a:solidFill>
+                <a:latin typeface="-apple-system"/>
+              </a:rPr>
+              <a:t>Lesson Learned</a:t>
+            </a:r>
+          </a:p>
+        </p:txBody>
+      </p:sp>
+      <p:sp>
+        <p:nvSpPr>
+          <p:cNvPr id="12" name="Oval 11">
+            <a:extLst>
+              <a:ext uri="{FF2B5EF4-FFF2-40B4-BE49-F238E27FC236}">
+                <a16:creationId xmlns:a16="http://schemas.microsoft.com/office/drawing/2014/main" id="{0F9A7892-316F-4C3D-9F97-3AB02F15E77F}"/>
+              </a:ext>
+            </a:extLst>
+          </p:cNvPr>
+          <p:cNvSpPr/>
+          <p:nvPr/>
+        </p:nvSpPr>
+        <p:spPr>
+          <a:xfrm>
+            <a:off x="1441532" y="2226200"/>
+            <a:ext cx="275892" cy="275892"/>
+          </a:xfrm>
+          <a:prstGeom prst="ellipse">
+            <a:avLst/>
+          </a:prstGeom>
+          <a:solidFill>
+            <a:schemeClr val="accent1">
+              <a:lumMod val="60000"/>
+              <a:lumOff val="40000"/>
+            </a:schemeClr>
+          </a:solidFill>
+          <a:ln>
+            <a:noFill/>
+          </a:ln>
+        </p:spPr>
+        <p:style>
+          <a:lnRef idx="2">
+            <a:schemeClr val="accent1">
+              <a:shade val="50000"/>
+            </a:schemeClr>
+          </a:lnRef>
+          <a:fillRef idx="1">
+            <a:schemeClr val="accent1"/>
+          </a:fillRef>
+          <a:effectRef idx="0">
+            <a:schemeClr val="accent1"/>
+          </a:effectRef>
+          <a:fontRef idx="minor">
+            <a:schemeClr val="lt1"/>
+          </a:fontRef>
+        </p:style>
+        <p:txBody>
+          <a:bodyPr rtlCol="0" anchor="ctr"/>
+          <a:lstStyle/>
+          <a:p>
+            <a:pPr algn="ctr"/>
+            <a:endParaRPr lang="en-US" sz="1400"/>
+          </a:p>
+        </p:txBody>
+      </p:sp>
+      <p:sp>
+        <p:nvSpPr>
+          <p:cNvPr id="13" name="TextBox 12">
+            <a:extLst>
+              <a:ext uri="{FF2B5EF4-FFF2-40B4-BE49-F238E27FC236}">
+                <a16:creationId xmlns:a16="http://schemas.microsoft.com/office/drawing/2014/main" id="{CAFF5228-3A36-4C0D-AADC-F1778E000D10}"/>
+              </a:ext>
+            </a:extLst>
+          </p:cNvPr>
+          <p:cNvSpPr txBox="1"/>
+          <p:nvPr/>
+        </p:nvSpPr>
+        <p:spPr>
+          <a:xfrm>
+            <a:off x="1903477" y="2025570"/>
+            <a:ext cx="2288896" cy="646331"/>
+          </a:xfrm>
+          <a:prstGeom prst="rect">
+            <a:avLst/>
+          </a:prstGeom>
+          <a:noFill/>
+        </p:spPr>
+        <p:txBody>
+          <a:bodyPr wrap="none" rtlCol="0">
+            <a:spAutoFit/>
+          </a:bodyPr>
+          <a:lstStyle/>
+          <a:p>
+            <a:r>
+              <a:rPr lang="en-US" sz="3600" dirty="0"/>
+              <a:t>Start Early. </a:t>
+            </a:r>
+          </a:p>
+        </p:txBody>
+      </p:sp>
+      <p:sp>
+        <p:nvSpPr>
+          <p:cNvPr id="18" name="Oval 17">
+            <a:extLst>
+              <a:ext uri="{FF2B5EF4-FFF2-40B4-BE49-F238E27FC236}">
+                <a16:creationId xmlns:a16="http://schemas.microsoft.com/office/drawing/2014/main" id="{7F16B398-79F7-40DB-9609-F51E2596C50A}"/>
+              </a:ext>
+            </a:extLst>
+          </p:cNvPr>
+          <p:cNvSpPr/>
+          <p:nvPr/>
+        </p:nvSpPr>
+        <p:spPr>
+          <a:xfrm>
+            <a:off x="1441532" y="2992357"/>
+            <a:ext cx="275892" cy="275892"/>
+          </a:xfrm>
+          <a:prstGeom prst="ellipse">
+            <a:avLst/>
+          </a:prstGeom>
+          <a:solidFill>
+            <a:schemeClr val="accent1">
+              <a:lumMod val="60000"/>
+              <a:lumOff val="40000"/>
+            </a:schemeClr>
+          </a:solidFill>
+          <a:ln>
+            <a:noFill/>
+          </a:ln>
+        </p:spPr>
+        <p:style>
+          <a:lnRef idx="2">
+            <a:schemeClr val="accent1">
+              <a:shade val="50000"/>
+            </a:schemeClr>
+          </a:lnRef>
+          <a:fillRef idx="1">
+            <a:schemeClr val="accent1"/>
+          </a:fillRef>
+          <a:effectRef idx="0">
+            <a:schemeClr val="accent1"/>
+          </a:effectRef>
+          <a:fontRef idx="minor">
+            <a:schemeClr val="lt1"/>
+          </a:fontRef>
+        </p:style>
+        <p:txBody>
+          <a:bodyPr rtlCol="0" anchor="ctr"/>
+          <a:lstStyle/>
+          <a:p>
+            <a:pPr algn="ctr"/>
+            <a:endParaRPr lang="en-US" sz="1400"/>
+          </a:p>
+        </p:txBody>
+      </p:sp>
+      <p:sp>
+        <p:nvSpPr>
+          <p:cNvPr id="19" name="TextBox 18">
+            <a:extLst>
+              <a:ext uri="{FF2B5EF4-FFF2-40B4-BE49-F238E27FC236}">
+                <a16:creationId xmlns:a16="http://schemas.microsoft.com/office/drawing/2014/main" id="{BEEE19CC-7E6E-44AE-971C-C0327A8A9421}"/>
+              </a:ext>
+            </a:extLst>
+          </p:cNvPr>
+          <p:cNvSpPr txBox="1"/>
+          <p:nvPr/>
+        </p:nvSpPr>
+        <p:spPr>
+          <a:xfrm>
+            <a:off x="1903477" y="2792427"/>
+            <a:ext cx="9440277" cy="1200329"/>
+          </a:xfrm>
+          <a:prstGeom prst="rect">
+            <a:avLst/>
+          </a:prstGeom>
+          <a:noFill/>
+        </p:spPr>
+        <p:txBody>
+          <a:bodyPr wrap="none" rtlCol="0">
+            <a:spAutoFit/>
+          </a:bodyPr>
+          <a:lstStyle/>
+          <a:p>
+            <a:r>
+              <a:rPr lang="en-US" sz="3600" dirty="0"/>
+              <a:t>If you take too LONG to do it, you probably doing </a:t>
+            </a:r>
+          </a:p>
+          <a:p>
+            <a:r>
+              <a:rPr lang="en-US" sz="3600" dirty="0"/>
+              <a:t>the wrong thing.</a:t>
+            </a:r>
+          </a:p>
+        </p:txBody>
+      </p:sp>
+      <p:pic>
+        <p:nvPicPr>
+          <p:cNvPr id="1026" name="Picture 2" descr="😅 Sweating Emoji Meaning with Pictures: from A to Z">
+            <a:extLst>
+              <a:ext uri="{FF2B5EF4-FFF2-40B4-BE49-F238E27FC236}">
+                <a16:creationId xmlns:a16="http://schemas.microsoft.com/office/drawing/2014/main" id="{076F46DB-FB28-4D58-A980-AB6BF225D0C4}"/>
+              </a:ext>
+            </a:extLst>
+          </p:cNvPr>
+          <p:cNvPicPr>
+            <a:picLocks noChangeAspect="1" noChangeArrowheads="1"/>
+          </p:cNvPicPr>
+          <p:nvPr/>
+        </p:nvPicPr>
+        <p:blipFill>
+          <a:blip r:embed="rId4">
+            <a:extLst>
+              <a:ext uri="{28A0092B-C50C-407E-A947-70E740481C1C}">
+                <a14:useLocalDpi xmlns:a14="http://schemas.microsoft.com/office/drawing/2010/main" val="0"/>
+              </a:ext>
+            </a:extLst>
+          </a:blip>
+          <a:srcRect/>
+          <a:stretch>
+            <a:fillRect/>
+          </a:stretch>
+        </p:blipFill>
+        <p:spPr bwMode="auto">
+          <a:xfrm>
+            <a:off x="4134834" y="1967197"/>
+            <a:ext cx="763075" cy="763075"/>
+          </a:xfrm>
+          <a:prstGeom prst="rect">
+            <a:avLst/>
+          </a:prstGeom>
+          <a:noFill/>
+          <a:extLst>
+            <a:ext uri="{909E8E84-426E-40DD-AFC4-6F175D3DCCD1}">
+              <a14:hiddenFill xmlns:a14="http://schemas.microsoft.com/office/drawing/2010/main">
+                <a:solidFill>
+                  <a:srgbClr val="FFFFFF"/>
+                </a:solidFill>
+              </a14:hiddenFill>
+            </a:ext>
+          </a:extLst>
+        </p:spPr>
+      </p:pic>
+      <p:sp>
+        <p:nvSpPr>
+          <p:cNvPr id="16" name="Oval 15">
+            <a:extLst>
+              <a:ext uri="{FF2B5EF4-FFF2-40B4-BE49-F238E27FC236}">
+                <a16:creationId xmlns:a16="http://schemas.microsoft.com/office/drawing/2014/main" id="{5C93BB17-A997-4E49-AF6A-E85BED93DFD3}"/>
+              </a:ext>
+            </a:extLst>
+          </p:cNvPr>
+          <p:cNvSpPr/>
+          <p:nvPr/>
+        </p:nvSpPr>
+        <p:spPr>
+          <a:xfrm>
+            <a:off x="1447803" y="5057380"/>
+            <a:ext cx="275892" cy="275892"/>
+          </a:xfrm>
+          <a:prstGeom prst="ellipse">
+            <a:avLst/>
+          </a:prstGeom>
+          <a:solidFill>
+            <a:schemeClr val="accent1">
+              <a:lumMod val="60000"/>
+              <a:lumOff val="40000"/>
+            </a:schemeClr>
+          </a:solidFill>
+          <a:ln>
+            <a:noFill/>
+          </a:ln>
+        </p:spPr>
+        <p:style>
+          <a:lnRef idx="2">
+            <a:schemeClr val="accent1">
+              <a:shade val="50000"/>
+            </a:schemeClr>
+          </a:lnRef>
+          <a:fillRef idx="1">
+            <a:schemeClr val="accent1"/>
+          </a:fillRef>
+          <a:effectRef idx="0">
+            <a:schemeClr val="accent1"/>
+          </a:effectRef>
+          <a:fontRef idx="minor">
+            <a:schemeClr val="lt1"/>
+          </a:fontRef>
+        </p:style>
+        <p:txBody>
+          <a:bodyPr rtlCol="0" anchor="ctr"/>
+          <a:lstStyle/>
+          <a:p>
+            <a:pPr algn="ctr"/>
+            <a:endParaRPr lang="en-US" sz="1400"/>
+          </a:p>
+        </p:txBody>
+      </p:sp>
+      <p:sp>
+        <p:nvSpPr>
+          <p:cNvPr id="21" name="TextBox 20">
+            <a:extLst>
+              <a:ext uri="{FF2B5EF4-FFF2-40B4-BE49-F238E27FC236}">
+                <a16:creationId xmlns:a16="http://schemas.microsoft.com/office/drawing/2014/main" id="{67DD3D48-6A91-4660-9377-780ECE60B6A9}"/>
+              </a:ext>
+            </a:extLst>
+          </p:cNvPr>
+          <p:cNvSpPr txBox="1"/>
+          <p:nvPr/>
+        </p:nvSpPr>
+        <p:spPr>
+          <a:xfrm>
+            <a:off x="1780615" y="4853284"/>
+            <a:ext cx="7610353" cy="646331"/>
+          </a:xfrm>
+          <a:prstGeom prst="rect">
+            <a:avLst/>
+          </a:prstGeom>
+          <a:noFill/>
+        </p:spPr>
+        <p:txBody>
+          <a:bodyPr wrap="none" rtlCol="0">
+            <a:spAutoFit/>
+          </a:bodyPr>
+          <a:lstStyle/>
+          <a:p>
+            <a:r>
+              <a:rPr lang="en-US" sz="3600" dirty="0"/>
+              <a:t>There is no one way to solve a problem.</a:t>
+            </a:r>
+          </a:p>
+        </p:txBody>
+      </p:sp>
+      <p:sp>
+        <p:nvSpPr>
+          <p:cNvPr id="24" name="Oval 23">
+            <a:extLst>
+              <a:ext uri="{FF2B5EF4-FFF2-40B4-BE49-F238E27FC236}">
+                <a16:creationId xmlns:a16="http://schemas.microsoft.com/office/drawing/2014/main" id="{C2636647-E61A-46FC-984B-F0871388B847}"/>
+              </a:ext>
+            </a:extLst>
+          </p:cNvPr>
+          <p:cNvSpPr/>
+          <p:nvPr/>
+        </p:nvSpPr>
+        <p:spPr>
+          <a:xfrm>
+            <a:off x="1441550" y="4274916"/>
+            <a:ext cx="275892" cy="275892"/>
+          </a:xfrm>
+          <a:prstGeom prst="ellipse">
+            <a:avLst/>
+          </a:prstGeom>
+          <a:solidFill>
+            <a:schemeClr val="accent1">
+              <a:lumMod val="60000"/>
+              <a:lumOff val="40000"/>
+            </a:schemeClr>
+          </a:solidFill>
+          <a:ln>
+            <a:noFill/>
+          </a:ln>
+        </p:spPr>
+        <p:style>
+          <a:lnRef idx="2">
+            <a:schemeClr val="accent1">
+              <a:shade val="50000"/>
+            </a:schemeClr>
+          </a:lnRef>
+          <a:fillRef idx="1">
+            <a:schemeClr val="accent1"/>
+          </a:fillRef>
+          <a:effectRef idx="0">
+            <a:schemeClr val="accent1"/>
+          </a:effectRef>
+          <a:fontRef idx="minor">
+            <a:schemeClr val="lt1"/>
+          </a:fontRef>
+        </p:style>
+        <p:txBody>
+          <a:bodyPr rtlCol="0" anchor="ctr"/>
+          <a:lstStyle/>
+          <a:p>
+            <a:pPr algn="ctr"/>
+            <a:endParaRPr lang="en-US" sz="1400"/>
+          </a:p>
+        </p:txBody>
+      </p:sp>
+      <p:sp>
+        <p:nvSpPr>
+          <p:cNvPr id="25" name="TextBox 24">
+            <a:extLst>
+              <a:ext uri="{FF2B5EF4-FFF2-40B4-BE49-F238E27FC236}">
+                <a16:creationId xmlns:a16="http://schemas.microsoft.com/office/drawing/2014/main" id="{81A603DE-CF37-41F5-8B7D-97E8933CD4DF}"/>
+              </a:ext>
+            </a:extLst>
+          </p:cNvPr>
+          <p:cNvSpPr txBox="1"/>
+          <p:nvPr/>
+        </p:nvSpPr>
+        <p:spPr>
+          <a:xfrm>
+            <a:off x="1903477" y="4091884"/>
+            <a:ext cx="4203395" cy="646331"/>
+          </a:xfrm>
+          <a:prstGeom prst="rect">
+            <a:avLst/>
+          </a:prstGeom>
+          <a:noFill/>
+        </p:spPr>
+        <p:txBody>
+          <a:bodyPr wrap="none" rtlCol="0">
+            <a:spAutoFit/>
+          </a:bodyPr>
+          <a:lstStyle/>
+          <a:p>
+            <a:r>
+              <a:rPr lang="en-US" sz="3600" dirty="0"/>
+              <a:t>Work smart not hard.</a:t>
+            </a:r>
+          </a:p>
+        </p:txBody>
+      </p:sp>
+    </p:spTree>
+    <p:extLst>
+      <p:ext uri="{BB962C8B-B14F-4D97-AF65-F5344CB8AC3E}">
+        <p14:creationId xmlns:p14="http://schemas.microsoft.com/office/powerpoint/2010/main" val="940170702"/>
+      </p:ext>
+    </p:extLst>
+  </p:cSld>
+  <p:clrMapOvr>
+    <a:masterClrMapping/>
+  </p:clrMapOvr>
+  <p:timing>
+    <p:tnLst>
+      <p:par>
+        <p:cTn id="1" dur="indefinite" restart="never" nodeType="tmRoot">
+          <p:childTnLst>
+            <p:seq concurrent="1" nextAc="seek">
+              <p:cTn id="2" dur="indefinite" nodeType="mainSeq">
+                <p:childTnLst>
+                  <p:par>
+                    <p:cTn id="3" fill="hold">
+                      <p:stCondLst>
+                        <p:cond delay="indefinite"/>
+                        <p:cond evt="onBegin" delay="0">
+                          <p:tn val="2"/>
+                        </p:cond>
+                      </p:stCondLst>
+                      <p:childTnLst>
+                        <p:par>
+                          <p:cTn id="4" fill="hold">
+                            <p:stCondLst>
+                              <p:cond delay="0"/>
+                            </p:stCondLst>
+                            <p:childTnLst>
+                              <p:par>
+                                <p:cTn id="5" presetID="22" presetClass="entr" presetSubtype="8" fill="hold" grpId="0" nodeType="afterEffect">
+                                  <p:stCondLst>
+                                    <p:cond delay="0"/>
+                                  </p:stCondLst>
+                                  <p:childTnLst>
+                                    <p:set>
+                                      <p:cBhvr>
+                                        <p:cTn id="6" dur="1" fill="hold">
+                                          <p:stCondLst>
+                                            <p:cond delay="0"/>
+                                          </p:stCondLst>
+                                        </p:cTn>
+                                        <p:tgtEl>
+                                          <p:spTgt spid="9"/>
+                                        </p:tgtEl>
+                                        <p:attrNameLst>
+                                          <p:attrName>style.visibility</p:attrName>
+                                        </p:attrNameLst>
+                                      </p:cBhvr>
+                                      <p:to>
+                                        <p:strVal val="visible"/>
+                                      </p:to>
+                                    </p:set>
+                                    <p:animEffect transition="in" filter="wipe(left)">
+                                      <p:cBhvr>
+                                        <p:cTn id="7" dur="500"/>
+                                        <p:tgtEl>
+                                          <p:spTgt spid="9"/>
+                                        </p:tgtEl>
+                                      </p:cBhvr>
+                                    </p:animEffect>
+                                  </p:childTnLst>
+                                </p:cTn>
+                              </p:par>
+                            </p:childTnLst>
+                          </p:cTn>
+                        </p:par>
+                      </p:childTnLst>
+                    </p:cTn>
+                  </p:par>
+                  <p:par>
+                    <p:cTn id="8" fill="hold">
+                      <p:stCondLst>
+                        <p:cond delay="indefinite"/>
+                      </p:stCondLst>
+                      <p:childTnLst>
+                        <p:par>
+                          <p:cTn id="9" fill="hold">
+                            <p:stCondLst>
+                              <p:cond delay="0"/>
+                            </p:stCondLst>
+                            <p:childTnLst>
+                              <p:par>
+                                <p:cTn id="10" presetID="53" presetClass="entr" presetSubtype="16" fill="hold" grpId="0" nodeType="clickEffect">
+                                  <p:stCondLst>
+                                    <p:cond delay="0"/>
+                                  </p:stCondLst>
+                                  <p:childTnLst>
+                                    <p:set>
+                                      <p:cBhvr>
+                                        <p:cTn id="11" dur="1" fill="hold">
+                                          <p:stCondLst>
+                                            <p:cond delay="0"/>
+                                          </p:stCondLst>
+                                        </p:cTn>
+                                        <p:tgtEl>
+                                          <p:spTgt spid="12"/>
+                                        </p:tgtEl>
+                                        <p:attrNameLst>
+                                          <p:attrName>style.visibility</p:attrName>
+                                        </p:attrNameLst>
+                                      </p:cBhvr>
+                                      <p:to>
+                                        <p:strVal val="visible"/>
+                                      </p:to>
+                                    </p:set>
+                                    <p:anim calcmode="lin" valueType="num">
+                                      <p:cBhvr>
+                                        <p:cTn id="12" dur="500" fill="hold"/>
+                                        <p:tgtEl>
+                                          <p:spTgt spid="12"/>
+                                        </p:tgtEl>
+                                        <p:attrNameLst>
+                                          <p:attrName>ppt_w</p:attrName>
+                                        </p:attrNameLst>
+                                      </p:cBhvr>
+                                      <p:tavLst>
+                                        <p:tav tm="0">
+                                          <p:val>
+                                            <p:fltVal val="0"/>
+                                          </p:val>
+                                        </p:tav>
+                                        <p:tav tm="100000">
+                                          <p:val>
+                                            <p:strVal val="#ppt_w"/>
+                                          </p:val>
+                                        </p:tav>
+                                      </p:tavLst>
+                                    </p:anim>
+                                    <p:anim calcmode="lin" valueType="num">
+                                      <p:cBhvr>
+                                        <p:cTn id="13" dur="500" fill="hold"/>
+                                        <p:tgtEl>
+                                          <p:spTgt spid="12"/>
+                                        </p:tgtEl>
+                                        <p:attrNameLst>
+                                          <p:attrName>ppt_h</p:attrName>
+                                        </p:attrNameLst>
+                                      </p:cBhvr>
+                                      <p:tavLst>
+                                        <p:tav tm="0">
+                                          <p:val>
+                                            <p:fltVal val="0"/>
+                                          </p:val>
+                                        </p:tav>
+                                        <p:tav tm="100000">
+                                          <p:val>
+                                            <p:strVal val="#ppt_h"/>
+                                          </p:val>
+                                        </p:tav>
+                                      </p:tavLst>
+                                    </p:anim>
+                                    <p:animEffect transition="in" filter="fade">
+                                      <p:cBhvr>
+                                        <p:cTn id="14" dur="500"/>
+                                        <p:tgtEl>
+                                          <p:spTgt spid="12"/>
+                                        </p:tgtEl>
+                                      </p:cBhvr>
+                                    </p:animEffect>
+                                  </p:childTnLst>
+                                </p:cTn>
+                              </p:par>
+                            </p:childTnLst>
+                          </p:cTn>
+                        </p:par>
+                        <p:par>
+                          <p:cTn id="15" fill="hold">
+                            <p:stCondLst>
+                              <p:cond delay="500"/>
+                            </p:stCondLst>
+                            <p:childTnLst>
+                              <p:par>
+                                <p:cTn id="16" presetID="22" presetClass="entr" presetSubtype="8" fill="hold" grpId="0" nodeType="afterEffect">
+                                  <p:stCondLst>
+                                    <p:cond delay="0"/>
+                                  </p:stCondLst>
+                                  <p:childTnLst>
+                                    <p:set>
+                                      <p:cBhvr>
+                                        <p:cTn id="17" dur="1" fill="hold">
+                                          <p:stCondLst>
+                                            <p:cond delay="0"/>
+                                          </p:stCondLst>
+                                        </p:cTn>
+                                        <p:tgtEl>
+                                          <p:spTgt spid="13"/>
+                                        </p:tgtEl>
+                                        <p:attrNameLst>
+                                          <p:attrName>style.visibility</p:attrName>
+                                        </p:attrNameLst>
+                                      </p:cBhvr>
+                                      <p:to>
+                                        <p:strVal val="visible"/>
+                                      </p:to>
+                                    </p:set>
+                                    <p:animEffect transition="in" filter="wipe(left)">
+                                      <p:cBhvr>
+                                        <p:cTn id="18" dur="500"/>
+                                        <p:tgtEl>
+                                          <p:spTgt spid="13"/>
+                                        </p:tgtEl>
+                                      </p:cBhvr>
+                                    </p:animEffect>
+                                  </p:childTnLst>
+                                </p:cTn>
+                              </p:par>
+                            </p:childTnLst>
+                          </p:cTn>
+                        </p:par>
+                        <p:par>
+                          <p:cTn id="19" fill="hold">
+                            <p:stCondLst>
+                              <p:cond delay="1000"/>
+                            </p:stCondLst>
+                            <p:childTnLst>
+                              <p:par>
+                                <p:cTn id="20" presetID="53" presetClass="entr" presetSubtype="16" fill="hold" nodeType="afterEffect">
+                                  <p:stCondLst>
+                                    <p:cond delay="0"/>
+                                  </p:stCondLst>
+                                  <p:childTnLst>
+                                    <p:set>
+                                      <p:cBhvr>
+                                        <p:cTn id="21" dur="1" fill="hold">
+                                          <p:stCondLst>
+                                            <p:cond delay="0"/>
+                                          </p:stCondLst>
+                                        </p:cTn>
+                                        <p:tgtEl>
+                                          <p:spTgt spid="1026"/>
+                                        </p:tgtEl>
+                                        <p:attrNameLst>
+                                          <p:attrName>style.visibility</p:attrName>
+                                        </p:attrNameLst>
+                                      </p:cBhvr>
+                                      <p:to>
+                                        <p:strVal val="visible"/>
+                                      </p:to>
+                                    </p:set>
+                                    <p:anim calcmode="lin" valueType="num">
+                                      <p:cBhvr>
+                                        <p:cTn id="22" dur="500" fill="hold"/>
+                                        <p:tgtEl>
+                                          <p:spTgt spid="1026"/>
+                                        </p:tgtEl>
+                                        <p:attrNameLst>
+                                          <p:attrName>ppt_w</p:attrName>
+                                        </p:attrNameLst>
+                                      </p:cBhvr>
+                                      <p:tavLst>
+                                        <p:tav tm="0">
+                                          <p:val>
+                                            <p:fltVal val="0"/>
+                                          </p:val>
+                                        </p:tav>
+                                        <p:tav tm="100000">
+                                          <p:val>
+                                            <p:strVal val="#ppt_w"/>
+                                          </p:val>
+                                        </p:tav>
+                                      </p:tavLst>
+                                    </p:anim>
+                                    <p:anim calcmode="lin" valueType="num">
+                                      <p:cBhvr>
+                                        <p:cTn id="23" dur="500" fill="hold"/>
+                                        <p:tgtEl>
+                                          <p:spTgt spid="1026"/>
+                                        </p:tgtEl>
+                                        <p:attrNameLst>
+                                          <p:attrName>ppt_h</p:attrName>
+                                        </p:attrNameLst>
+                                      </p:cBhvr>
+                                      <p:tavLst>
+                                        <p:tav tm="0">
+                                          <p:val>
+                                            <p:fltVal val="0"/>
+                                          </p:val>
+                                        </p:tav>
+                                        <p:tav tm="100000">
+                                          <p:val>
+                                            <p:strVal val="#ppt_h"/>
+                                          </p:val>
+                                        </p:tav>
+                                      </p:tavLst>
+                                    </p:anim>
+                                    <p:animEffect transition="in" filter="fade">
+                                      <p:cBhvr>
+                                        <p:cTn id="24" dur="500"/>
+                                        <p:tgtEl>
+                                          <p:spTgt spid="1026"/>
+                                        </p:tgtEl>
+                                      </p:cBhvr>
+                                    </p:animEffect>
+                                  </p:childTnLst>
+                                </p:cTn>
+                              </p:par>
+                            </p:childTnLst>
+                          </p:cTn>
+                        </p:par>
+                      </p:childTnLst>
+                    </p:cTn>
+                  </p:par>
+                  <p:par>
+                    <p:cTn id="25" fill="hold">
+                      <p:stCondLst>
+                        <p:cond delay="indefinite"/>
+                      </p:stCondLst>
+                      <p:childTnLst>
+                        <p:par>
+                          <p:cTn id="26" fill="hold">
+                            <p:stCondLst>
+                              <p:cond delay="0"/>
+                            </p:stCondLst>
+                            <p:childTnLst>
+                              <p:par>
+                                <p:cTn id="27" presetID="53" presetClass="entr" presetSubtype="16" fill="hold" grpId="0" nodeType="clickEffect">
+                                  <p:stCondLst>
+                                    <p:cond delay="0"/>
+                                  </p:stCondLst>
+                                  <p:childTnLst>
+                                    <p:set>
+                                      <p:cBhvr>
+                                        <p:cTn id="28" dur="1" fill="hold">
+                                          <p:stCondLst>
+                                            <p:cond delay="0"/>
+                                          </p:stCondLst>
+                                        </p:cTn>
+                                        <p:tgtEl>
+                                          <p:spTgt spid="18"/>
+                                        </p:tgtEl>
+                                        <p:attrNameLst>
+                                          <p:attrName>style.visibility</p:attrName>
+                                        </p:attrNameLst>
+                                      </p:cBhvr>
+                                      <p:to>
+                                        <p:strVal val="visible"/>
+                                      </p:to>
+                                    </p:set>
+                                    <p:anim calcmode="lin" valueType="num">
+                                      <p:cBhvr>
+                                        <p:cTn id="29" dur="500" fill="hold"/>
+                                        <p:tgtEl>
+                                          <p:spTgt spid="18"/>
+                                        </p:tgtEl>
+                                        <p:attrNameLst>
+                                          <p:attrName>ppt_w</p:attrName>
+                                        </p:attrNameLst>
+                                      </p:cBhvr>
+                                      <p:tavLst>
+                                        <p:tav tm="0">
+                                          <p:val>
+                                            <p:fltVal val="0"/>
+                                          </p:val>
+                                        </p:tav>
+                                        <p:tav tm="100000">
+                                          <p:val>
+                                            <p:strVal val="#ppt_w"/>
+                                          </p:val>
+                                        </p:tav>
+                                      </p:tavLst>
+                                    </p:anim>
+                                    <p:anim calcmode="lin" valueType="num">
+                                      <p:cBhvr>
+                                        <p:cTn id="30" dur="500" fill="hold"/>
+                                        <p:tgtEl>
+                                          <p:spTgt spid="18"/>
+                                        </p:tgtEl>
+                                        <p:attrNameLst>
+                                          <p:attrName>ppt_h</p:attrName>
+                                        </p:attrNameLst>
+                                      </p:cBhvr>
+                                      <p:tavLst>
+                                        <p:tav tm="0">
+                                          <p:val>
+                                            <p:fltVal val="0"/>
+                                          </p:val>
+                                        </p:tav>
+                                        <p:tav tm="100000">
+                                          <p:val>
+                                            <p:strVal val="#ppt_h"/>
+                                          </p:val>
+                                        </p:tav>
+                                      </p:tavLst>
+                                    </p:anim>
+                                    <p:animEffect transition="in" filter="fade">
+                                      <p:cBhvr>
+                                        <p:cTn id="31" dur="500"/>
+                                        <p:tgtEl>
+                                          <p:spTgt spid="18"/>
+                                        </p:tgtEl>
+                                      </p:cBhvr>
+                                    </p:animEffect>
+                                  </p:childTnLst>
+                                </p:cTn>
+                              </p:par>
+                            </p:childTnLst>
+                          </p:cTn>
+                        </p:par>
+                        <p:par>
+                          <p:cTn id="32" fill="hold">
+                            <p:stCondLst>
+                              <p:cond delay="500"/>
+                            </p:stCondLst>
+                            <p:childTnLst>
+                              <p:par>
+                                <p:cTn id="33" presetID="22" presetClass="entr" presetSubtype="8" fill="hold" grpId="0" nodeType="afterEffect">
+                                  <p:stCondLst>
+                                    <p:cond delay="0"/>
+                                  </p:stCondLst>
+                                  <p:childTnLst>
+                                    <p:set>
+                                      <p:cBhvr>
+                                        <p:cTn id="34" dur="1" fill="hold">
+                                          <p:stCondLst>
+                                            <p:cond delay="0"/>
+                                          </p:stCondLst>
+                                        </p:cTn>
+                                        <p:tgtEl>
+                                          <p:spTgt spid="19"/>
+                                        </p:tgtEl>
+                                        <p:attrNameLst>
+                                          <p:attrName>style.visibility</p:attrName>
+                                        </p:attrNameLst>
+                                      </p:cBhvr>
+                                      <p:to>
+                                        <p:strVal val="visible"/>
+                                      </p:to>
+                                    </p:set>
+                                    <p:animEffect transition="in" filter="wipe(left)">
+                                      <p:cBhvr>
+                                        <p:cTn id="35" dur="500"/>
+                                        <p:tgtEl>
+                                          <p:spTgt spid="19"/>
+                                        </p:tgtEl>
+                                      </p:cBhvr>
+                                    </p:animEffect>
+                                  </p:childTnLst>
+                                </p:cTn>
+                              </p:par>
+                            </p:childTnLst>
+                          </p:cTn>
+                        </p:par>
+                      </p:childTnLst>
+                    </p:cTn>
+                  </p:par>
+                  <p:par>
+                    <p:cTn id="36" fill="hold">
+                      <p:stCondLst>
+                        <p:cond delay="indefinite"/>
+                      </p:stCondLst>
+                      <p:childTnLst>
+                        <p:par>
+                          <p:cTn id="37" fill="hold">
+                            <p:stCondLst>
+                              <p:cond delay="0"/>
+                            </p:stCondLst>
+                            <p:childTnLst>
+                              <p:par>
+                                <p:cTn id="38" presetID="53" presetClass="entr" presetSubtype="16" fill="hold" grpId="0" nodeType="clickEffect">
+                                  <p:stCondLst>
+                                    <p:cond delay="0"/>
+                                  </p:stCondLst>
+                                  <p:childTnLst>
+                                    <p:set>
+                                      <p:cBhvr>
+                                        <p:cTn id="39" dur="1" fill="hold">
+                                          <p:stCondLst>
+                                            <p:cond delay="0"/>
+                                          </p:stCondLst>
+                                        </p:cTn>
+                                        <p:tgtEl>
+                                          <p:spTgt spid="24"/>
+                                        </p:tgtEl>
+                                        <p:attrNameLst>
+                                          <p:attrName>style.visibility</p:attrName>
+                                        </p:attrNameLst>
+                                      </p:cBhvr>
+                                      <p:to>
+                                        <p:strVal val="visible"/>
+                                      </p:to>
+                                    </p:set>
+                                    <p:anim calcmode="lin" valueType="num">
+                                      <p:cBhvr>
+                                        <p:cTn id="40" dur="500" fill="hold"/>
+                                        <p:tgtEl>
+                                          <p:spTgt spid="24"/>
+                                        </p:tgtEl>
+                                        <p:attrNameLst>
+                                          <p:attrName>ppt_w</p:attrName>
+                                        </p:attrNameLst>
+                                      </p:cBhvr>
+                                      <p:tavLst>
+                                        <p:tav tm="0">
+                                          <p:val>
+                                            <p:fltVal val="0"/>
+                                          </p:val>
+                                        </p:tav>
+                                        <p:tav tm="100000">
+                                          <p:val>
+                                            <p:strVal val="#ppt_w"/>
+                                          </p:val>
+                                        </p:tav>
+                                      </p:tavLst>
+                                    </p:anim>
+                                    <p:anim calcmode="lin" valueType="num">
+                                      <p:cBhvr>
+                                        <p:cTn id="41" dur="500" fill="hold"/>
+                                        <p:tgtEl>
+                                          <p:spTgt spid="24"/>
+                                        </p:tgtEl>
+                                        <p:attrNameLst>
+                                          <p:attrName>ppt_h</p:attrName>
+                                        </p:attrNameLst>
+                                      </p:cBhvr>
+                                      <p:tavLst>
+                                        <p:tav tm="0">
+                                          <p:val>
+                                            <p:fltVal val="0"/>
+                                          </p:val>
+                                        </p:tav>
+                                        <p:tav tm="100000">
+                                          <p:val>
+                                            <p:strVal val="#ppt_h"/>
+                                          </p:val>
+                                        </p:tav>
+                                      </p:tavLst>
+                                    </p:anim>
+                                    <p:animEffect transition="in" filter="fade">
+                                      <p:cBhvr>
+                                        <p:cTn id="42" dur="500"/>
+                                        <p:tgtEl>
+                                          <p:spTgt spid="24"/>
+                                        </p:tgtEl>
+                                      </p:cBhvr>
+                                    </p:animEffect>
+                                  </p:childTnLst>
+                                </p:cTn>
+                              </p:par>
+                            </p:childTnLst>
+                          </p:cTn>
+                        </p:par>
+                        <p:par>
+                          <p:cTn id="43" fill="hold">
+                            <p:stCondLst>
+                              <p:cond delay="500"/>
+                            </p:stCondLst>
+                            <p:childTnLst>
+                              <p:par>
+                                <p:cTn id="44" presetID="22" presetClass="entr" presetSubtype="8" fill="hold" grpId="0" nodeType="afterEffect">
+                                  <p:stCondLst>
+                                    <p:cond delay="0"/>
+                                  </p:stCondLst>
+                                  <p:childTnLst>
+                                    <p:set>
+                                      <p:cBhvr>
+                                        <p:cTn id="45" dur="1" fill="hold">
+                                          <p:stCondLst>
+                                            <p:cond delay="0"/>
+                                          </p:stCondLst>
+                                        </p:cTn>
+                                        <p:tgtEl>
+                                          <p:spTgt spid="25"/>
+                                        </p:tgtEl>
+                                        <p:attrNameLst>
+                                          <p:attrName>style.visibility</p:attrName>
+                                        </p:attrNameLst>
+                                      </p:cBhvr>
+                                      <p:to>
+                                        <p:strVal val="visible"/>
+                                      </p:to>
+                                    </p:set>
+                                    <p:animEffect transition="in" filter="wipe(left)">
+                                      <p:cBhvr>
+                                        <p:cTn id="46" dur="500"/>
+                                        <p:tgtEl>
+                                          <p:spTgt spid="25"/>
+                                        </p:tgtEl>
+                                      </p:cBhvr>
+                                    </p:animEffect>
+                                  </p:childTnLst>
+                                </p:cTn>
+                              </p:par>
+                            </p:childTnLst>
+                          </p:cTn>
+                        </p:par>
+                      </p:childTnLst>
+                    </p:cTn>
+                  </p:par>
+                  <p:par>
+                    <p:cTn id="47" fill="hold">
+                      <p:stCondLst>
+                        <p:cond delay="indefinite"/>
+                      </p:stCondLst>
+                      <p:childTnLst>
+                        <p:par>
+                          <p:cTn id="48" fill="hold">
+                            <p:stCondLst>
+                              <p:cond delay="0"/>
+                            </p:stCondLst>
+                            <p:childTnLst>
+                              <p:par>
+                                <p:cTn id="49" presetID="53" presetClass="entr" presetSubtype="16" fill="hold" grpId="0" nodeType="clickEffect">
+                                  <p:stCondLst>
+                                    <p:cond delay="0"/>
+                                  </p:stCondLst>
+                                  <p:childTnLst>
+                                    <p:set>
+                                      <p:cBhvr>
+                                        <p:cTn id="50" dur="1" fill="hold">
+                                          <p:stCondLst>
+                                            <p:cond delay="0"/>
+                                          </p:stCondLst>
+                                        </p:cTn>
+                                        <p:tgtEl>
+                                          <p:spTgt spid="16"/>
+                                        </p:tgtEl>
+                                        <p:attrNameLst>
+                                          <p:attrName>style.visibility</p:attrName>
+                                        </p:attrNameLst>
+                                      </p:cBhvr>
+                                      <p:to>
+                                        <p:strVal val="visible"/>
+                                      </p:to>
+                                    </p:set>
+                                    <p:anim calcmode="lin" valueType="num">
+                                      <p:cBhvr>
+                                        <p:cTn id="51" dur="500" fill="hold"/>
+                                        <p:tgtEl>
+                                          <p:spTgt spid="16"/>
+                                        </p:tgtEl>
+                                        <p:attrNameLst>
+                                          <p:attrName>ppt_w</p:attrName>
+                                        </p:attrNameLst>
+                                      </p:cBhvr>
+                                      <p:tavLst>
+                                        <p:tav tm="0">
+                                          <p:val>
+                                            <p:fltVal val="0"/>
+                                          </p:val>
+                                        </p:tav>
+                                        <p:tav tm="100000">
+                                          <p:val>
+                                            <p:strVal val="#ppt_w"/>
+                                          </p:val>
+                                        </p:tav>
+                                      </p:tavLst>
+                                    </p:anim>
+                                    <p:anim calcmode="lin" valueType="num">
+                                      <p:cBhvr>
+                                        <p:cTn id="52" dur="500" fill="hold"/>
+                                        <p:tgtEl>
+                                          <p:spTgt spid="16"/>
+                                        </p:tgtEl>
+                                        <p:attrNameLst>
+                                          <p:attrName>ppt_h</p:attrName>
+                                        </p:attrNameLst>
+                                      </p:cBhvr>
+                                      <p:tavLst>
+                                        <p:tav tm="0">
+                                          <p:val>
+                                            <p:fltVal val="0"/>
+                                          </p:val>
+                                        </p:tav>
+                                        <p:tav tm="100000">
+                                          <p:val>
+                                            <p:strVal val="#ppt_h"/>
+                                          </p:val>
+                                        </p:tav>
+                                      </p:tavLst>
+                                    </p:anim>
+                                    <p:animEffect transition="in" filter="fade">
+                                      <p:cBhvr>
+                                        <p:cTn id="53" dur="500"/>
+                                        <p:tgtEl>
+                                          <p:spTgt spid="16"/>
+                                        </p:tgtEl>
+                                      </p:cBhvr>
+                                    </p:animEffect>
+                                  </p:childTnLst>
+                                </p:cTn>
+                              </p:par>
+                            </p:childTnLst>
+                          </p:cTn>
+                        </p:par>
+                        <p:par>
+                          <p:cTn id="54" fill="hold">
+                            <p:stCondLst>
+                              <p:cond delay="500"/>
+                            </p:stCondLst>
+                            <p:childTnLst>
+                              <p:par>
+                                <p:cTn id="55" presetID="22" presetClass="entr" presetSubtype="8" fill="hold" grpId="0" nodeType="afterEffect">
+                                  <p:stCondLst>
+                                    <p:cond delay="0"/>
+                                  </p:stCondLst>
+                                  <p:childTnLst>
+                                    <p:set>
+                                      <p:cBhvr>
+                                        <p:cTn id="56" dur="1" fill="hold">
+                                          <p:stCondLst>
+                                            <p:cond delay="0"/>
+                                          </p:stCondLst>
+                                        </p:cTn>
+                                        <p:tgtEl>
+                                          <p:spTgt spid="21"/>
+                                        </p:tgtEl>
+                                        <p:attrNameLst>
+                                          <p:attrName>style.visibility</p:attrName>
+                                        </p:attrNameLst>
+                                      </p:cBhvr>
+                                      <p:to>
+                                        <p:strVal val="visible"/>
+                                      </p:to>
+                                    </p:set>
+                                    <p:animEffect transition="in" filter="wipe(left)">
+                                      <p:cBhvr>
+                                        <p:cTn id="57" dur="500"/>
+                                        <p:tgtEl>
+                                          <p:spTgt spid="21"/>
+                                        </p:tgtEl>
+                                      </p:cBhvr>
+                                    </p:animEffect>
+                                  </p:childTnLst>
+                                </p:cTn>
+                              </p:par>
+                            </p:childTnLst>
+                          </p:cTn>
+                        </p:par>
+                      </p:childTnLst>
+                    </p:cTn>
+                  </p:par>
+                </p:childTnLst>
+              </p:cTn>
+              <p:prevCondLst>
+                <p:cond evt="onPrev" delay="0">
+                  <p:tgtEl>
+                    <p:sldTgt/>
+                  </p:tgtEl>
+                </p:cond>
+              </p:prevCondLst>
+              <p:nextCondLst>
+                <p:cond evt="onNext" delay="0">
+                  <p:tgtEl>
+                    <p:sldTgt/>
+                  </p:tgtEl>
+                </p:cond>
+              </p:nextCondLst>
+            </p:seq>
+          </p:childTnLst>
+        </p:cTn>
+      </p:par>
+    </p:tnLst>
+    <p:bldLst>
+      <p:bldP spid="9" grpId="0"/>
+      <p:bldP spid="12" grpId="0" animBg="1"/>
+      <p:bldP spid="13" grpId="0"/>
+      <p:bldP spid="18" grpId="0" animBg="1"/>
+      <p:bldP spid="19" grpId="0"/>
+      <p:bldP spid="16" grpId="0" animBg="1"/>
+      <p:bldP spid="21" grpId="0"/>
+      <p:bldP spid="24" grpId="0" animBg="1"/>
+      <p:bldP spid="25" grpId="0"/>
+    </p:bldLst>
+  </p:timing>
+</p:sld>
+</file>
+
+<file path=ppt/slides/slide24.xml><?xml version="1.0" encoding="utf-8"?>
+<p:sld xmlns:a="http://schemas.openxmlformats.org/drawingml/2006/main" xmlns:r="http://schemas.openxmlformats.org/officeDocument/2006/relationships" xmlns:p="http://schemas.openxmlformats.org/presentationml/2006/main">
+  <p:cSld>
+    <p:spTree>
+      <p:nvGrpSpPr>
+        <p:cNvPr id="1" name=""/>
+        <p:cNvGrpSpPr/>
+        <p:nvPr/>
+      </p:nvGrpSpPr>
+      <p:grpSpPr>
+        <a:xfrm>
+          <a:off x="0" y="0"/>
+          <a:ext cx="0" cy="0"/>
+          <a:chOff x="0" y="0"/>
+          <a:chExt cx="0" cy="0"/>
+        </a:xfrm>
+      </p:grpSpPr>
+      <p:pic>
+        <p:nvPicPr>
+          <p:cNvPr id="1028" name="Picture 4" descr="Lessons Learned | Expert online Integrity and Compliance Training">
+            <a:extLst>
+              <a:ext uri="{FF2B5EF4-FFF2-40B4-BE49-F238E27FC236}">
+                <a16:creationId xmlns:a16="http://schemas.microsoft.com/office/drawing/2014/main" id="{956B1539-E450-461F-B1AC-C1723D7CE900}"/>
+              </a:ext>
+            </a:extLst>
+          </p:cNvPr>
+          <p:cNvPicPr>
+            <a:picLocks noChangeAspect="1" noChangeArrowheads="1"/>
+          </p:cNvPicPr>
+          <p:nvPr/>
+        </p:nvPicPr>
+        <p:blipFill>
+          <a:blip r:embed="rId2">
+            <a:extLst>
+              <a:ext uri="{28A0092B-C50C-407E-A947-70E740481C1C}">
+                <a14:useLocalDpi xmlns:a14="http://schemas.microsoft.com/office/drawing/2010/main" val="0"/>
+              </a:ext>
+            </a:extLst>
+          </a:blip>
+          <a:srcRect/>
+          <a:stretch>
+            <a:fillRect/>
+          </a:stretch>
+        </p:blipFill>
+        <p:spPr bwMode="auto">
+          <a:xfrm>
+            <a:off x="8944586" y="-9781"/>
+            <a:ext cx="3247414" cy="2035351"/>
+          </a:xfrm>
+          <a:prstGeom prst="rect">
+            <a:avLst/>
+          </a:prstGeom>
+          <a:noFill/>
+          <a:extLst>
+            <a:ext uri="{909E8E84-426E-40DD-AFC4-6F175D3DCCD1}">
+              <a14:hiddenFill xmlns:a14="http://schemas.microsoft.com/office/drawing/2010/main">
+                <a:solidFill>
+                  <a:srgbClr val="FFFFFF"/>
+                </a:solidFill>
+              </a14:hiddenFill>
+            </a:ext>
+          </a:extLst>
+        </p:spPr>
+      </p:pic>
+      <p:pic>
+        <p:nvPicPr>
+          <p:cNvPr id="4" name="Picture 2">
+            <a:extLst>
+              <a:ext uri="{FF2B5EF4-FFF2-40B4-BE49-F238E27FC236}">
+                <a16:creationId xmlns:a16="http://schemas.microsoft.com/office/drawing/2014/main" id="{BD7A6457-514A-41B6-BBCD-0B35A2C29DB5}"/>
+              </a:ext>
+            </a:extLst>
+          </p:cNvPr>
+          <p:cNvPicPr>
+            <a:picLocks noChangeAspect="1" noChangeArrowheads="1"/>
+          </p:cNvPicPr>
+          <p:nvPr/>
+        </p:nvPicPr>
+        <p:blipFill>
+          <a:blip r:embed="rId3">
+            <a:extLst>
+              <a:ext uri="{28A0092B-C50C-407E-A947-70E740481C1C}">
+                <a14:useLocalDpi xmlns:a14="http://schemas.microsoft.com/office/drawing/2010/main" val="0"/>
+              </a:ext>
+            </a:extLst>
+          </a:blip>
+          <a:srcRect/>
+          <a:stretch>
+            <a:fillRect/>
+          </a:stretch>
+        </p:blipFill>
+        <p:spPr bwMode="auto">
+          <a:xfrm>
+            <a:off x="0" y="5805814"/>
+            <a:ext cx="2588377" cy="1052186"/>
+          </a:xfrm>
+          <a:prstGeom prst="rect">
+            <a:avLst/>
+          </a:prstGeom>
+          <a:noFill/>
+          <a:extLst>
+            <a:ext uri="{909E8E84-426E-40DD-AFC4-6F175D3DCCD1}">
+              <a14:hiddenFill xmlns:a14="http://schemas.microsoft.com/office/drawing/2010/main">
+                <a:solidFill>
+                  <a:srgbClr val="FFFFFF"/>
+                </a:solidFill>
+              </a14:hiddenFill>
+            </a:ext>
+          </a:extLst>
+        </p:spPr>
+      </p:pic>
+      <p:sp>
+        <p:nvSpPr>
+          <p:cNvPr id="3" name="Rectangle 2">
+            <a:extLst>
+              <a:ext uri="{FF2B5EF4-FFF2-40B4-BE49-F238E27FC236}">
+                <a16:creationId xmlns:a16="http://schemas.microsoft.com/office/drawing/2014/main" id="{059ECD1A-6982-4309-8F60-AEAB6A5A6B7C}"/>
+              </a:ext>
+            </a:extLst>
+          </p:cNvPr>
+          <p:cNvSpPr/>
+          <p:nvPr/>
+        </p:nvSpPr>
+        <p:spPr>
+          <a:xfrm>
+            <a:off x="847715" y="303599"/>
+            <a:ext cx="2323072" cy="830997"/>
+          </a:xfrm>
+          <a:prstGeom prst="rect">
+            <a:avLst/>
+          </a:prstGeom>
+          <a:noFill/>
+        </p:spPr>
+        <p:txBody>
+          <a:bodyPr wrap="none" rtlCol="0">
+            <a:spAutoFit/>
+          </a:bodyPr>
+          <a:lstStyle/>
+          <a:p>
+            <a:r>
+              <a:rPr lang="en-US" sz="4800" b="1" dirty="0">
+                <a:solidFill>
+                  <a:schemeClr val="accent1">
+                    <a:lumMod val="50000"/>
+                  </a:schemeClr>
+                </a:solidFill>
+                <a:latin typeface="-apple-system"/>
+              </a:rPr>
+              <a:t>Phase 3:</a:t>
+            </a:r>
+          </a:p>
+        </p:txBody>
+      </p:sp>
+      <p:cxnSp>
+        <p:nvCxnSpPr>
+          <p:cNvPr id="5" name="Straight Connector 4">
+            <a:extLst>
+              <a:ext uri="{FF2B5EF4-FFF2-40B4-BE49-F238E27FC236}">
+                <a16:creationId xmlns:a16="http://schemas.microsoft.com/office/drawing/2014/main" id="{B9FA7C45-7940-4FD8-8B49-80FAAB2D4BFA}"/>
+              </a:ext>
+            </a:extLst>
+          </p:cNvPr>
+          <p:cNvCxnSpPr>
+            <a:cxnSpLocks/>
+          </p:cNvCxnSpPr>
+          <p:nvPr/>
+        </p:nvCxnSpPr>
+        <p:spPr>
+          <a:xfrm>
+            <a:off x="954157" y="1134596"/>
+            <a:ext cx="9263270" cy="0"/>
+          </a:xfrm>
+          <a:prstGeom prst="line">
+            <a:avLst/>
+          </a:prstGeom>
+        </p:spPr>
+        <p:style>
+          <a:lnRef idx="1">
+            <a:schemeClr val="accent1"/>
+          </a:lnRef>
+          <a:fillRef idx="0">
+            <a:schemeClr val="accent1"/>
+          </a:fillRef>
+          <a:effectRef idx="0">
+            <a:schemeClr val="accent1"/>
+          </a:effectRef>
+          <a:fontRef idx="minor">
+            <a:schemeClr val="tx1"/>
+          </a:fontRef>
+        </p:style>
+      </p:cxnSp>
+      <p:sp>
+        <p:nvSpPr>
+          <p:cNvPr id="9" name="Rectangle 8">
+            <a:extLst>
+              <a:ext uri="{FF2B5EF4-FFF2-40B4-BE49-F238E27FC236}">
+                <a16:creationId xmlns:a16="http://schemas.microsoft.com/office/drawing/2014/main" id="{866AA0F8-8335-4B8E-80A2-3E7C74D33984}"/>
+              </a:ext>
+            </a:extLst>
+          </p:cNvPr>
+          <p:cNvSpPr/>
+          <p:nvPr/>
+        </p:nvSpPr>
+        <p:spPr>
+          <a:xfrm>
+            <a:off x="847715" y="1134596"/>
+            <a:ext cx="2799164" cy="584775"/>
+          </a:xfrm>
+          <a:prstGeom prst="rect">
+            <a:avLst/>
+          </a:prstGeom>
+          <a:noFill/>
+        </p:spPr>
+        <p:txBody>
+          <a:bodyPr wrap="none" rtlCol="0">
+            <a:spAutoFit/>
+          </a:bodyPr>
+          <a:lstStyle/>
+          <a:p>
+            <a:r>
+              <a:rPr lang="en-US" sz="3200" b="1" dirty="0">
+                <a:solidFill>
+                  <a:schemeClr val="accent1">
+                    <a:lumMod val="50000"/>
+                  </a:schemeClr>
+                </a:solidFill>
+                <a:latin typeface="-apple-system"/>
+              </a:rPr>
+              <a:t>Lesson Learned</a:t>
+            </a:r>
+          </a:p>
+        </p:txBody>
+      </p:sp>
+      <p:sp>
+        <p:nvSpPr>
+          <p:cNvPr id="23" name="TextBox 22">
+            <a:extLst>
+              <a:ext uri="{FF2B5EF4-FFF2-40B4-BE49-F238E27FC236}">
+                <a16:creationId xmlns:a16="http://schemas.microsoft.com/office/drawing/2014/main" id="{E07BA0DA-7C8E-4A1A-BA11-F9E466235250}"/>
+              </a:ext>
+            </a:extLst>
+          </p:cNvPr>
+          <p:cNvSpPr txBox="1"/>
+          <p:nvPr/>
+        </p:nvSpPr>
+        <p:spPr>
+          <a:xfrm>
+            <a:off x="954157" y="3431892"/>
+            <a:ext cx="8313109" cy="2308324"/>
+          </a:xfrm>
+          <a:prstGeom prst="rect">
+            <a:avLst/>
+          </a:prstGeom>
+          <a:noFill/>
+        </p:spPr>
+        <p:txBody>
+          <a:bodyPr wrap="none" rtlCol="0">
+            <a:spAutoFit/>
+          </a:bodyPr>
+          <a:lstStyle/>
+          <a:p>
+            <a:pPr algn="ctr"/>
+            <a:r>
+              <a:rPr lang="en-US" sz="4800" dirty="0"/>
+              <a:t>I learned that I am stronger than</a:t>
+            </a:r>
+          </a:p>
+          <a:p>
+            <a:pPr algn="ctr"/>
+            <a:r>
+              <a:rPr lang="en-US" sz="4800" dirty="0"/>
+              <a:t>the little voice in my head telling</a:t>
+            </a:r>
+          </a:p>
+          <a:p>
+            <a:pPr algn="ctr"/>
+            <a:r>
+              <a:rPr lang="en-US" sz="4800" dirty="0"/>
+              <a:t>me to quit.</a:t>
+            </a:r>
+          </a:p>
+        </p:txBody>
+      </p:sp>
+      <p:sp>
+        <p:nvSpPr>
+          <p:cNvPr id="26" name="TextBox 25">
+            <a:extLst>
+              <a:ext uri="{FF2B5EF4-FFF2-40B4-BE49-F238E27FC236}">
+                <a16:creationId xmlns:a16="http://schemas.microsoft.com/office/drawing/2014/main" id="{1F9A4F48-4EFE-4B74-82CF-C3B3F664B9DD}"/>
+              </a:ext>
+            </a:extLst>
+          </p:cNvPr>
+          <p:cNvSpPr txBox="1"/>
+          <p:nvPr/>
+        </p:nvSpPr>
+        <p:spPr>
+          <a:xfrm>
+            <a:off x="3055475" y="1850910"/>
+            <a:ext cx="4110471" cy="1446550"/>
+          </a:xfrm>
+          <a:prstGeom prst="rect">
+            <a:avLst/>
+          </a:prstGeom>
+          <a:noFill/>
+        </p:spPr>
+        <p:txBody>
+          <a:bodyPr wrap="square">
+            <a:spAutoFit/>
+          </a:bodyPr>
+          <a:lstStyle/>
+          <a:p>
+            <a:pPr algn="ctr"/>
+            <a:r>
+              <a:rPr lang="en-US" sz="8800" b="1" dirty="0">
+                <a:solidFill>
+                  <a:srgbClr val="FF0000"/>
+                </a:solidFill>
+                <a:latin typeface="Caveat" panose="00000500000000000000" pitchFamily="2" charset="0"/>
+              </a:rPr>
+              <a:t>Finally</a:t>
+            </a:r>
+          </a:p>
+        </p:txBody>
+      </p:sp>
+      <p:pic>
+        <p:nvPicPr>
+          <p:cNvPr id="5122" name="Picture 2" descr="Strong independent woman stay at home mom sahm Vector Image">
+            <a:extLst>
+              <a:ext uri="{FF2B5EF4-FFF2-40B4-BE49-F238E27FC236}">
+                <a16:creationId xmlns:a16="http://schemas.microsoft.com/office/drawing/2014/main" id="{00BF0857-B257-4B53-AAED-50BD5D737B8F}"/>
+              </a:ext>
+            </a:extLst>
+          </p:cNvPr>
+          <p:cNvPicPr>
+            <a:picLocks noChangeAspect="1" noChangeArrowheads="1"/>
+          </p:cNvPicPr>
+          <p:nvPr/>
+        </p:nvPicPr>
+        <p:blipFill rotWithShape="1">
+          <a:blip r:embed="rId4">
+            <a:extLst>
+              <a:ext uri="{28A0092B-C50C-407E-A947-70E740481C1C}">
+                <a14:useLocalDpi xmlns:a14="http://schemas.microsoft.com/office/drawing/2010/main" val="0"/>
+              </a:ext>
+            </a:extLst>
+          </a:blip>
+          <a:srcRect b="7679"/>
+          <a:stretch/>
+        </p:blipFill>
+        <p:spPr bwMode="auto">
+          <a:xfrm>
+            <a:off x="9238600" y="2574185"/>
+            <a:ext cx="2953400" cy="4206752"/>
+          </a:xfrm>
+          <a:prstGeom prst="rect">
+            <a:avLst/>
+          </a:prstGeom>
+          <a:noFill/>
+          <a:extLst>
+            <a:ext uri="{909E8E84-426E-40DD-AFC4-6F175D3DCCD1}">
+              <a14:hiddenFill xmlns:a14="http://schemas.microsoft.com/office/drawing/2010/main">
+                <a:solidFill>
+                  <a:srgbClr val="FFFFFF"/>
+                </a:solidFill>
+              </a14:hiddenFill>
+            </a:ext>
+          </a:extLst>
+        </p:spPr>
+      </p:pic>
+    </p:spTree>
+    <p:extLst>
+      <p:ext uri="{BB962C8B-B14F-4D97-AF65-F5344CB8AC3E}">
+        <p14:creationId xmlns:p14="http://schemas.microsoft.com/office/powerpoint/2010/main" val="3202981119"/>
+      </p:ext>
+    </p:extLst>
+  </p:cSld>
+  <p:clrMapOvr>
+    <a:masterClrMapping/>
+  </p:clrMapOvr>
+  <p:timing>
+    <p:tnLst>
+      <p:par>
+        <p:cTn id="1" dur="indefinite" restart="never" nodeType="tmRoot">
+          <p:childTnLst>
+            <p:seq concurrent="1" nextAc="seek">
+              <p:cTn id="2" dur="indefinite" nodeType="mainSeq">
+                <p:childTnLst>
+                  <p:par>
+                    <p:cTn id="3" fill="hold">
+                      <p:stCondLst>
+                        <p:cond delay="indefinite"/>
+                      </p:stCondLst>
+                      <p:childTnLst>
+                        <p:par>
+                          <p:cTn id="4" fill="hold">
+                            <p:stCondLst>
+                              <p:cond delay="0"/>
+                            </p:stCondLst>
+                            <p:childTnLst>
+                              <p:par>
+                                <p:cTn id="5" presetID="53" presetClass="entr" presetSubtype="16" fill="hold" grpId="0" nodeType="clickEffect">
+                                  <p:stCondLst>
+                                    <p:cond delay="0"/>
+                                  </p:stCondLst>
+                                  <p:childTnLst>
+                                    <p:set>
+                                      <p:cBhvr>
+                                        <p:cTn id="6" dur="1" fill="hold">
+                                          <p:stCondLst>
+                                            <p:cond delay="0"/>
+                                          </p:stCondLst>
+                                        </p:cTn>
+                                        <p:tgtEl>
+                                          <p:spTgt spid="26"/>
+                                        </p:tgtEl>
+                                        <p:attrNameLst>
+                                          <p:attrName>style.visibility</p:attrName>
+                                        </p:attrNameLst>
+                                      </p:cBhvr>
+                                      <p:to>
+                                        <p:strVal val="visible"/>
+                                      </p:to>
+                                    </p:set>
+                                    <p:anim calcmode="lin" valueType="num">
+                                      <p:cBhvr>
+                                        <p:cTn id="7" dur="500" fill="hold"/>
+                                        <p:tgtEl>
+                                          <p:spTgt spid="26"/>
+                                        </p:tgtEl>
+                                        <p:attrNameLst>
+                                          <p:attrName>ppt_w</p:attrName>
+                                        </p:attrNameLst>
+                                      </p:cBhvr>
+                                      <p:tavLst>
+                                        <p:tav tm="0">
+                                          <p:val>
+                                            <p:fltVal val="0"/>
+                                          </p:val>
+                                        </p:tav>
+                                        <p:tav tm="100000">
+                                          <p:val>
+                                            <p:strVal val="#ppt_w"/>
+                                          </p:val>
+                                        </p:tav>
+                                      </p:tavLst>
+                                    </p:anim>
+                                    <p:anim calcmode="lin" valueType="num">
+                                      <p:cBhvr>
+                                        <p:cTn id="8" dur="500" fill="hold"/>
+                                        <p:tgtEl>
+                                          <p:spTgt spid="26"/>
+                                        </p:tgtEl>
+                                        <p:attrNameLst>
+                                          <p:attrName>ppt_h</p:attrName>
+                                        </p:attrNameLst>
+                                      </p:cBhvr>
+                                      <p:tavLst>
+                                        <p:tav tm="0">
+                                          <p:val>
+                                            <p:fltVal val="0"/>
+                                          </p:val>
+                                        </p:tav>
+                                        <p:tav tm="100000">
+                                          <p:val>
+                                            <p:strVal val="#ppt_h"/>
+                                          </p:val>
+                                        </p:tav>
+                                      </p:tavLst>
+                                    </p:anim>
+                                    <p:animEffect transition="in" filter="fade">
+                                      <p:cBhvr>
+                                        <p:cTn id="9" dur="500"/>
+                                        <p:tgtEl>
+                                          <p:spTgt spid="26"/>
+                                        </p:tgtEl>
+                                      </p:cBhvr>
+                                    </p:animEffect>
+                                  </p:childTnLst>
+                                </p:cTn>
+                              </p:par>
+                            </p:childTnLst>
+                          </p:cTn>
+                        </p:par>
+                        <p:par>
+                          <p:cTn id="10" fill="hold">
+                            <p:stCondLst>
+                              <p:cond delay="500"/>
+                            </p:stCondLst>
+                            <p:childTnLst>
+                              <p:par>
+                                <p:cTn id="11" presetID="22" presetClass="entr" presetSubtype="8" fill="hold" grpId="0" nodeType="afterEffect">
+                                  <p:stCondLst>
+                                    <p:cond delay="0"/>
+                                  </p:stCondLst>
+                                  <p:childTnLst>
+                                    <p:set>
+                                      <p:cBhvr>
+                                        <p:cTn id="12" dur="1" fill="hold">
+                                          <p:stCondLst>
+                                            <p:cond delay="0"/>
+                                          </p:stCondLst>
+                                        </p:cTn>
+                                        <p:tgtEl>
+                                          <p:spTgt spid="23"/>
+                                        </p:tgtEl>
+                                        <p:attrNameLst>
+                                          <p:attrName>style.visibility</p:attrName>
+                                        </p:attrNameLst>
+                                      </p:cBhvr>
+                                      <p:to>
+                                        <p:strVal val="visible"/>
+                                      </p:to>
+                                    </p:set>
+                                    <p:animEffect transition="in" filter="wipe(left)">
+                                      <p:cBhvr>
+                                        <p:cTn id="13" dur="500"/>
+                                        <p:tgtEl>
+                                          <p:spTgt spid="23"/>
+                                        </p:tgtEl>
+                                      </p:cBhvr>
+                                    </p:animEffect>
+                                  </p:childTnLst>
+                                </p:cTn>
+                              </p:par>
+                              <p:par>
+                                <p:cTn id="14" presetID="10" presetClass="entr" presetSubtype="0" fill="hold" nodeType="withEffect">
+                                  <p:stCondLst>
+                                    <p:cond delay="0"/>
+                                  </p:stCondLst>
+                                  <p:childTnLst>
+                                    <p:set>
+                                      <p:cBhvr>
+                                        <p:cTn id="15" dur="1" fill="hold">
+                                          <p:stCondLst>
+                                            <p:cond delay="0"/>
+                                          </p:stCondLst>
+                                        </p:cTn>
+                                        <p:tgtEl>
+                                          <p:spTgt spid="5122"/>
+                                        </p:tgtEl>
+                                        <p:attrNameLst>
+                                          <p:attrName>style.visibility</p:attrName>
+                                        </p:attrNameLst>
+                                      </p:cBhvr>
+                                      <p:to>
+                                        <p:strVal val="visible"/>
+                                      </p:to>
+                                    </p:set>
+                                    <p:animEffect transition="in" filter="fade">
+                                      <p:cBhvr>
+                                        <p:cTn id="16" dur="500"/>
+                                        <p:tgtEl>
+                                          <p:spTgt spid="5122"/>
+                                        </p:tgtEl>
+                                      </p:cBhvr>
+                                    </p:animEffect>
+                                  </p:childTnLst>
+                                </p:cTn>
+                              </p:par>
+                            </p:childTnLst>
+                          </p:cTn>
+                        </p:par>
+                      </p:childTnLst>
+                    </p:cTn>
+                  </p:par>
+                </p:childTnLst>
+              </p:cTn>
+              <p:prevCondLst>
+                <p:cond evt="onPrev" delay="0">
+                  <p:tgtEl>
+                    <p:sldTgt/>
+                  </p:tgtEl>
+                </p:cond>
+              </p:prevCondLst>
+              <p:nextCondLst>
+                <p:cond evt="onNext" delay="0">
+                  <p:tgtEl>
+                    <p:sldTgt/>
+                  </p:tgtEl>
+                </p:cond>
+              </p:nextCondLst>
+            </p:seq>
+          </p:childTnLst>
+        </p:cTn>
+      </p:par>
+    </p:tnLst>
+    <p:bldLst>
+      <p:bldP spid="23" grpId="0"/>
+      <p:bldP spid="26" grpId="0"/>
+    </p:bldLst>
+  </p:timing>
+</p:sld>
+</file>
+
+<file path=ppt/slides/slide25.xml><?xml version="1.0" encoding="utf-8"?>
+<p:sld xmlns:a="http://schemas.openxmlformats.org/drawingml/2006/main" xmlns:r="http://schemas.openxmlformats.org/officeDocument/2006/relationships" xmlns:p="http://schemas.openxmlformats.org/presentationml/2006/main">
+  <p:cSld>
+    <p:spTree>
+      <p:nvGrpSpPr>
+        <p:cNvPr id="1" name=""/>
+        <p:cNvGrpSpPr/>
+        <p:nvPr/>
+      </p:nvGrpSpPr>
+      <p:grpSpPr>
+        <a:xfrm>
+          <a:off x="0" y="0"/>
+          <a:ext cx="0" cy="0"/>
+          <a:chOff x="0" y="0"/>
+          <a:chExt cx="0" cy="0"/>
+        </a:xfrm>
+      </p:grpSpPr>
+      <p:pic>
+        <p:nvPicPr>
+          <p:cNvPr id="4" name="Picture 2">
+            <a:extLst>
+              <a:ext uri="{FF2B5EF4-FFF2-40B4-BE49-F238E27FC236}">
+                <a16:creationId xmlns:a16="http://schemas.microsoft.com/office/drawing/2014/main" id="{BD7A6457-514A-41B6-BBCD-0B35A2C29DB5}"/>
+              </a:ext>
+            </a:extLst>
+          </p:cNvPr>
+          <p:cNvPicPr>
+            <a:picLocks noChangeAspect="1" noChangeArrowheads="1"/>
+          </p:cNvPicPr>
+          <p:nvPr/>
+        </p:nvPicPr>
+        <p:blipFill>
+          <a:blip r:embed="rId2">
+            <a:extLst>
+              <a:ext uri="{28A0092B-C50C-407E-A947-70E740481C1C}">
+                <a14:useLocalDpi xmlns:a14="http://schemas.microsoft.com/office/drawing/2010/main" val="0"/>
+              </a:ext>
+            </a:extLst>
+          </a:blip>
+          <a:srcRect/>
+          <a:stretch>
+            <a:fillRect/>
+          </a:stretch>
+        </p:blipFill>
+        <p:spPr bwMode="auto">
+          <a:xfrm>
+            <a:off x="0" y="5805814"/>
+            <a:ext cx="2588377" cy="1052186"/>
+          </a:xfrm>
+          <a:prstGeom prst="rect">
+            <a:avLst/>
+          </a:prstGeom>
+          <a:noFill/>
+          <a:extLst>
+            <a:ext uri="{909E8E84-426E-40DD-AFC4-6F175D3DCCD1}">
+              <a14:hiddenFill xmlns:a14="http://schemas.microsoft.com/office/drawing/2010/main">
+                <a:solidFill>
+                  <a:srgbClr val="FFFFFF"/>
+                </a:solidFill>
+              </a14:hiddenFill>
+            </a:ext>
+          </a:extLst>
+        </p:spPr>
+      </p:pic>
+      <p:sp>
+        <p:nvSpPr>
+          <p:cNvPr id="3" name="Rectangle 2">
+            <a:extLst>
+              <a:ext uri="{FF2B5EF4-FFF2-40B4-BE49-F238E27FC236}">
+                <a16:creationId xmlns:a16="http://schemas.microsoft.com/office/drawing/2014/main" id="{059ECD1A-6982-4309-8F60-AEAB6A5A6B7C}"/>
+              </a:ext>
+            </a:extLst>
+          </p:cNvPr>
+          <p:cNvSpPr/>
+          <p:nvPr/>
+        </p:nvSpPr>
+        <p:spPr>
+          <a:xfrm>
+            <a:off x="847715" y="303599"/>
+            <a:ext cx="5803384" cy="830997"/>
+          </a:xfrm>
+          <a:prstGeom prst="rect">
+            <a:avLst/>
+          </a:prstGeom>
+          <a:noFill/>
+        </p:spPr>
+        <p:txBody>
+          <a:bodyPr wrap="none" rtlCol="0">
+            <a:spAutoFit/>
+          </a:bodyPr>
+          <a:lstStyle/>
+          <a:p>
+            <a:r>
+              <a:rPr lang="en-US" sz="4800" b="1" dirty="0">
+                <a:solidFill>
+                  <a:schemeClr val="accent1">
+                    <a:lumMod val="50000"/>
+                  </a:schemeClr>
+                </a:solidFill>
+                <a:latin typeface="-apple-system"/>
+              </a:rPr>
+              <a:t>Questions &amp; Answers:</a:t>
+            </a:r>
+          </a:p>
+        </p:txBody>
+      </p:sp>
+      <p:cxnSp>
+        <p:nvCxnSpPr>
+          <p:cNvPr id="5" name="Straight Connector 4">
+            <a:extLst>
+              <a:ext uri="{FF2B5EF4-FFF2-40B4-BE49-F238E27FC236}">
+                <a16:creationId xmlns:a16="http://schemas.microsoft.com/office/drawing/2014/main" id="{B9FA7C45-7940-4FD8-8B49-80FAAB2D4BFA}"/>
+              </a:ext>
+            </a:extLst>
+          </p:cNvPr>
+          <p:cNvCxnSpPr>
+            <a:cxnSpLocks/>
+          </p:cNvCxnSpPr>
+          <p:nvPr/>
+        </p:nvCxnSpPr>
+        <p:spPr>
+          <a:xfrm>
+            <a:off x="954157" y="1134596"/>
+            <a:ext cx="9263270" cy="0"/>
+          </a:xfrm>
+          <a:prstGeom prst="line">
+            <a:avLst/>
+          </a:prstGeom>
+        </p:spPr>
+        <p:style>
+          <a:lnRef idx="1">
+            <a:schemeClr val="accent1"/>
+          </a:lnRef>
+          <a:fillRef idx="0">
+            <a:schemeClr val="accent1"/>
+          </a:fillRef>
+          <a:effectRef idx="0">
+            <a:schemeClr val="accent1"/>
+          </a:effectRef>
+          <a:fontRef idx="minor">
+            <a:schemeClr val="tx1"/>
+          </a:fontRef>
+        </p:style>
+      </p:cxnSp>
+      <p:pic>
+        <p:nvPicPr>
+          <p:cNvPr id="3074" name="Picture 2" descr="Wear And Tear: Q&amp;amp;amp;A | Katy, TX">
+            <a:extLst>
+              <a:ext uri="{FF2B5EF4-FFF2-40B4-BE49-F238E27FC236}">
+                <a16:creationId xmlns:a16="http://schemas.microsoft.com/office/drawing/2014/main" id="{B23BEB9B-EF09-4882-AAF8-1BBD10C26CFF}"/>
+              </a:ext>
+            </a:extLst>
+          </p:cNvPr>
+          <p:cNvPicPr>
+            <a:picLocks noChangeAspect="1" noChangeArrowheads="1"/>
+          </p:cNvPicPr>
+          <p:nvPr/>
+        </p:nvPicPr>
+        <p:blipFill>
+          <a:blip r:embed="rId3">
+            <a:extLst>
+              <a:ext uri="{28A0092B-C50C-407E-A947-70E740481C1C}">
+                <a14:useLocalDpi xmlns:a14="http://schemas.microsoft.com/office/drawing/2010/main" val="0"/>
+              </a:ext>
+            </a:extLst>
+          </a:blip>
+          <a:srcRect/>
+          <a:stretch>
+            <a:fillRect/>
+          </a:stretch>
+        </p:blipFill>
+        <p:spPr bwMode="auto">
+          <a:xfrm>
+            <a:off x="2228389" y="1584539"/>
+            <a:ext cx="6714806" cy="4747368"/>
+          </a:xfrm>
+          <a:prstGeom prst="rect">
+            <a:avLst/>
+          </a:prstGeom>
+          <a:noFill/>
+          <a:extLst>
+            <a:ext uri="{909E8E84-426E-40DD-AFC4-6F175D3DCCD1}">
+              <a14:hiddenFill xmlns:a14="http://schemas.microsoft.com/office/drawing/2010/main">
+                <a:solidFill>
+                  <a:srgbClr val="FFFFFF"/>
+                </a:solidFill>
+              </a14:hiddenFill>
+            </a:ext>
+          </a:extLst>
+        </p:spPr>
+      </p:pic>
+    </p:spTree>
+    <p:extLst>
+      <p:ext uri="{BB962C8B-B14F-4D97-AF65-F5344CB8AC3E}">
+        <p14:creationId xmlns:p14="http://schemas.microsoft.com/office/powerpoint/2010/main" val="1332005545"/>
+      </p:ext>
+    </p:extLst>
+  </p:cSld>
+  <p:clrMapOvr>
+    <a:masterClrMapping/>
+  </p:clrMapOvr>
+  <p:timing>
+    <p:tnLst>
+      <p:par>
+        <p:cTn id="1" dur="indefinite" restart="never" nodeType="tmRoot">
+          <p:childTnLst>
+            <p:seq concurrent="1" nextAc="seek">
+              <p:cTn id="2" dur="indefinite" nodeType="mainSeq">
+                <p:childTnLst>
+                  <p:par>
+                    <p:cTn id="3" fill="hold">
+                      <p:stCondLst>
+                        <p:cond delay="indefinite"/>
+                        <p:cond evt="onBegin" delay="0">
+                          <p:tn val="2"/>
+                        </p:cond>
+                      </p:stCondLst>
+                      <p:childTnLst>
+                        <p:par>
+                          <p:cTn id="4" fill="hold">
+                            <p:stCondLst>
+                              <p:cond delay="0"/>
+                            </p:stCondLst>
+                            <p:childTnLst>
+                              <p:par>
+                                <p:cTn id="5" presetID="22" presetClass="entr" presetSubtype="8" fill="hold" grpId="0" nodeType="afterEffect">
+                                  <p:stCondLst>
+                                    <p:cond delay="0"/>
+                                  </p:stCondLst>
+                                  <p:childTnLst>
+                                    <p:set>
+                                      <p:cBhvr>
+                                        <p:cTn id="6" dur="1" fill="hold">
+                                          <p:stCondLst>
+                                            <p:cond delay="0"/>
+                                          </p:stCondLst>
+                                        </p:cTn>
+                                        <p:tgtEl>
+                                          <p:spTgt spid="3"/>
+                                        </p:tgtEl>
+                                        <p:attrNameLst>
+                                          <p:attrName>style.visibility</p:attrName>
+                                        </p:attrNameLst>
+                                      </p:cBhvr>
+                                      <p:to>
+                                        <p:strVal val="visible"/>
+                                      </p:to>
+                                    </p:set>
+                                    <p:animEffect transition="in" filter="wipe(left)">
+                                      <p:cBhvr>
+                                        <p:cTn id="7" dur="500"/>
+                                        <p:tgtEl>
+                                          <p:spTgt spid="3"/>
+                                        </p:tgtEl>
+                                      </p:cBhvr>
+                                    </p:animEffect>
+                                  </p:childTnLst>
+                                </p:cTn>
+                              </p:par>
+                            </p:childTnLst>
+                          </p:cTn>
+                        </p:par>
+                        <p:par>
+                          <p:cTn id="8" fill="hold">
+                            <p:stCondLst>
+                              <p:cond delay="500"/>
+                            </p:stCondLst>
+                            <p:childTnLst>
+                              <p:par>
+                                <p:cTn id="9" presetID="22" presetClass="entr" presetSubtype="8" fill="hold" nodeType="afterEffect">
+                                  <p:stCondLst>
+                                    <p:cond delay="0"/>
+                                  </p:stCondLst>
+                                  <p:childTnLst>
+                                    <p:set>
+                                      <p:cBhvr>
+                                        <p:cTn id="10" dur="1" fill="hold">
+                                          <p:stCondLst>
+                                            <p:cond delay="0"/>
+                                          </p:stCondLst>
+                                        </p:cTn>
+                                        <p:tgtEl>
+                                          <p:spTgt spid="5"/>
+                                        </p:tgtEl>
+                                        <p:attrNameLst>
+                                          <p:attrName>style.visibility</p:attrName>
+                                        </p:attrNameLst>
+                                      </p:cBhvr>
+                                      <p:to>
+                                        <p:strVal val="visible"/>
+                                      </p:to>
+                                    </p:set>
+                                    <p:animEffect transition="in" filter="wipe(left)">
+                                      <p:cBhvr>
+                                        <p:cTn id="11" dur="500"/>
+                                        <p:tgtEl>
+                                          <p:spTgt spid="5"/>
+                                        </p:tgtEl>
+                                      </p:cBhvr>
+                                    </p:animEffect>
+                                  </p:childTnLst>
+                                </p:cTn>
+                              </p:par>
+                            </p:childTnLst>
+                          </p:cTn>
+                        </p:par>
+                        <p:par>
+                          <p:cTn id="12" fill="hold">
+                            <p:stCondLst>
+                              <p:cond delay="1000"/>
+                            </p:stCondLst>
+                            <p:childTnLst>
+                              <p:par>
+                                <p:cTn id="13" presetID="53" presetClass="entr" presetSubtype="16" fill="hold" nodeType="afterEffect">
+                                  <p:stCondLst>
+                                    <p:cond delay="0"/>
+                                  </p:stCondLst>
+                                  <p:childTnLst>
+                                    <p:set>
+                                      <p:cBhvr>
+                                        <p:cTn id="14" dur="1" fill="hold">
+                                          <p:stCondLst>
+                                            <p:cond delay="0"/>
+                                          </p:stCondLst>
+                                        </p:cTn>
+                                        <p:tgtEl>
+                                          <p:spTgt spid="3074"/>
+                                        </p:tgtEl>
+                                        <p:attrNameLst>
+                                          <p:attrName>style.visibility</p:attrName>
+                                        </p:attrNameLst>
+                                      </p:cBhvr>
+                                      <p:to>
+                                        <p:strVal val="visible"/>
+                                      </p:to>
+                                    </p:set>
+                                    <p:anim calcmode="lin" valueType="num">
+                                      <p:cBhvr>
+                                        <p:cTn id="15" dur="500" fill="hold"/>
+                                        <p:tgtEl>
+                                          <p:spTgt spid="3074"/>
+                                        </p:tgtEl>
+                                        <p:attrNameLst>
+                                          <p:attrName>ppt_w</p:attrName>
+                                        </p:attrNameLst>
+                                      </p:cBhvr>
+                                      <p:tavLst>
+                                        <p:tav tm="0">
+                                          <p:val>
+                                            <p:fltVal val="0"/>
+                                          </p:val>
+                                        </p:tav>
+                                        <p:tav tm="100000">
+                                          <p:val>
+                                            <p:strVal val="#ppt_w"/>
+                                          </p:val>
+                                        </p:tav>
+                                      </p:tavLst>
+                                    </p:anim>
+                                    <p:anim calcmode="lin" valueType="num">
+                                      <p:cBhvr>
+                                        <p:cTn id="16" dur="500" fill="hold"/>
+                                        <p:tgtEl>
+                                          <p:spTgt spid="3074"/>
+                                        </p:tgtEl>
+                                        <p:attrNameLst>
+                                          <p:attrName>ppt_h</p:attrName>
+                                        </p:attrNameLst>
+                                      </p:cBhvr>
+                                      <p:tavLst>
+                                        <p:tav tm="0">
+                                          <p:val>
+                                            <p:fltVal val="0"/>
+                                          </p:val>
+                                        </p:tav>
+                                        <p:tav tm="100000">
+                                          <p:val>
+                                            <p:strVal val="#ppt_h"/>
+                                          </p:val>
+                                        </p:tav>
+                                      </p:tavLst>
+                                    </p:anim>
+                                    <p:animEffect transition="in" filter="fade">
+                                      <p:cBhvr>
+                                        <p:cTn id="17" dur="500"/>
+                                        <p:tgtEl>
+                                          <p:spTgt spid="3074"/>
+                                        </p:tgtEl>
+                                      </p:cBhvr>
+                                    </p:animEffect>
+                                  </p:childTnLst>
+                                </p:cTn>
+                              </p:par>
+                            </p:childTnLst>
+                          </p:cTn>
+                        </p:par>
+                      </p:childTnLst>
+                    </p:cTn>
+                  </p:par>
+                </p:childTnLst>
+              </p:cTn>
+              <p:prevCondLst>
+                <p:cond evt="onPrev" delay="0">
+                  <p:tgtEl>
+                    <p:sldTgt/>
+                  </p:tgtEl>
+                </p:cond>
+              </p:prevCondLst>
+              <p:nextCondLst>
+                <p:cond evt="onNext" delay="0">
+                  <p:tgtEl>
+                    <p:sldTgt/>
+                  </p:tgtEl>
+                </p:cond>
+              </p:nextCondLst>
+            </p:seq>
+          </p:childTnLst>
+        </p:cTn>
+      </p:par>
+    </p:tnLst>
+    <p:bldLst>
+      <p:bldP spid="3" grpId="0"/>
     </p:bldLst>
   </p:timing>
 </p:sld>
@@ -14555,7 +20668,7 @@
           <a:p>
             <a:r>
               <a:rPr lang="en-US" sz="3600" dirty="0"/>
-              <a:t>Tweets using location its </a:t>
+              <a:t>Tweets using location</a:t>
             </a:r>
           </a:p>
           <a:p>
@@ -19325,7 +25438,7 @@
         </p:nvSpPr>
         <p:spPr>
           <a:xfrm>
-            <a:off x="285900" y="2069821"/>
+            <a:off x="309050" y="2408375"/>
             <a:ext cx="6004465" cy="2123658"/>
           </a:xfrm>
           <a:prstGeom prst="rect">
@@ -19346,7 +25459,7 @@
                   <a:srgbClr val="C00000"/>
                 </a:solidFill>
               </a:rPr>
-              <a:t>Identify the tweets feeling based on tweets countries </a:t>
+              <a:t>Identify the emotion in different countries based on tweets’ text </a:t>
             </a:r>
           </a:p>
         </p:txBody>

--- a/presentation/MIDS_SamahBalkhair_Tweets_Opinions.pptx
+++ b/presentation/MIDS_SamahBalkhair_Tweets_Opinions.pptx
@@ -3635,7 +3635,7 @@
           <a:p>
             <a:fld id="{3D261C54-C396-4790-B20E-543F666662DF}" type="datetimeFigureOut">
               <a:rPr lang="en-US" smtClean="0"/>
-              <a:t>3/7/2022</a:t>
+              <a:t>3/9/2022</a:t>
             </a:fld>
             <a:endParaRPr lang="en-US"/>
           </a:p>
@@ -3833,7 +3833,7 @@
           <a:p>
             <a:fld id="{3D261C54-C396-4790-B20E-543F666662DF}" type="datetimeFigureOut">
               <a:rPr lang="en-US" smtClean="0"/>
-              <a:t>3/7/2022</a:t>
+              <a:t>3/9/2022</a:t>
             </a:fld>
             <a:endParaRPr lang="en-US"/>
           </a:p>
@@ -4041,7 +4041,7 @@
           <a:p>
             <a:fld id="{3D261C54-C396-4790-B20E-543F666662DF}" type="datetimeFigureOut">
               <a:rPr lang="en-US" smtClean="0"/>
-              <a:t>3/7/2022</a:t>
+              <a:t>3/9/2022</a:t>
             </a:fld>
             <a:endParaRPr lang="en-US"/>
           </a:p>
@@ -4239,7 +4239,7 @@
           <a:p>
             <a:fld id="{3D261C54-C396-4790-B20E-543F666662DF}" type="datetimeFigureOut">
               <a:rPr lang="en-US" smtClean="0"/>
-              <a:t>3/7/2022</a:t>
+              <a:t>3/9/2022</a:t>
             </a:fld>
             <a:endParaRPr lang="en-US"/>
           </a:p>
@@ -4514,7 +4514,7 @@
           <a:p>
             <a:fld id="{3D261C54-C396-4790-B20E-543F666662DF}" type="datetimeFigureOut">
               <a:rPr lang="en-US" smtClean="0"/>
-              <a:t>3/7/2022</a:t>
+              <a:t>3/9/2022</a:t>
             </a:fld>
             <a:endParaRPr lang="en-US"/>
           </a:p>
@@ -4779,7 +4779,7 @@
           <a:p>
             <a:fld id="{3D261C54-C396-4790-B20E-543F666662DF}" type="datetimeFigureOut">
               <a:rPr lang="en-US" smtClean="0"/>
-              <a:t>3/7/2022</a:t>
+              <a:t>3/9/2022</a:t>
             </a:fld>
             <a:endParaRPr lang="en-US"/>
           </a:p>
@@ -5191,7 +5191,7 @@
           <a:p>
             <a:fld id="{3D261C54-C396-4790-B20E-543F666662DF}" type="datetimeFigureOut">
               <a:rPr lang="en-US" smtClean="0"/>
-              <a:t>3/7/2022</a:t>
+              <a:t>3/9/2022</a:t>
             </a:fld>
             <a:endParaRPr lang="en-US"/>
           </a:p>
@@ -5332,7 +5332,7 @@
           <a:p>
             <a:fld id="{3D261C54-C396-4790-B20E-543F666662DF}" type="datetimeFigureOut">
               <a:rPr lang="en-US" smtClean="0"/>
-              <a:t>3/7/2022</a:t>
+              <a:t>3/9/2022</a:t>
             </a:fld>
             <a:endParaRPr lang="en-US"/>
           </a:p>
@@ -5445,7 +5445,7 @@
           <a:p>
             <a:fld id="{3D261C54-C396-4790-B20E-543F666662DF}" type="datetimeFigureOut">
               <a:rPr lang="en-US" smtClean="0"/>
-              <a:t>3/7/2022</a:t>
+              <a:t>3/9/2022</a:t>
             </a:fld>
             <a:endParaRPr lang="en-US"/>
           </a:p>
@@ -5756,7 +5756,7 @@
           <a:p>
             <a:fld id="{3D261C54-C396-4790-B20E-543F666662DF}" type="datetimeFigureOut">
               <a:rPr lang="en-US" smtClean="0"/>
-              <a:t>3/7/2022</a:t>
+              <a:t>3/9/2022</a:t>
             </a:fld>
             <a:endParaRPr lang="en-US"/>
           </a:p>
@@ -6044,7 +6044,7 @@
           <a:p>
             <a:fld id="{3D261C54-C396-4790-B20E-543F666662DF}" type="datetimeFigureOut">
               <a:rPr lang="en-US" smtClean="0"/>
-              <a:t>3/7/2022</a:t>
+              <a:t>3/9/2022</a:t>
             </a:fld>
             <a:endParaRPr lang="en-US"/>
           </a:p>
@@ -6285,7 +6285,7 @@
           <a:p>
             <a:fld id="{3D261C54-C396-4790-B20E-543F666662DF}" type="datetimeFigureOut">
               <a:rPr lang="en-US" smtClean="0"/>
-              <a:t>3/7/2022</a:t>
+              <a:t>3/9/2022</a:t>
             </a:fld>
             <a:endParaRPr lang="en-US"/>
           </a:p>
@@ -15818,7 +15818,7 @@
         <p:spPr>
           <a:xfrm>
             <a:off x="1958272" y="3564398"/>
-            <a:ext cx="5501634" cy="523220"/>
+            <a:ext cx="5774145" cy="523220"/>
           </a:xfrm>
           <a:prstGeom prst="rect">
             <a:avLst/>
@@ -15852,7 +15852,7 @@
             </a:r>
             <a:r>
               <a:rPr lang="en-US" dirty="0"/>
-              <a:t> hours to execute ~ 4000 rows</a:t>
+              <a:t> hours to execute ~ 24,000 rows</a:t>
             </a:r>
           </a:p>
         </p:txBody>
